--- a/docs/NavPath.pptx
+++ b/docs/NavPath.pptx
@@ -107,6 +107,11 @@
       </a:defRPr>
     </a:lvl9pPr>
   </p:defaultTextStyle>
+  <p:extLst>
+    <p:ext uri="{EFAFB233-063F-42B5-8137-9DF3F51BA10A}">
+      <p15:sldGuideLst xmlns:p15="http://schemas.microsoft.com/office/powerpoint/2012/main"/>
+    </p:ext>
+  </p:extLst>
 </p:presentation>
 </file>
 
@@ -3984,8 +3989,8 @@
           </a:fontRef>
         </p:style>
       </p:cxnSp>
-      <mc:AlternateContent xmlns:mc="http://schemas.openxmlformats.org/markup-compatibility/2006">
-        <mc:Choice xmlns:a14="http://schemas.microsoft.com/office/drawing/2010/main" Requires="a14">
+      <mc:AlternateContent xmlns:mc="http://schemas.openxmlformats.org/markup-compatibility/2006" xmlns:a14="http://schemas.microsoft.com/office/drawing/2010/main">
+        <mc:Choice Requires="a14">
           <p:sp>
             <p:nvSpPr>
               <p:cNvPr id="55" name="TextBox 54">
@@ -4018,6 +4023,7 @@
               </a:bodyPr>
               <a:lstStyle/>
               <a:p>
+                <a:pPr/>
                 <a14:m>
                   <m:oMathPara xmlns:m="http://schemas.openxmlformats.org/officeDocument/2006/math">
                     <m:oMathParaPr>
@@ -4305,13 +4311,7 @@
                               <a:rPr lang="en-US" sz="1000" b="0" i="1" smtClean="0">
                                 <a:latin typeface="Cambria Math" panose="02040503050406030204" pitchFamily="18" charset="0"/>
                               </a:rPr>
-                              <m:t>𝑍</m:t>
-                            </m:r>
-                            <m:r>
-                              <a:rPr lang="en-US" sz="1000" b="0" i="1" smtClean="0">
-                                <a:latin typeface="Cambria Math" panose="02040503050406030204" pitchFamily="18" charset="0"/>
-                              </a:rPr>
-                              <m:t>𝐺</m:t>
+                              <m:t>𝑍𝐺</m:t>
                             </m:r>
                           </m:sub>
                         </m:sSub>
@@ -4413,7 +4413,7 @@
             </p:txBody>
           </p:sp>
         </mc:Choice>
-        <mc:Fallback>
+        <mc:Fallback xmlns="">
           <p:sp>
             <p:nvSpPr>
               <p:cNvPr id="55" name="TextBox 54">
@@ -5187,8 +5187,8 @@
             </p:style>
           </p:cxnSp>
         </p:grpSp>
-        <mc:AlternateContent xmlns:mc="http://schemas.openxmlformats.org/markup-compatibility/2006">
-          <mc:Choice xmlns:a14="http://schemas.microsoft.com/office/drawing/2010/main" Requires="a14">
+        <mc:AlternateContent xmlns:mc="http://schemas.openxmlformats.org/markup-compatibility/2006" xmlns:a14="http://schemas.microsoft.com/office/drawing/2010/main">
+          <mc:Choice Requires="a14">
             <p:sp>
               <p:nvSpPr>
                 <p:cNvPr id="17" name="TextBox 16">
@@ -5448,7 +5448,7 @@
               </p:txBody>
             </p:sp>
           </mc:Choice>
-          <mc:Fallback>
+          <mc:Fallback xmlns="">
             <p:sp>
               <p:nvSpPr>
                 <p:cNvPr id="17" name="TextBox 16">
@@ -6052,7 +6052,7 @@
               <p:spPr>
                 <a:xfrm>
                   <a:off x="2368440" y="1377209"/>
-                  <a:ext cx="1789612" cy="458267"/>
+                  <a:ext cx="1789612" cy="432362"/>
                 </a:xfrm>
                 <a:prstGeom prst="rect">
                   <a:avLst/>
@@ -6076,7 +6076,7 @@
                 <a:lstStyle/>
                 <a:p>
                   <a:r>
-                    <a:rPr lang="en-US" sz="1000" b="1">
+                    <a:rPr lang="en-US" sz="900" b="1">
                       <a:solidFill>
                         <a:schemeClr val="tx1">
                           <a:lumMod val="75000"/>
@@ -6089,7 +6089,7 @@
                   <a14:m>
                     <m:oMath xmlns:m="http://schemas.openxmlformats.org/officeDocument/2006/math">
                       <m:r>
-                        <a:rPr lang="en-US" sz="1000" b="0" i="0" smtClean="0">
+                        <a:rPr lang="en-US" sz="900" b="0" i="0" smtClean="0">
                           <a:solidFill>
                             <a:schemeClr val="tx1">
                               <a:lumMod val="75000"/>
@@ -6104,7 +6104,7 @@
                         <m:accPr>
                           <m:chr m:val="⃗"/>
                           <m:ctrlPr>
-                            <a:rPr lang="en-US" sz="1000" i="1">
+                            <a:rPr lang="en-US" sz="900" i="1">
                               <a:solidFill>
                                 <a:schemeClr val="tx1">
                                   <a:lumMod val="75000"/>
@@ -6119,7 +6119,7 @@
                           <m:sSub>
                             <m:sSubPr>
                               <m:ctrlPr>
-                                <a:rPr lang="en-US" sz="1000" i="1">
+                                <a:rPr lang="en-US" sz="900" i="1">
                                   <a:solidFill>
                                     <a:schemeClr val="tx1">
                                       <a:lumMod val="75000"/>
@@ -6132,7 +6132,7 @@
                             </m:sSubPr>
                             <m:e>
                               <m:r>
-                                <a:rPr lang="en-US" sz="1000" i="1">
+                                <a:rPr lang="en-US" sz="900" i="1">
                                   <a:solidFill>
                                     <a:schemeClr val="tx1">
                                       <a:lumMod val="75000"/>
@@ -6146,7 +6146,7 @@
                             </m:e>
                             <m:sub>
                               <m:r>
-                                <a:rPr lang="en-US" sz="1000" b="0" i="1" smtClean="0">
+                                <a:rPr lang="en-US" sz="900" b="0" i="1" smtClean="0">
                                   <a:solidFill>
                                     <a:schemeClr val="tx1">
                                       <a:lumMod val="75000"/>
@@ -6158,7 +6158,7 @@
                                 <m:t>𝑍</m:t>
                               </m:r>
                               <m:r>
-                                <a:rPr lang="en-US" sz="1000" i="1">
+                                <a:rPr lang="en-US" sz="900" i="1">
                                   <a:solidFill>
                                     <a:schemeClr val="tx1">
                                       <a:lumMod val="75000"/>
@@ -6174,7 +6174,7 @@
                         </m:e>
                       </m:acc>
                       <m:r>
-                        <a:rPr lang="en-US" sz="1000" b="0" i="1" smtClean="0">
+                        <a:rPr lang="en-US" sz="900" b="0" i="1" smtClean="0">
                           <a:solidFill>
                             <a:schemeClr val="tx1">
                               <a:lumMod val="75000"/>
@@ -6188,7 +6188,7 @@
                     </m:oMath>
                   </a14:m>
                   <a:r>
-                    <a:rPr lang="en-US" sz="1000">
+                    <a:rPr lang="en-US" sz="900">
                       <a:solidFill>
                         <a:schemeClr val="tx1">
                           <a:lumMod val="75000"/>
@@ -6201,7 +6201,7 @@
                 </a:p>
                 <a:p>
                   <a:r>
-                    <a:rPr lang="en-US" sz="1200" i="1">
+                    <a:rPr lang="en-US" sz="1100" i="1">
                       <a:solidFill>
                         <a:schemeClr val="tx1">
                           <a:lumMod val="75000"/>
@@ -6212,7 +6212,7 @@
                     <a:t>               </a:t>
                   </a:r>
                   <a:r>
-                    <a:rPr lang="en-US" sz="1000" i="1">
+                    <a:rPr lang="en-US" sz="900" i="1">
                       <a:solidFill>
                         <a:schemeClr val="tx1">
                           <a:lumMod val="75000"/>
@@ -6222,7 +6222,7 @@
                     </a:rPr>
                     <a:t>Z is on G </a:t>
                   </a:r>
-                  <a:endParaRPr lang="en-US" sz="1200" i="1">
+                  <a:endParaRPr lang="en-US" sz="1100" i="1">
                     <a:solidFill>
                       <a:schemeClr val="tx1">
                         <a:lumMod val="75000"/>
@@ -6252,7 +6252,7 @@
               <p:spPr>
                 <a:xfrm>
                   <a:off x="2368440" y="1377209"/>
-                  <a:ext cx="1789612" cy="458267"/>
+                  <a:ext cx="1789612" cy="432362"/>
                 </a:xfrm>
                 <a:prstGeom prst="rect">
                   <a:avLst/>
@@ -6260,7 +6260,7 @@
                 <a:blipFill>
                   <a:blip r:embed="rId3"/>
                   <a:stretch>
-                    <a:fillRect b="-1299"/>
+                    <a:fillRect/>
                   </a:stretch>
                 </a:blipFill>
                 <a:ln>
@@ -6757,7 +6757,7 @@
             <p:spPr>
               <a:xfrm>
                 <a:off x="4378565" y="1377209"/>
-                <a:ext cx="1789612" cy="458267"/>
+                <a:ext cx="1789612" cy="416974"/>
               </a:xfrm>
               <a:prstGeom prst="rect">
                 <a:avLst/>
@@ -6781,7 +6781,7 @@
               <a:lstStyle/>
               <a:p>
                 <a:r>
-                  <a:rPr lang="en-US" sz="1000" b="1">
+                  <a:rPr lang="en-US" sz="900" b="1">
                     <a:solidFill>
                       <a:schemeClr val="tx1">
                         <a:lumMod val="75000"/>
@@ -6797,7 +6797,7 @@
                       <m:accPr>
                         <m:chr m:val="⃗"/>
                         <m:ctrlPr>
-                          <a:rPr lang="en-US" sz="1000" i="1">
+                          <a:rPr lang="en-US" sz="900" i="1">
                             <a:solidFill>
                               <a:schemeClr val="tx1">
                                 <a:lumMod val="75000"/>
@@ -6812,7 +6812,7 @@
                         <m:sSub>
                           <m:sSubPr>
                             <m:ctrlPr>
-                              <a:rPr lang="en-US" sz="1000" i="1">
+                              <a:rPr lang="en-US" sz="900" i="1">
                                 <a:solidFill>
                                   <a:schemeClr val="tx1">
                                     <a:lumMod val="75000"/>
@@ -6825,7 +6825,7 @@
                           </m:sSubPr>
                           <m:e>
                             <m:r>
-                              <a:rPr lang="en-US" sz="1000" i="1">
+                              <a:rPr lang="en-US" sz="900" i="1">
                                 <a:solidFill>
                                   <a:schemeClr val="tx1">
                                     <a:lumMod val="75000"/>
@@ -6839,7 +6839,7 @@
                           </m:e>
                           <m:sub>
                             <m:r>
-                              <a:rPr lang="en-US" sz="1000" b="0" i="1" smtClean="0">
+                              <a:rPr lang="en-US" sz="900" b="0" i="1" smtClean="0">
                                 <a:solidFill>
                                   <a:schemeClr val="tx1">
                                     <a:lumMod val="75000"/>
@@ -6851,7 +6851,7 @@
                               <m:t>𝑍</m:t>
                             </m:r>
                             <m:r>
-                              <a:rPr lang="en-US" sz="1000" i="1">
+                              <a:rPr lang="en-US" sz="900" i="1">
                                 <a:solidFill>
                                   <a:schemeClr val="tx1">
                                     <a:lumMod val="75000"/>
@@ -6867,7 +6867,7 @@
                       </m:e>
                     </m:acc>
                     <m:r>
-                      <a:rPr lang="en-US" sz="1000" b="0" i="1" smtClean="0">
+                      <a:rPr lang="en-US" sz="900" b="0" i="1" smtClean="0">
                         <a:solidFill>
                           <a:schemeClr val="tx1">
                             <a:lumMod val="75000"/>
@@ -6879,7 +6879,7 @@
                       <m:t> </m:t>
                     </m:r>
                     <m:r>
-                      <a:rPr lang="en-US" sz="1000" i="1" smtClean="0">
+                      <a:rPr lang="en-US" sz="900" i="1" smtClean="0">
                         <a:solidFill>
                           <a:schemeClr val="tx1">
                             <a:lumMod val="65000"/>
@@ -6895,7 +6895,7 @@
                       <m:accPr>
                         <m:chr m:val="⃗"/>
                         <m:ctrlPr>
-                          <a:rPr lang="en-US" sz="1000" i="1" smtClean="0">
+                          <a:rPr lang="en-US" sz="900" i="1" smtClean="0">
                             <a:solidFill>
                               <a:schemeClr val="tx1">
                                 <a:lumMod val="65000"/>
@@ -6910,7 +6910,7 @@
                         <m:sSub>
                           <m:sSubPr>
                             <m:ctrlPr>
-                              <a:rPr lang="en-US" sz="1000" b="0" i="1" smtClean="0">
+                              <a:rPr lang="en-US" sz="900" b="0" i="1" smtClean="0">
                                 <a:solidFill>
                                   <a:schemeClr val="tx1">
                                     <a:lumMod val="65000"/>
@@ -6923,7 +6923,7 @@
                           </m:sSubPr>
                           <m:e>
                             <m:r>
-                              <a:rPr lang="en-US" sz="1000" b="0" i="1" smtClean="0">
+                              <a:rPr lang="en-US" sz="900" b="0" i="1" smtClean="0">
                                 <a:solidFill>
                                   <a:schemeClr val="tx1">
                                     <a:lumMod val="65000"/>
@@ -6937,7 +6937,7 @@
                           </m:e>
                           <m:sub>
                             <m:r>
-                              <a:rPr lang="en-US" sz="1000" b="0" i="1" smtClean="0">
+                              <a:rPr lang="en-US" sz="900" b="0" i="1" smtClean="0">
                                 <a:solidFill>
                                   <a:schemeClr val="tx1">
                                     <a:lumMod val="65000"/>
@@ -6955,7 +6955,7 @@
                   </m:oMath>
                 </a14:m>
                 <a:r>
-                  <a:rPr lang="en-US" sz="1000">
+                  <a:rPr lang="en-US" sz="900">
                     <a:solidFill>
                       <a:schemeClr val="tx1">
                         <a:lumMod val="75000"/>
@@ -6968,7 +6968,7 @@
               </a:p>
               <a:p>
                 <a:r>
-                  <a:rPr lang="en-US" sz="1200" i="1">
+                  <a:rPr lang="en-US" sz="1100" i="1">
                     <a:solidFill>
                       <a:schemeClr val="tx1">
                         <a:lumMod val="75000"/>
@@ -6976,10 +6976,10 @@
                       </a:schemeClr>
                     </a:solidFill>
                   </a:rPr>
-                  <a:t>               </a:t>
+                  <a:t>              </a:t>
                 </a:r>
                 <a:r>
-                  <a:rPr lang="en-US" sz="1000" i="1">
+                  <a:rPr lang="en-US" sz="900" i="1">
                     <a:solidFill>
                       <a:schemeClr val="tx1">
                         <a:lumMod val="75000"/>
@@ -6987,9 +6987,9 @@
                       </a:schemeClr>
                     </a:solidFill>
                   </a:rPr>
-                  <a:t>Z is beyond G </a:t>
+                  <a:t>Z is beyond G. Overshoot</a:t>
                 </a:r>
-                <a:endParaRPr lang="en-US" sz="1200" i="1">
+                <a:endParaRPr lang="en-US" sz="1100" i="1">
                   <a:solidFill>
                     <a:schemeClr val="tx1">
                       <a:lumMod val="75000"/>
@@ -7019,7 +7019,7 @@
             <p:spPr>
               <a:xfrm>
                 <a:off x="4378565" y="1377209"/>
-                <a:ext cx="1789612" cy="458267"/>
+                <a:ext cx="1789612" cy="416974"/>
               </a:xfrm>
               <a:prstGeom prst="rect">
                 <a:avLst/>
@@ -7027,7 +7027,7 @@
               <a:blipFill>
                 <a:blip r:embed="rId4"/>
                 <a:stretch>
-                  <a:fillRect b="-1299"/>
+                  <a:fillRect b="-2857"/>
                 </a:stretch>
               </a:blipFill>
               <a:ln>
@@ -7964,7 +7964,7 @@
                         </a:schemeClr>
                       </a:solidFill>
                     </a:rPr>
-                    <a:t> &gt; 0 </a:t>
+                    <a:t> &lt; 0 </a:t>
                   </a:r>
                 </a:p>
                 <a:p>
@@ -8635,8 +8635,8 @@
             </a:fontRef>
           </p:style>
         </p:cxnSp>
-        <mc:AlternateContent xmlns:mc="http://schemas.openxmlformats.org/markup-compatibility/2006">
-          <mc:Choice xmlns:a14="http://schemas.microsoft.com/office/drawing/2010/main" Requires="a14">
+        <mc:AlternateContent xmlns:mc="http://schemas.openxmlformats.org/markup-compatibility/2006" xmlns:a14="http://schemas.microsoft.com/office/drawing/2010/main">
+          <mc:Choice Requires="a14">
             <p:sp>
               <p:nvSpPr>
                 <p:cNvPr id="61" name="TextBox 60">
@@ -8834,7 +8834,7 @@
               </p:txBody>
             </p:sp>
           </mc:Choice>
-          <mc:Fallback>
+          <mc:Fallback xmlns="">
             <p:sp>
               <p:nvSpPr>
                 <p:cNvPr id="61" name="TextBox 60">
@@ -9372,7 +9372,7 @@
             <p:spPr>
               <a:xfrm>
                 <a:off x="4327359" y="1377209"/>
-                <a:ext cx="1789612" cy="432362"/>
+                <a:ext cx="1789612" cy="416974"/>
               </a:xfrm>
               <a:prstGeom prst="rect">
                 <a:avLst/>
@@ -9579,7 +9579,7 @@
                       </a:schemeClr>
                     </a:solidFill>
                   </a:rPr>
-                  <a:t>               </a:t>
+                  <a:t>              </a:t>
                 </a:r>
                 <a:r>
                   <a:rPr lang="en-US" sz="900" i="1">
@@ -9590,7 +9590,7 @@
                       </a:schemeClr>
                     </a:solidFill>
                   </a:rPr>
-                  <a:t>Z is beyond G </a:t>
+                  <a:t>Z is beyond G. Overshoot </a:t>
                 </a:r>
                 <a:endParaRPr lang="en-US" sz="1100" i="1">
                   <a:solidFill>
@@ -9622,7 +9622,7 @@
             <p:spPr>
               <a:xfrm>
                 <a:off x="4327359" y="1377209"/>
-                <a:ext cx="1789612" cy="432362"/>
+                <a:ext cx="1789612" cy="416974"/>
               </a:xfrm>
               <a:prstGeom prst="rect">
                 <a:avLst/>
@@ -9630,7 +9630,7 @@
               <a:blipFill>
                 <a:blip r:embed="rId4"/>
                 <a:stretch>
-                  <a:fillRect/>
+                  <a:fillRect b="-2857"/>
                 </a:stretch>
               </a:blipFill>
               <a:ln>

--- a/docs/NavPath.pptx
+++ b/docs/NavPath.pptx
@@ -9,6 +9,8 @@
     <p:sldId id="257" r:id="rId3"/>
     <p:sldId id="258" r:id="rId4"/>
     <p:sldId id="259" r:id="rId5"/>
+    <p:sldId id="260" r:id="rId6"/>
+    <p:sldId id="261" r:id="rId7"/>
   </p:sldIdLst>
   <p:sldSz cx="12192000" cy="6858000"/>
   <p:notesSz cx="6858000" cy="9144000"/>
@@ -262,7 +264,7 @@
           <a:p>
             <a:fld id="{703F9F46-E76C-4ADE-B0B1-1D536710AC72}" type="datetimeFigureOut">
               <a:rPr lang="en-US" smtClean="0"/>
-              <a:t>8/25/2023</a:t>
+              <a:t>8/30/2023</a:t>
             </a:fld>
             <a:endParaRPr lang="en-US"/>
           </a:p>
@@ -460,7 +462,7 @@
           <a:p>
             <a:fld id="{703F9F46-E76C-4ADE-B0B1-1D536710AC72}" type="datetimeFigureOut">
               <a:rPr lang="en-US" smtClean="0"/>
-              <a:t>8/25/2023</a:t>
+              <a:t>8/30/2023</a:t>
             </a:fld>
             <a:endParaRPr lang="en-US"/>
           </a:p>
@@ -668,7 +670,7 @@
           <a:p>
             <a:fld id="{703F9F46-E76C-4ADE-B0B1-1D536710AC72}" type="datetimeFigureOut">
               <a:rPr lang="en-US" smtClean="0"/>
-              <a:t>8/25/2023</a:t>
+              <a:t>8/30/2023</a:t>
             </a:fld>
             <a:endParaRPr lang="en-US"/>
           </a:p>
@@ -866,7 +868,7 @@
           <a:p>
             <a:fld id="{703F9F46-E76C-4ADE-B0B1-1D536710AC72}" type="datetimeFigureOut">
               <a:rPr lang="en-US" smtClean="0"/>
-              <a:t>8/25/2023</a:t>
+              <a:t>8/30/2023</a:t>
             </a:fld>
             <a:endParaRPr lang="en-US"/>
           </a:p>
@@ -1141,7 +1143,7 @@
           <a:p>
             <a:fld id="{703F9F46-E76C-4ADE-B0B1-1D536710AC72}" type="datetimeFigureOut">
               <a:rPr lang="en-US" smtClean="0"/>
-              <a:t>8/25/2023</a:t>
+              <a:t>8/30/2023</a:t>
             </a:fld>
             <a:endParaRPr lang="en-US"/>
           </a:p>
@@ -1406,7 +1408,7 @@
           <a:p>
             <a:fld id="{703F9F46-E76C-4ADE-B0B1-1D536710AC72}" type="datetimeFigureOut">
               <a:rPr lang="en-US" smtClean="0"/>
-              <a:t>8/25/2023</a:t>
+              <a:t>8/30/2023</a:t>
             </a:fld>
             <a:endParaRPr lang="en-US"/>
           </a:p>
@@ -1818,7 +1820,7 @@
           <a:p>
             <a:fld id="{703F9F46-E76C-4ADE-B0B1-1D536710AC72}" type="datetimeFigureOut">
               <a:rPr lang="en-US" smtClean="0"/>
-              <a:t>8/25/2023</a:t>
+              <a:t>8/30/2023</a:t>
             </a:fld>
             <a:endParaRPr lang="en-US"/>
           </a:p>
@@ -1959,7 +1961,7 @@
           <a:p>
             <a:fld id="{703F9F46-E76C-4ADE-B0B1-1D536710AC72}" type="datetimeFigureOut">
               <a:rPr lang="en-US" smtClean="0"/>
-              <a:t>8/25/2023</a:t>
+              <a:t>8/30/2023</a:t>
             </a:fld>
             <a:endParaRPr lang="en-US"/>
           </a:p>
@@ -2072,7 +2074,7 @@
           <a:p>
             <a:fld id="{703F9F46-E76C-4ADE-B0B1-1D536710AC72}" type="datetimeFigureOut">
               <a:rPr lang="en-US" smtClean="0"/>
-              <a:t>8/25/2023</a:t>
+              <a:t>8/30/2023</a:t>
             </a:fld>
             <a:endParaRPr lang="en-US"/>
           </a:p>
@@ -2383,7 +2385,7 @@
           <a:p>
             <a:fld id="{703F9F46-E76C-4ADE-B0B1-1D536710AC72}" type="datetimeFigureOut">
               <a:rPr lang="en-US" smtClean="0"/>
-              <a:t>8/25/2023</a:t>
+              <a:t>8/30/2023</a:t>
             </a:fld>
             <a:endParaRPr lang="en-US"/>
           </a:p>
@@ -2671,7 +2673,7 @@
           <a:p>
             <a:fld id="{703F9F46-E76C-4ADE-B0B1-1D536710AC72}" type="datetimeFigureOut">
               <a:rPr lang="en-US" smtClean="0"/>
-              <a:t>8/25/2023</a:t>
+              <a:t>8/30/2023</a:t>
             </a:fld>
             <a:endParaRPr lang="en-US"/>
           </a:p>
@@ -2912,7 +2914,7 @@
           <a:p>
             <a:fld id="{703F9F46-E76C-4ADE-B0B1-1D536710AC72}" type="datetimeFigureOut">
               <a:rPr lang="en-US" smtClean="0"/>
-              <a:t>8/25/2023</a:t>
+              <a:t>8/30/2023</a:t>
             </a:fld>
             <a:endParaRPr lang="en-US"/>
           </a:p>
@@ -6035,8 +6037,8 @@
             </a:fontRef>
           </p:style>
         </p:cxnSp>
-        <mc:AlternateContent xmlns:mc="http://schemas.openxmlformats.org/markup-compatibility/2006">
-          <mc:Choice xmlns:a14="http://schemas.microsoft.com/office/drawing/2010/main" Requires="a14">
+        <mc:AlternateContent xmlns:mc="http://schemas.openxmlformats.org/markup-compatibility/2006" xmlns:a14="http://schemas.microsoft.com/office/drawing/2010/main">
+          <mc:Choice Requires="a14">
             <p:sp>
               <p:nvSpPr>
                 <p:cNvPr id="27" name="TextBox 26">
@@ -6234,7 +6236,7 @@
               </p:txBody>
             </p:sp>
           </mc:Choice>
-          <mc:Fallback>
+          <mc:Fallback xmlns="">
             <p:sp>
               <p:nvSpPr>
                 <p:cNvPr id="27" name="TextBox 26">
@@ -6740,8 +6742,8 @@
           </a:fontRef>
         </p:style>
       </p:cxnSp>
-      <mc:AlternateContent xmlns:mc="http://schemas.openxmlformats.org/markup-compatibility/2006">
-        <mc:Choice xmlns:a14="http://schemas.microsoft.com/office/drawing/2010/main" Requires="a14">
+      <mc:AlternateContent xmlns:mc="http://schemas.openxmlformats.org/markup-compatibility/2006" xmlns:a14="http://schemas.microsoft.com/office/drawing/2010/main">
+        <mc:Choice Requires="a14">
           <p:sp>
             <p:nvSpPr>
               <p:cNvPr id="74" name="TextBox 73">
@@ -7001,7 +7003,7 @@
             </p:txBody>
           </p:sp>
         </mc:Choice>
-        <mc:Fallback>
+        <mc:Fallback xmlns="">
           <p:sp>
             <p:nvSpPr>
               <p:cNvPr id="74" name="TextBox 73">
@@ -7753,8 +7755,8 @@
             </a:fontRef>
           </p:style>
         </p:cxnSp>
-        <mc:AlternateContent xmlns:mc="http://schemas.openxmlformats.org/markup-compatibility/2006">
-          <mc:Choice xmlns:a14="http://schemas.microsoft.com/office/drawing/2010/main" Requires="a14">
+        <mc:AlternateContent xmlns:mc="http://schemas.openxmlformats.org/markup-compatibility/2006" xmlns:a14="http://schemas.microsoft.com/office/drawing/2010/main">
+          <mc:Choice Requires="a14">
             <p:sp>
               <p:nvSpPr>
                 <p:cNvPr id="17" name="TextBox 16">
@@ -8002,7 +8004,7 @@
               </p:txBody>
             </p:sp>
           </mc:Choice>
-          <mc:Fallback>
+          <mc:Fallback xmlns="">
             <p:sp>
               <p:nvSpPr>
                 <p:cNvPr id="17" name="TextBox 16">
@@ -9355,8 +9357,8 @@
           </a:fontRef>
         </p:style>
       </p:cxnSp>
-      <mc:AlternateContent xmlns:mc="http://schemas.openxmlformats.org/markup-compatibility/2006">
-        <mc:Choice xmlns:a14="http://schemas.microsoft.com/office/drawing/2010/main" Requires="a14">
+      <mc:AlternateContent xmlns:mc="http://schemas.openxmlformats.org/markup-compatibility/2006" xmlns:a14="http://schemas.microsoft.com/office/drawing/2010/main">
+        <mc:Choice Requires="a14">
           <p:sp>
             <p:nvSpPr>
               <p:cNvPr id="91" name="TextBox 90">
@@ -9604,7 +9606,7 @@
             </p:txBody>
           </p:sp>
         </mc:Choice>
-        <mc:Fallback>
+        <mc:Fallback xmlns="">
           <p:sp>
             <p:nvSpPr>
               <p:cNvPr id="91" name="TextBox 90">
@@ -9696,6 +9698,5867 @@
     <p:extLst>
       <p:ext uri="{BB962C8B-B14F-4D97-AF65-F5344CB8AC3E}">
         <p14:creationId xmlns:p14="http://schemas.microsoft.com/office/powerpoint/2010/main" val="1811096327"/>
+      </p:ext>
+    </p:extLst>
+  </p:cSld>
+  <p:clrMapOvr>
+    <a:masterClrMapping/>
+  </p:clrMapOvr>
+</p:sld>
+</file>
+
+<file path=ppt/slides/slide5.xml><?xml version="1.0" encoding="utf-8"?>
+<p:sld xmlns:a="http://schemas.openxmlformats.org/drawingml/2006/main" xmlns:r="http://schemas.openxmlformats.org/officeDocument/2006/relationships" xmlns:p="http://schemas.openxmlformats.org/presentationml/2006/main">
+  <p:cSld>
+    <p:spTree>
+      <p:nvGrpSpPr>
+        <p:cNvPr id="1" name=""/>
+        <p:cNvGrpSpPr/>
+        <p:nvPr/>
+      </p:nvGrpSpPr>
+      <p:grpSpPr>
+        <a:xfrm>
+          <a:off x="0" y="0"/>
+          <a:ext cx="0" cy="0"/>
+          <a:chOff x="0" y="0"/>
+          <a:chExt cx="0" cy="0"/>
+        </a:xfrm>
+      </p:grpSpPr>
+      <p:grpSp>
+        <p:nvGrpSpPr>
+          <p:cNvPr id="54" name="Group 53">
+            <a:extLst>
+              <a:ext uri="{FF2B5EF4-FFF2-40B4-BE49-F238E27FC236}">
+                <a16:creationId xmlns:a16="http://schemas.microsoft.com/office/drawing/2014/main" id="{C96F3F10-B035-4C8D-A38A-DE6AA767656F}"/>
+              </a:ext>
+            </a:extLst>
+          </p:cNvPr>
+          <p:cNvGrpSpPr/>
+          <p:nvPr/>
+        </p:nvGrpSpPr>
+        <p:grpSpPr>
+          <a:xfrm>
+            <a:off x="474994" y="1487695"/>
+            <a:ext cx="2117755" cy="3308900"/>
+            <a:chOff x="477961" y="1841441"/>
+            <a:chExt cx="2117755" cy="3308900"/>
+          </a:xfrm>
+        </p:grpSpPr>
+        <p:grpSp>
+          <p:nvGrpSpPr>
+            <p:cNvPr id="12" name="Group 11">
+              <a:extLst>
+                <a:ext uri="{FF2B5EF4-FFF2-40B4-BE49-F238E27FC236}">
+                  <a16:creationId xmlns:a16="http://schemas.microsoft.com/office/drawing/2014/main" id="{10950F2A-C74F-40E7-A374-28F5BDCB5D52}"/>
+                </a:ext>
+              </a:extLst>
+            </p:cNvPr>
+            <p:cNvGrpSpPr/>
+            <p:nvPr/>
+          </p:nvGrpSpPr>
+          <p:grpSpPr>
+            <a:xfrm>
+              <a:off x="1078739" y="1841441"/>
+              <a:ext cx="1516977" cy="3265715"/>
+              <a:chOff x="1078739" y="1841441"/>
+              <a:chExt cx="1748737" cy="3265715"/>
+            </a:xfrm>
+          </p:grpSpPr>
+          <p:sp>
+            <p:nvSpPr>
+              <p:cNvPr id="4" name="Rectangle 3">
+                <a:extLst>
+                  <a:ext uri="{FF2B5EF4-FFF2-40B4-BE49-F238E27FC236}">
+                    <a16:creationId xmlns:a16="http://schemas.microsoft.com/office/drawing/2014/main" id="{7C8D9DDF-5146-4539-A9FB-023F56D73453}"/>
+                  </a:ext>
+                </a:extLst>
+              </p:cNvPr>
+              <p:cNvSpPr/>
+              <p:nvPr/>
+            </p:nvSpPr>
+            <p:spPr>
+              <a:xfrm>
+                <a:off x="1078739" y="1841441"/>
+                <a:ext cx="1748737" cy="3265715"/>
+              </a:xfrm>
+              <a:prstGeom prst="rect">
+                <a:avLst/>
+              </a:prstGeom>
+              <a:solidFill>
+                <a:schemeClr val="bg1"/>
+              </a:solidFill>
+            </p:spPr>
+            <p:style>
+              <a:lnRef idx="2">
+                <a:schemeClr val="accent1">
+                  <a:shade val="50000"/>
+                </a:schemeClr>
+              </a:lnRef>
+              <a:fillRef idx="1">
+                <a:schemeClr val="accent1"/>
+              </a:fillRef>
+              <a:effectRef idx="0">
+                <a:schemeClr val="accent1"/>
+              </a:effectRef>
+              <a:fontRef idx="minor">
+                <a:schemeClr val="lt1"/>
+              </a:fontRef>
+            </p:style>
+            <p:txBody>
+              <a:bodyPr rtlCol="0" anchor="ctr"/>
+              <a:lstStyle/>
+              <a:p>
+                <a:pPr algn="ctr"/>
+                <a:endParaRPr lang="en-US"/>
+              </a:p>
+            </p:txBody>
+          </p:sp>
+          <p:cxnSp>
+            <p:nvCxnSpPr>
+              <p:cNvPr id="6" name="Straight Connector 5">
+                <a:extLst>
+                  <a:ext uri="{FF2B5EF4-FFF2-40B4-BE49-F238E27FC236}">
+                    <a16:creationId xmlns:a16="http://schemas.microsoft.com/office/drawing/2014/main" id="{900F4991-FB91-4FEA-96E5-415F5FF910EE}"/>
+                  </a:ext>
+                </a:extLst>
+              </p:cNvPr>
+              <p:cNvCxnSpPr/>
+              <p:nvPr/>
+            </p:nvCxnSpPr>
+            <p:spPr>
+              <a:xfrm>
+                <a:off x="1521191" y="1841441"/>
+                <a:ext cx="0" cy="3265715"/>
+              </a:xfrm>
+              <a:prstGeom prst="line">
+                <a:avLst/>
+              </a:prstGeom>
+            </p:spPr>
+            <p:style>
+              <a:lnRef idx="1">
+                <a:schemeClr val="accent1"/>
+              </a:lnRef>
+              <a:fillRef idx="0">
+                <a:schemeClr val="accent1"/>
+              </a:fillRef>
+              <a:effectRef idx="0">
+                <a:schemeClr val="accent1"/>
+              </a:effectRef>
+              <a:fontRef idx="minor">
+                <a:schemeClr val="tx1"/>
+              </a:fontRef>
+            </p:style>
+          </p:cxnSp>
+          <p:cxnSp>
+            <p:nvCxnSpPr>
+              <p:cNvPr id="7" name="Straight Connector 6">
+                <a:extLst>
+                  <a:ext uri="{FF2B5EF4-FFF2-40B4-BE49-F238E27FC236}">
+                    <a16:creationId xmlns:a16="http://schemas.microsoft.com/office/drawing/2014/main" id="{F960052F-F3E2-4724-8736-CF5BA70026FC}"/>
+                  </a:ext>
+                </a:extLst>
+              </p:cNvPr>
+              <p:cNvCxnSpPr>
+                <a:cxnSpLocks/>
+                <a:stCxn id="4" idx="0"/>
+                <a:endCxn id="4" idx="2"/>
+              </p:cNvCxnSpPr>
+              <p:nvPr/>
+            </p:nvCxnSpPr>
+            <p:spPr>
+              <a:xfrm>
+                <a:off x="1953108" y="1841441"/>
+                <a:ext cx="0" cy="3265715"/>
+              </a:xfrm>
+              <a:prstGeom prst="line">
+                <a:avLst/>
+              </a:prstGeom>
+            </p:spPr>
+            <p:style>
+              <a:lnRef idx="1">
+                <a:schemeClr val="accent1"/>
+              </a:lnRef>
+              <a:fillRef idx="0">
+                <a:schemeClr val="accent1"/>
+              </a:fillRef>
+              <a:effectRef idx="0">
+                <a:schemeClr val="accent1"/>
+              </a:effectRef>
+              <a:fontRef idx="minor">
+                <a:schemeClr val="tx1"/>
+              </a:fontRef>
+            </p:style>
+          </p:cxnSp>
+          <p:cxnSp>
+            <p:nvCxnSpPr>
+              <p:cNvPr id="8" name="Straight Connector 7">
+                <a:extLst>
+                  <a:ext uri="{FF2B5EF4-FFF2-40B4-BE49-F238E27FC236}">
+                    <a16:creationId xmlns:a16="http://schemas.microsoft.com/office/drawing/2014/main" id="{A153F374-CA97-473B-866A-9F4C1DA026C3}"/>
+                  </a:ext>
+                </a:extLst>
+              </p:cNvPr>
+              <p:cNvCxnSpPr/>
+              <p:nvPr/>
+            </p:nvCxnSpPr>
+            <p:spPr>
+              <a:xfrm>
+                <a:off x="2390643" y="1841441"/>
+                <a:ext cx="0" cy="3265715"/>
+              </a:xfrm>
+              <a:prstGeom prst="line">
+                <a:avLst/>
+              </a:prstGeom>
+            </p:spPr>
+            <p:style>
+              <a:lnRef idx="1">
+                <a:schemeClr val="accent1"/>
+              </a:lnRef>
+              <a:fillRef idx="0">
+                <a:schemeClr val="accent1"/>
+              </a:fillRef>
+              <a:effectRef idx="0">
+                <a:schemeClr val="accent1"/>
+              </a:effectRef>
+              <a:fontRef idx="minor">
+                <a:schemeClr val="tx1"/>
+              </a:fontRef>
+            </p:style>
+          </p:cxnSp>
+        </p:grpSp>
+        <p:pic>
+          <p:nvPicPr>
+            <p:cNvPr id="18" name="Picture 17">
+              <a:extLst>
+                <a:ext uri="{FF2B5EF4-FFF2-40B4-BE49-F238E27FC236}">
+                  <a16:creationId xmlns:a16="http://schemas.microsoft.com/office/drawing/2014/main" id="{AA9A3F36-8EC1-4FC1-B761-16CE74EC1A98}"/>
+                </a:ext>
+              </a:extLst>
+            </p:cNvPr>
+            <p:cNvPicPr>
+              <a:picLocks noChangeAspect="1"/>
+            </p:cNvPicPr>
+            <p:nvPr/>
+          </p:nvPicPr>
+          <p:blipFill rotWithShape="1">
+            <a:blip r:embed="rId2">
+              <a:extLst>
+                <a:ext uri="{28A0092B-C50C-407E-A947-70E740481C1C}">
+                  <a14:useLocalDpi xmlns:a14="http://schemas.microsoft.com/office/drawing/2010/main" val="0"/>
+                </a:ext>
+              </a:extLst>
+            </a:blip>
+            <a:srcRect r="75114" b="39253"/>
+            <a:stretch/>
+          </p:blipFill>
+          <p:spPr>
+            <a:xfrm>
+              <a:off x="1457681" y="2401150"/>
+              <a:ext cx="374016" cy="547791"/>
+            </a:xfrm>
+            <a:prstGeom prst="rect">
+              <a:avLst/>
+            </a:prstGeom>
+          </p:spPr>
+        </p:pic>
+        <p:pic>
+          <p:nvPicPr>
+            <p:cNvPr id="19" name="Picture 18">
+              <a:extLst>
+                <a:ext uri="{FF2B5EF4-FFF2-40B4-BE49-F238E27FC236}">
+                  <a16:creationId xmlns:a16="http://schemas.microsoft.com/office/drawing/2014/main" id="{AB4E4656-A586-41A5-9B57-12F0E57EA51D}"/>
+                </a:ext>
+              </a:extLst>
+            </p:cNvPr>
+            <p:cNvPicPr>
+              <a:picLocks noChangeAspect="1"/>
+            </p:cNvPicPr>
+            <p:nvPr/>
+          </p:nvPicPr>
+          <p:blipFill rotWithShape="1">
+            <a:blip r:embed="rId2">
+              <a:extLst>
+                <a:ext uri="{28A0092B-C50C-407E-A947-70E740481C1C}">
+                  <a14:useLocalDpi xmlns:a14="http://schemas.microsoft.com/office/drawing/2010/main" val="0"/>
+                </a:ext>
+              </a:extLst>
+            </a:blip>
+            <a:srcRect l="24931" r="59368" b="33060"/>
+            <a:stretch/>
+          </p:blipFill>
+          <p:spPr>
+            <a:xfrm>
+              <a:off x="1541277" y="3127185"/>
+              <a:ext cx="235963" cy="603630"/>
+            </a:xfrm>
+            <a:prstGeom prst="rect">
+              <a:avLst/>
+            </a:prstGeom>
+          </p:spPr>
+        </p:pic>
+        <p:pic>
+          <p:nvPicPr>
+            <p:cNvPr id="20" name="Picture 19">
+              <a:extLst>
+                <a:ext uri="{FF2B5EF4-FFF2-40B4-BE49-F238E27FC236}">
+                  <a16:creationId xmlns:a16="http://schemas.microsoft.com/office/drawing/2014/main" id="{4495ADB9-8B04-4159-A109-25197A3F1957}"/>
+                </a:ext>
+              </a:extLst>
+            </p:cNvPr>
+            <p:cNvPicPr>
+              <a:picLocks noChangeAspect="1"/>
+            </p:cNvPicPr>
+            <p:nvPr/>
+          </p:nvPicPr>
+          <p:blipFill rotWithShape="1">
+            <a:blip r:embed="rId2">
+              <a:extLst>
+                <a:ext uri="{28A0092B-C50C-407E-A947-70E740481C1C}">
+                  <a14:useLocalDpi xmlns:a14="http://schemas.microsoft.com/office/drawing/2010/main" val="0"/>
+                </a:ext>
+              </a:extLst>
+            </a:blip>
+            <a:srcRect l="42120" r="40217" b="39253"/>
+            <a:stretch/>
+          </p:blipFill>
+          <p:spPr>
+            <a:xfrm>
+              <a:off x="1511957" y="3869871"/>
+              <a:ext cx="265464" cy="547791"/>
+            </a:xfrm>
+            <a:prstGeom prst="rect">
+              <a:avLst/>
+            </a:prstGeom>
+          </p:spPr>
+        </p:pic>
+        <p:pic>
+          <p:nvPicPr>
+            <p:cNvPr id="21" name="Picture 20">
+              <a:extLst>
+                <a:ext uri="{FF2B5EF4-FFF2-40B4-BE49-F238E27FC236}">
+                  <a16:creationId xmlns:a16="http://schemas.microsoft.com/office/drawing/2014/main" id="{80EF1C6F-339D-4827-ABA0-3B72F3EE1BE0}"/>
+                </a:ext>
+              </a:extLst>
+            </p:cNvPr>
+            <p:cNvPicPr>
+              <a:picLocks noChangeAspect="1"/>
+            </p:cNvPicPr>
+            <p:nvPr/>
+          </p:nvPicPr>
+          <p:blipFill rotWithShape="1">
+            <a:blip r:embed="rId2">
+              <a:extLst>
+                <a:ext uri="{28A0092B-C50C-407E-A947-70E740481C1C}">
+                  <a14:useLocalDpi xmlns:a14="http://schemas.microsoft.com/office/drawing/2010/main" val="0"/>
+                </a:ext>
+              </a:extLst>
+            </a:blip>
+            <a:srcRect l="60677" r="21660" b="39253"/>
+            <a:stretch/>
+          </p:blipFill>
+          <p:spPr>
+            <a:xfrm>
+              <a:off x="1515702" y="4602550"/>
+              <a:ext cx="265464" cy="547791"/>
+            </a:xfrm>
+            <a:prstGeom prst="rect">
+              <a:avLst/>
+            </a:prstGeom>
+            <a:noFill/>
+          </p:spPr>
+        </p:pic>
+        <p:sp>
+          <p:nvSpPr>
+            <p:cNvPr id="5" name="TextBox 4">
+              <a:extLst>
+                <a:ext uri="{FF2B5EF4-FFF2-40B4-BE49-F238E27FC236}">
+                  <a16:creationId xmlns:a16="http://schemas.microsoft.com/office/drawing/2014/main" id="{883D90AD-AACA-45A4-A0FE-168B636B1D8C}"/>
+                </a:ext>
+              </a:extLst>
+            </p:cNvPr>
+            <p:cNvSpPr txBox="1"/>
+            <p:nvPr/>
+          </p:nvSpPr>
+          <p:spPr>
+            <a:xfrm>
+              <a:off x="1935849" y="3491820"/>
+              <a:ext cx="128634" cy="276999"/>
+            </a:xfrm>
+            <a:prstGeom prst="rect">
+              <a:avLst/>
+            </a:prstGeom>
+            <a:noFill/>
+          </p:spPr>
+          <p:txBody>
+            <a:bodyPr wrap="square" rtlCol="0">
+              <a:spAutoFit/>
+            </a:bodyPr>
+            <a:lstStyle/>
+            <a:p>
+              <a:r>
+                <a:rPr lang="en-US" sz="1200"/>
+                <a:t>1</a:t>
+              </a:r>
+            </a:p>
+          </p:txBody>
+        </p:sp>
+        <p:sp>
+          <p:nvSpPr>
+            <p:cNvPr id="25" name="TextBox 24">
+              <a:extLst>
+                <a:ext uri="{FF2B5EF4-FFF2-40B4-BE49-F238E27FC236}">
+                  <a16:creationId xmlns:a16="http://schemas.microsoft.com/office/drawing/2014/main" id="{AE67AC6C-3F6E-4B7F-A66C-AD855DEB1283}"/>
+                </a:ext>
+              </a:extLst>
+            </p:cNvPr>
+            <p:cNvSpPr txBox="1"/>
+            <p:nvPr/>
+          </p:nvSpPr>
+          <p:spPr>
+            <a:xfrm>
+              <a:off x="1855817" y="3152608"/>
+              <a:ext cx="128634" cy="276999"/>
+            </a:xfrm>
+            <a:prstGeom prst="rect">
+              <a:avLst/>
+            </a:prstGeom>
+            <a:noFill/>
+          </p:spPr>
+          <p:txBody>
+            <a:bodyPr wrap="square" rtlCol="0">
+              <a:spAutoFit/>
+            </a:bodyPr>
+            <a:lstStyle/>
+            <a:p>
+              <a:r>
+                <a:rPr lang="en-US" sz="1200"/>
+                <a:t>2</a:t>
+              </a:r>
+            </a:p>
+          </p:txBody>
+        </p:sp>
+        <p:sp>
+          <p:nvSpPr>
+            <p:cNvPr id="26" name="TextBox 25">
+              <a:extLst>
+                <a:ext uri="{FF2B5EF4-FFF2-40B4-BE49-F238E27FC236}">
+                  <a16:creationId xmlns:a16="http://schemas.microsoft.com/office/drawing/2014/main" id="{DCE05020-B15F-4C56-856B-CA69EF64FB12}"/>
+                </a:ext>
+              </a:extLst>
+            </p:cNvPr>
+            <p:cNvSpPr txBox="1"/>
+            <p:nvPr/>
+          </p:nvSpPr>
+          <p:spPr>
+            <a:xfrm>
+              <a:off x="2026857" y="2632585"/>
+              <a:ext cx="128634" cy="276999"/>
+            </a:xfrm>
+            <a:prstGeom prst="rect">
+              <a:avLst/>
+            </a:prstGeom>
+            <a:noFill/>
+          </p:spPr>
+          <p:txBody>
+            <a:bodyPr wrap="square" rtlCol="0">
+              <a:spAutoFit/>
+            </a:bodyPr>
+            <a:lstStyle/>
+            <a:p>
+              <a:r>
+                <a:rPr lang="en-US" sz="1200"/>
+                <a:t>3</a:t>
+              </a:r>
+            </a:p>
+          </p:txBody>
+        </p:sp>
+        <p:sp>
+          <p:nvSpPr>
+            <p:cNvPr id="27" name="TextBox 26">
+              <a:extLst>
+                <a:ext uri="{FF2B5EF4-FFF2-40B4-BE49-F238E27FC236}">
+                  <a16:creationId xmlns:a16="http://schemas.microsoft.com/office/drawing/2014/main" id="{770E2EBD-FFBD-4451-8FE5-67C1569E987D}"/>
+                </a:ext>
+              </a:extLst>
+            </p:cNvPr>
+            <p:cNvSpPr txBox="1"/>
+            <p:nvPr/>
+          </p:nvSpPr>
+          <p:spPr>
+            <a:xfrm>
+              <a:off x="1898120" y="2070400"/>
+              <a:ext cx="128634" cy="276999"/>
+            </a:xfrm>
+            <a:prstGeom prst="rect">
+              <a:avLst/>
+            </a:prstGeom>
+            <a:noFill/>
+          </p:spPr>
+          <p:txBody>
+            <a:bodyPr wrap="square" rtlCol="0">
+              <a:spAutoFit/>
+            </a:bodyPr>
+            <a:lstStyle/>
+            <a:p>
+              <a:r>
+                <a:rPr lang="en-US" sz="1200"/>
+                <a:t>4</a:t>
+              </a:r>
+            </a:p>
+          </p:txBody>
+        </p:sp>
+        <p:sp>
+          <p:nvSpPr>
+            <p:cNvPr id="28" name="TextBox 27">
+              <a:extLst>
+                <a:ext uri="{FF2B5EF4-FFF2-40B4-BE49-F238E27FC236}">
+                  <a16:creationId xmlns:a16="http://schemas.microsoft.com/office/drawing/2014/main" id="{8599937F-F5B5-4DC0-A192-3229AFEC4021}"/>
+                </a:ext>
+              </a:extLst>
+            </p:cNvPr>
+            <p:cNvSpPr txBox="1"/>
+            <p:nvPr/>
+          </p:nvSpPr>
+          <p:spPr>
+            <a:xfrm>
+              <a:off x="1295743" y="4737945"/>
+              <a:ext cx="128634" cy="276999"/>
+            </a:xfrm>
+            <a:prstGeom prst="rect">
+              <a:avLst/>
+            </a:prstGeom>
+            <a:noFill/>
+          </p:spPr>
+          <p:txBody>
+            <a:bodyPr wrap="square" rtlCol="0">
+              <a:spAutoFit/>
+            </a:bodyPr>
+            <a:lstStyle/>
+            <a:p>
+              <a:r>
+                <a:rPr lang="en-US" sz="1200"/>
+                <a:t>1</a:t>
+              </a:r>
+            </a:p>
+          </p:txBody>
+        </p:sp>
+        <p:sp>
+          <p:nvSpPr>
+            <p:cNvPr id="29" name="TextBox 28">
+              <a:extLst>
+                <a:ext uri="{FF2B5EF4-FFF2-40B4-BE49-F238E27FC236}">
+                  <a16:creationId xmlns:a16="http://schemas.microsoft.com/office/drawing/2014/main" id="{AC1DF77D-4153-43B0-AAC2-CDE7B33727ED}"/>
+                </a:ext>
+              </a:extLst>
+            </p:cNvPr>
+            <p:cNvSpPr txBox="1"/>
+            <p:nvPr/>
+          </p:nvSpPr>
+          <p:spPr>
+            <a:xfrm>
+              <a:off x="1283533" y="4005266"/>
+              <a:ext cx="128634" cy="276999"/>
+            </a:xfrm>
+            <a:prstGeom prst="rect">
+              <a:avLst/>
+            </a:prstGeom>
+            <a:noFill/>
+          </p:spPr>
+          <p:txBody>
+            <a:bodyPr wrap="square" rtlCol="0">
+              <a:spAutoFit/>
+            </a:bodyPr>
+            <a:lstStyle/>
+            <a:p>
+              <a:r>
+                <a:rPr lang="en-US" sz="1200"/>
+                <a:t>2</a:t>
+              </a:r>
+            </a:p>
+          </p:txBody>
+        </p:sp>
+        <p:sp>
+          <p:nvSpPr>
+            <p:cNvPr id="30" name="TextBox 29">
+              <a:extLst>
+                <a:ext uri="{FF2B5EF4-FFF2-40B4-BE49-F238E27FC236}">
+                  <a16:creationId xmlns:a16="http://schemas.microsoft.com/office/drawing/2014/main" id="{F6C440D8-FF1C-4B96-B408-8F129F3798BB}"/>
+                </a:ext>
+              </a:extLst>
+            </p:cNvPr>
+            <p:cNvSpPr txBox="1"/>
+            <p:nvPr/>
+          </p:nvSpPr>
+          <p:spPr>
+            <a:xfrm>
+              <a:off x="1294558" y="3235891"/>
+              <a:ext cx="128634" cy="276999"/>
+            </a:xfrm>
+            <a:prstGeom prst="rect">
+              <a:avLst/>
+            </a:prstGeom>
+            <a:noFill/>
+          </p:spPr>
+          <p:txBody>
+            <a:bodyPr wrap="square" rtlCol="0">
+              <a:spAutoFit/>
+            </a:bodyPr>
+            <a:lstStyle/>
+            <a:p>
+              <a:r>
+                <a:rPr lang="en-US" sz="1200"/>
+                <a:t>3</a:t>
+              </a:r>
+            </a:p>
+          </p:txBody>
+        </p:sp>
+        <p:sp>
+          <p:nvSpPr>
+            <p:cNvPr id="31" name="TextBox 30">
+              <a:extLst>
+                <a:ext uri="{FF2B5EF4-FFF2-40B4-BE49-F238E27FC236}">
+                  <a16:creationId xmlns:a16="http://schemas.microsoft.com/office/drawing/2014/main" id="{73115B2E-B428-45DD-B8CA-3D8452E6D71F}"/>
+                </a:ext>
+              </a:extLst>
+            </p:cNvPr>
+            <p:cNvSpPr txBox="1"/>
+            <p:nvPr/>
+          </p:nvSpPr>
+          <p:spPr>
+            <a:xfrm>
+              <a:off x="1301233" y="2523264"/>
+              <a:ext cx="128634" cy="276999"/>
+            </a:xfrm>
+            <a:prstGeom prst="rect">
+              <a:avLst/>
+            </a:prstGeom>
+            <a:noFill/>
+          </p:spPr>
+          <p:txBody>
+            <a:bodyPr wrap="square" rtlCol="0">
+              <a:spAutoFit/>
+            </a:bodyPr>
+            <a:lstStyle/>
+            <a:p>
+              <a:r>
+                <a:rPr lang="en-US" sz="1200"/>
+                <a:t>4</a:t>
+              </a:r>
+            </a:p>
+          </p:txBody>
+        </p:sp>
+        <p:sp>
+          <p:nvSpPr>
+            <p:cNvPr id="40" name="Freeform: Shape 39">
+              <a:extLst>
+                <a:ext uri="{FF2B5EF4-FFF2-40B4-BE49-F238E27FC236}">
+                  <a16:creationId xmlns:a16="http://schemas.microsoft.com/office/drawing/2014/main" id="{70AF6E43-0D0F-42B5-A978-0DA0FD93F44F}"/>
+                </a:ext>
+              </a:extLst>
+            </p:cNvPr>
+            <p:cNvSpPr/>
+            <p:nvPr/>
+          </p:nvSpPr>
+          <p:spPr>
+            <a:xfrm>
+              <a:off x="1115977" y="2009927"/>
+              <a:ext cx="870913" cy="1616333"/>
+            </a:xfrm>
+            <a:custGeom>
+              <a:avLst/>
+              <a:gdLst>
+                <a:gd name="connsiteX0" fmla="*/ 841365 w 920577"/>
+                <a:gd name="connsiteY0" fmla="*/ 1840485 h 1840485"/>
+                <a:gd name="connsiteX1" fmla="*/ 771251 w 920577"/>
+                <a:gd name="connsiteY1" fmla="*/ 1302947 h 1840485"/>
+                <a:gd name="connsiteX2" fmla="*/ 920243 w 920577"/>
+                <a:gd name="connsiteY2" fmla="*/ 768329 h 1840485"/>
+                <a:gd name="connsiteX3" fmla="*/ 803387 w 920577"/>
+                <a:gd name="connsiteY3" fmla="*/ 204498 h 1840485"/>
+                <a:gd name="connsiteX4" fmla="*/ 546303 w 920577"/>
+                <a:gd name="connsiteY4" fmla="*/ 84720 h 1840485"/>
+                <a:gd name="connsiteX5" fmla="*/ 224948 w 920577"/>
+                <a:gd name="connsiteY5" fmla="*/ 52585 h 1840485"/>
+                <a:gd name="connsiteX6" fmla="*/ 49664 w 920577"/>
+                <a:gd name="connsiteY6" fmla="*/ 17528 h 1840485"/>
+                <a:gd name="connsiteX7" fmla="*/ 0 w 920577"/>
+                <a:gd name="connsiteY7" fmla="*/ 0 h 1840485"/>
+                <a:gd name="connsiteX0" fmla="*/ 791701 w 870913"/>
+                <a:gd name="connsiteY0" fmla="*/ 1822957 h 1822957"/>
+                <a:gd name="connsiteX1" fmla="*/ 721587 w 870913"/>
+                <a:gd name="connsiteY1" fmla="*/ 1285419 h 1822957"/>
+                <a:gd name="connsiteX2" fmla="*/ 870579 w 870913"/>
+                <a:gd name="connsiteY2" fmla="*/ 750801 h 1822957"/>
+                <a:gd name="connsiteX3" fmla="*/ 753723 w 870913"/>
+                <a:gd name="connsiteY3" fmla="*/ 186970 h 1822957"/>
+                <a:gd name="connsiteX4" fmla="*/ 496639 w 870913"/>
+                <a:gd name="connsiteY4" fmla="*/ 67192 h 1822957"/>
+                <a:gd name="connsiteX5" fmla="*/ 175284 w 870913"/>
+                <a:gd name="connsiteY5" fmla="*/ 35057 h 1822957"/>
+                <a:gd name="connsiteX6" fmla="*/ 0 w 870913"/>
+                <a:gd name="connsiteY6" fmla="*/ 0 h 1822957"/>
+              </a:gdLst>
+              <a:ahLst/>
+              <a:cxnLst>
+                <a:cxn ang="0">
+                  <a:pos x="connsiteX0" y="connsiteY0"/>
+                </a:cxn>
+                <a:cxn ang="0">
+                  <a:pos x="connsiteX1" y="connsiteY1"/>
+                </a:cxn>
+                <a:cxn ang="0">
+                  <a:pos x="connsiteX2" y="connsiteY2"/>
+                </a:cxn>
+                <a:cxn ang="0">
+                  <a:pos x="connsiteX3" y="connsiteY3"/>
+                </a:cxn>
+                <a:cxn ang="0">
+                  <a:pos x="connsiteX4" y="connsiteY4"/>
+                </a:cxn>
+                <a:cxn ang="0">
+                  <a:pos x="connsiteX5" y="connsiteY5"/>
+                </a:cxn>
+                <a:cxn ang="0">
+                  <a:pos x="connsiteX6" y="connsiteY6"/>
+                </a:cxn>
+              </a:cxnLst>
+              <a:rect l="l" t="t" r="r" b="b"/>
+              <a:pathLst>
+                <a:path w="870913" h="1822957">
+                  <a:moveTo>
+                    <a:pt x="791701" y="1822957"/>
+                  </a:moveTo>
+                  <a:cubicBezTo>
+                    <a:pt x="750071" y="1643534"/>
+                    <a:pt x="708441" y="1464112"/>
+                    <a:pt x="721587" y="1285419"/>
+                  </a:cubicBezTo>
+                  <a:cubicBezTo>
+                    <a:pt x="734733" y="1106726"/>
+                    <a:pt x="865223" y="933876"/>
+                    <a:pt x="870579" y="750801"/>
+                  </a:cubicBezTo>
+                  <a:cubicBezTo>
+                    <a:pt x="875935" y="567726"/>
+                    <a:pt x="816046" y="300905"/>
+                    <a:pt x="753723" y="186970"/>
+                  </a:cubicBezTo>
+                  <a:cubicBezTo>
+                    <a:pt x="691400" y="73035"/>
+                    <a:pt x="593045" y="92511"/>
+                    <a:pt x="496639" y="67192"/>
+                  </a:cubicBezTo>
+                  <a:cubicBezTo>
+                    <a:pt x="400233" y="41873"/>
+                    <a:pt x="258057" y="46256"/>
+                    <a:pt x="175284" y="35057"/>
+                  </a:cubicBezTo>
+                  <a:cubicBezTo>
+                    <a:pt x="92511" y="23858"/>
+                    <a:pt x="37491" y="8764"/>
+                    <a:pt x="0" y="0"/>
+                  </a:cubicBezTo>
+                </a:path>
+              </a:pathLst>
+            </a:custGeom>
+            <a:noFill/>
+            <a:ln>
+              <a:gradFill>
+                <a:gsLst>
+                  <a:gs pos="0">
+                    <a:schemeClr val="tx1"/>
+                  </a:gs>
+                  <a:gs pos="19000">
+                    <a:srgbClr val="FF5D5D"/>
+                  </a:gs>
+                  <a:gs pos="100000">
+                    <a:srgbClr val="FFDDDD"/>
+                  </a:gs>
+                </a:gsLst>
+                <a:lin ang="5400000" scaled="1"/>
+              </a:gradFill>
+              <a:tailEnd type="triangle"/>
+            </a:ln>
+          </p:spPr>
+          <p:style>
+            <a:lnRef idx="2">
+              <a:schemeClr val="accent1">
+                <a:shade val="50000"/>
+              </a:schemeClr>
+            </a:lnRef>
+            <a:fillRef idx="1">
+              <a:schemeClr val="accent1"/>
+            </a:fillRef>
+            <a:effectRef idx="0">
+              <a:schemeClr val="accent1"/>
+            </a:effectRef>
+            <a:fontRef idx="minor">
+              <a:schemeClr val="lt1"/>
+            </a:fontRef>
+          </p:style>
+          <p:txBody>
+            <a:bodyPr rtlCol="0" anchor="ctr"/>
+            <a:lstStyle/>
+            <a:p>
+              <a:pPr algn="ctr"/>
+              <a:endParaRPr lang="en-US"/>
+            </a:p>
+          </p:txBody>
+        </p:sp>
+        <p:sp>
+          <p:nvSpPr>
+            <p:cNvPr id="13" name="Oval 12">
+              <a:extLst>
+                <a:ext uri="{FF2B5EF4-FFF2-40B4-BE49-F238E27FC236}">
+                  <a16:creationId xmlns:a16="http://schemas.microsoft.com/office/drawing/2014/main" id="{12FC7B9E-0298-4C04-B154-CC3407FE189B}"/>
+                </a:ext>
+              </a:extLst>
+            </p:cNvPr>
+            <p:cNvSpPr/>
+            <p:nvPr/>
+          </p:nvSpPr>
+          <p:spPr>
+            <a:xfrm>
+              <a:off x="1805172" y="3263338"/>
+              <a:ext cx="73858" cy="73858"/>
+            </a:xfrm>
+            <a:prstGeom prst="ellipse">
+              <a:avLst/>
+            </a:prstGeom>
+            <a:solidFill>
+              <a:srgbClr val="E38989"/>
+            </a:solidFill>
+            <a:ln>
+              <a:noFill/>
+            </a:ln>
+          </p:spPr>
+          <p:style>
+            <a:lnRef idx="2">
+              <a:schemeClr val="accent1">
+                <a:shade val="50000"/>
+              </a:schemeClr>
+            </a:lnRef>
+            <a:fillRef idx="1">
+              <a:schemeClr val="accent1"/>
+            </a:fillRef>
+            <a:effectRef idx="0">
+              <a:schemeClr val="accent1"/>
+            </a:effectRef>
+            <a:fontRef idx="minor">
+              <a:schemeClr val="lt1"/>
+            </a:fontRef>
+          </p:style>
+          <p:txBody>
+            <a:bodyPr rtlCol="0" anchor="ctr"/>
+            <a:lstStyle/>
+            <a:p>
+              <a:pPr algn="ctr"/>
+              <a:endParaRPr lang="en-US"/>
+            </a:p>
+          </p:txBody>
+        </p:sp>
+        <p:sp>
+          <p:nvSpPr>
+            <p:cNvPr id="14" name="Oval 13">
+              <a:extLst>
+                <a:ext uri="{FF2B5EF4-FFF2-40B4-BE49-F238E27FC236}">
+                  <a16:creationId xmlns:a16="http://schemas.microsoft.com/office/drawing/2014/main" id="{E4FFD954-9D82-4DB1-A4C2-CD2C5EF3804F}"/>
+                </a:ext>
+              </a:extLst>
+            </p:cNvPr>
+            <p:cNvSpPr/>
+            <p:nvPr/>
+          </p:nvSpPr>
+          <p:spPr>
+            <a:xfrm>
+              <a:off x="1889212" y="3595127"/>
+              <a:ext cx="73858" cy="73858"/>
+            </a:xfrm>
+            <a:prstGeom prst="ellipse">
+              <a:avLst/>
+            </a:prstGeom>
+            <a:solidFill>
+              <a:srgbClr val="E8C6C6"/>
+            </a:solidFill>
+            <a:ln>
+              <a:noFill/>
+            </a:ln>
+          </p:spPr>
+          <p:style>
+            <a:lnRef idx="2">
+              <a:schemeClr val="accent1">
+                <a:shade val="50000"/>
+              </a:schemeClr>
+            </a:lnRef>
+            <a:fillRef idx="1">
+              <a:schemeClr val="accent1"/>
+            </a:fillRef>
+            <a:effectRef idx="0">
+              <a:schemeClr val="accent1"/>
+            </a:effectRef>
+            <a:fontRef idx="minor">
+              <a:schemeClr val="lt1"/>
+            </a:fontRef>
+          </p:style>
+          <p:txBody>
+            <a:bodyPr rtlCol="0" anchor="ctr"/>
+            <a:lstStyle/>
+            <a:p>
+              <a:pPr algn="ctr"/>
+              <a:endParaRPr lang="en-US"/>
+            </a:p>
+          </p:txBody>
+        </p:sp>
+        <p:sp>
+          <p:nvSpPr>
+            <p:cNvPr id="15" name="Oval 14">
+              <a:extLst>
+                <a:ext uri="{FF2B5EF4-FFF2-40B4-BE49-F238E27FC236}">
+                  <a16:creationId xmlns:a16="http://schemas.microsoft.com/office/drawing/2014/main" id="{658D75F5-1F47-4AF8-AFE5-16F4C4352BF6}"/>
+                </a:ext>
+              </a:extLst>
+            </p:cNvPr>
+            <p:cNvSpPr/>
+            <p:nvPr/>
+          </p:nvSpPr>
+          <p:spPr>
+            <a:xfrm>
+              <a:off x="1947471" y="2719248"/>
+              <a:ext cx="73858" cy="73858"/>
+            </a:xfrm>
+            <a:prstGeom prst="ellipse">
+              <a:avLst/>
+            </a:prstGeom>
+            <a:solidFill>
+              <a:srgbClr val="D86262"/>
+            </a:solidFill>
+            <a:ln>
+              <a:noFill/>
+            </a:ln>
+          </p:spPr>
+          <p:style>
+            <a:lnRef idx="2">
+              <a:schemeClr val="accent1">
+                <a:shade val="50000"/>
+              </a:schemeClr>
+            </a:lnRef>
+            <a:fillRef idx="1">
+              <a:schemeClr val="accent1"/>
+            </a:fillRef>
+            <a:effectRef idx="0">
+              <a:schemeClr val="accent1"/>
+            </a:effectRef>
+            <a:fontRef idx="minor">
+              <a:schemeClr val="lt1"/>
+            </a:fontRef>
+          </p:style>
+          <p:txBody>
+            <a:bodyPr rtlCol="0" anchor="ctr"/>
+            <a:lstStyle/>
+            <a:p>
+              <a:pPr algn="ctr"/>
+              <a:endParaRPr lang="en-US"/>
+            </a:p>
+          </p:txBody>
+        </p:sp>
+        <p:sp>
+          <p:nvSpPr>
+            <p:cNvPr id="16" name="Oval 15">
+              <a:extLst>
+                <a:ext uri="{FF2B5EF4-FFF2-40B4-BE49-F238E27FC236}">
+                  <a16:creationId xmlns:a16="http://schemas.microsoft.com/office/drawing/2014/main" id="{55358CFA-A3A4-49F4-9C4D-F8534AB73DEA}"/>
+                </a:ext>
+              </a:extLst>
+            </p:cNvPr>
+            <p:cNvSpPr/>
+            <p:nvPr/>
+          </p:nvSpPr>
+          <p:spPr>
+            <a:xfrm>
+              <a:off x="1844972" y="2151653"/>
+              <a:ext cx="73858" cy="73858"/>
+            </a:xfrm>
+            <a:prstGeom prst="ellipse">
+              <a:avLst/>
+            </a:prstGeom>
+            <a:solidFill>
+              <a:srgbClr val="C00000"/>
+            </a:solidFill>
+            <a:ln>
+              <a:noFill/>
+            </a:ln>
+          </p:spPr>
+          <p:style>
+            <a:lnRef idx="2">
+              <a:schemeClr val="accent1">
+                <a:shade val="50000"/>
+              </a:schemeClr>
+            </a:lnRef>
+            <a:fillRef idx="1">
+              <a:schemeClr val="accent1"/>
+            </a:fillRef>
+            <a:effectRef idx="0">
+              <a:schemeClr val="accent1"/>
+            </a:effectRef>
+            <a:fontRef idx="minor">
+              <a:schemeClr val="lt1"/>
+            </a:fontRef>
+          </p:style>
+          <p:txBody>
+            <a:bodyPr rtlCol="0" anchor="ctr"/>
+            <a:lstStyle/>
+            <a:p>
+              <a:pPr algn="ctr"/>
+              <a:endParaRPr lang="en-US"/>
+            </a:p>
+          </p:txBody>
+        </p:sp>
+        <p:sp>
+          <p:nvSpPr>
+            <p:cNvPr id="17" name="Oval 16">
+              <a:extLst>
+                <a:ext uri="{FF2B5EF4-FFF2-40B4-BE49-F238E27FC236}">
+                  <a16:creationId xmlns:a16="http://schemas.microsoft.com/office/drawing/2014/main" id="{B3A68798-9904-4395-B4A5-798EC5B3729F}"/>
+                </a:ext>
+              </a:extLst>
+            </p:cNvPr>
+            <p:cNvSpPr/>
+            <p:nvPr/>
+          </p:nvSpPr>
+          <p:spPr>
+            <a:xfrm>
+              <a:off x="1620476" y="2049824"/>
+              <a:ext cx="73858" cy="73858"/>
+            </a:xfrm>
+            <a:prstGeom prst="ellipse">
+              <a:avLst/>
+            </a:prstGeom>
+            <a:solidFill>
+              <a:schemeClr val="tx1">
+                <a:lumMod val="95000"/>
+                <a:lumOff val="5000"/>
+              </a:schemeClr>
+            </a:solidFill>
+            <a:ln>
+              <a:noFill/>
+            </a:ln>
+          </p:spPr>
+          <p:style>
+            <a:lnRef idx="2">
+              <a:schemeClr val="accent1">
+                <a:shade val="50000"/>
+              </a:schemeClr>
+            </a:lnRef>
+            <a:fillRef idx="1">
+              <a:schemeClr val="accent1"/>
+            </a:fillRef>
+            <a:effectRef idx="0">
+              <a:schemeClr val="accent1"/>
+            </a:effectRef>
+            <a:fontRef idx="minor">
+              <a:schemeClr val="lt1"/>
+            </a:fontRef>
+          </p:style>
+          <p:txBody>
+            <a:bodyPr rtlCol="0" anchor="ctr"/>
+            <a:lstStyle/>
+            <a:p>
+              <a:pPr algn="ctr"/>
+              <a:endParaRPr lang="en-US"/>
+            </a:p>
+          </p:txBody>
+        </p:sp>
+        <p:sp>
+          <p:nvSpPr>
+            <p:cNvPr id="23" name="Oval 22">
+              <a:extLst>
+                <a:ext uri="{FF2B5EF4-FFF2-40B4-BE49-F238E27FC236}">
+                  <a16:creationId xmlns:a16="http://schemas.microsoft.com/office/drawing/2014/main" id="{01AF5141-424C-4314-AB57-FAC2A8974040}"/>
+                </a:ext>
+              </a:extLst>
+            </p:cNvPr>
+            <p:cNvSpPr/>
+            <p:nvPr/>
+          </p:nvSpPr>
+          <p:spPr>
+            <a:xfrm>
+              <a:off x="1252336" y="2004131"/>
+              <a:ext cx="73858" cy="73858"/>
+            </a:xfrm>
+            <a:prstGeom prst="ellipse">
+              <a:avLst/>
+            </a:prstGeom>
+            <a:solidFill>
+              <a:schemeClr val="tx1">
+                <a:lumMod val="95000"/>
+                <a:lumOff val="5000"/>
+              </a:schemeClr>
+            </a:solidFill>
+            <a:ln>
+              <a:noFill/>
+            </a:ln>
+          </p:spPr>
+          <p:style>
+            <a:lnRef idx="2">
+              <a:schemeClr val="accent1">
+                <a:shade val="50000"/>
+              </a:schemeClr>
+            </a:lnRef>
+            <a:fillRef idx="1">
+              <a:schemeClr val="accent1"/>
+            </a:fillRef>
+            <a:effectRef idx="0">
+              <a:schemeClr val="accent1"/>
+            </a:effectRef>
+            <a:fontRef idx="minor">
+              <a:schemeClr val="lt1"/>
+            </a:fontRef>
+          </p:style>
+          <p:txBody>
+            <a:bodyPr rtlCol="0" anchor="ctr"/>
+            <a:lstStyle/>
+            <a:p>
+              <a:pPr algn="ctr"/>
+              <a:endParaRPr lang="en-US"/>
+            </a:p>
+          </p:txBody>
+        </p:sp>
+        <p:sp>
+          <p:nvSpPr>
+            <p:cNvPr id="24" name="Oval 23">
+              <a:extLst>
+                <a:ext uri="{FF2B5EF4-FFF2-40B4-BE49-F238E27FC236}">
+                  <a16:creationId xmlns:a16="http://schemas.microsoft.com/office/drawing/2014/main" id="{7AE2A65A-27D0-4B01-A1DD-8B934E419ED9}"/>
+                </a:ext>
+              </a:extLst>
+            </p:cNvPr>
+            <p:cNvSpPr/>
+            <p:nvPr/>
+          </p:nvSpPr>
+          <p:spPr>
+            <a:xfrm>
+              <a:off x="1425933" y="2012895"/>
+              <a:ext cx="73858" cy="73858"/>
+            </a:xfrm>
+            <a:prstGeom prst="ellipse">
+              <a:avLst/>
+            </a:prstGeom>
+            <a:solidFill>
+              <a:schemeClr val="tx1">
+                <a:lumMod val="95000"/>
+                <a:lumOff val="5000"/>
+              </a:schemeClr>
+            </a:solidFill>
+            <a:ln>
+              <a:noFill/>
+            </a:ln>
+          </p:spPr>
+          <p:style>
+            <a:lnRef idx="2">
+              <a:schemeClr val="accent1">
+                <a:shade val="50000"/>
+              </a:schemeClr>
+            </a:lnRef>
+            <a:fillRef idx="1">
+              <a:schemeClr val="accent1"/>
+            </a:fillRef>
+            <a:effectRef idx="0">
+              <a:schemeClr val="accent1"/>
+            </a:effectRef>
+            <a:fontRef idx="minor">
+              <a:schemeClr val="lt1"/>
+            </a:fontRef>
+          </p:style>
+          <p:txBody>
+            <a:bodyPr rtlCol="0" anchor="ctr"/>
+            <a:lstStyle/>
+            <a:p>
+              <a:pPr algn="ctr"/>
+              <a:endParaRPr lang="en-US"/>
+            </a:p>
+          </p:txBody>
+        </p:sp>
+        <p:sp>
+          <p:nvSpPr>
+            <p:cNvPr id="41" name="Arrow: Right 40">
+              <a:extLst>
+                <a:ext uri="{FF2B5EF4-FFF2-40B4-BE49-F238E27FC236}">
+                  <a16:creationId xmlns:a16="http://schemas.microsoft.com/office/drawing/2014/main" id="{F2C0CC42-6626-47B5-B83B-E5D15532912C}"/>
+                </a:ext>
+              </a:extLst>
+            </p:cNvPr>
+            <p:cNvSpPr/>
+            <p:nvPr/>
+          </p:nvSpPr>
+          <p:spPr>
+            <a:xfrm rot="16200000">
+              <a:off x="1580093" y="2296179"/>
+              <a:ext cx="136134" cy="121450"/>
+            </a:xfrm>
+            <a:prstGeom prst="rightArrow">
+              <a:avLst/>
+            </a:prstGeom>
+            <a:solidFill>
+              <a:srgbClr val="0070C0"/>
+            </a:solidFill>
+            <a:ln>
+              <a:noFill/>
+            </a:ln>
+          </p:spPr>
+          <p:style>
+            <a:lnRef idx="2">
+              <a:schemeClr val="accent1">
+                <a:shade val="50000"/>
+              </a:schemeClr>
+            </a:lnRef>
+            <a:fillRef idx="1">
+              <a:schemeClr val="accent1"/>
+            </a:fillRef>
+            <a:effectRef idx="0">
+              <a:schemeClr val="accent1"/>
+            </a:effectRef>
+            <a:fontRef idx="minor">
+              <a:schemeClr val="lt1"/>
+            </a:fontRef>
+          </p:style>
+          <p:txBody>
+            <a:bodyPr rtlCol="0" anchor="ctr"/>
+            <a:lstStyle/>
+            <a:p>
+              <a:pPr algn="ctr"/>
+              <a:endParaRPr lang="en-US"/>
+            </a:p>
+          </p:txBody>
+        </p:sp>
+        <p:cxnSp>
+          <p:nvCxnSpPr>
+            <p:cNvPr id="43" name="Straight Arrow Connector 42">
+              <a:extLst>
+                <a:ext uri="{FF2B5EF4-FFF2-40B4-BE49-F238E27FC236}">
+                  <a16:creationId xmlns:a16="http://schemas.microsoft.com/office/drawing/2014/main" id="{7BA58725-13A9-4309-BFD6-552BEF674A7F}"/>
+                </a:ext>
+              </a:extLst>
+            </p:cNvPr>
+            <p:cNvCxnSpPr>
+              <a:cxnSpLocks/>
+              <a:stCxn id="44" idx="2"/>
+            </p:cNvCxnSpPr>
+            <p:nvPr/>
+          </p:nvCxnSpPr>
+          <p:spPr>
+            <a:xfrm>
+              <a:off x="837547" y="3851377"/>
+              <a:ext cx="10376" cy="1255779"/>
+            </a:xfrm>
+            <a:prstGeom prst="straightConnector1">
+              <a:avLst/>
+            </a:prstGeom>
+            <a:ln>
+              <a:solidFill>
+                <a:schemeClr val="tx1">
+                  <a:lumMod val="50000"/>
+                  <a:lumOff val="50000"/>
+                </a:schemeClr>
+              </a:solidFill>
+              <a:tailEnd type="triangle"/>
+            </a:ln>
+          </p:spPr>
+          <p:style>
+            <a:lnRef idx="1">
+              <a:schemeClr val="accent1"/>
+            </a:lnRef>
+            <a:fillRef idx="0">
+              <a:schemeClr val="accent1"/>
+            </a:fillRef>
+            <a:effectRef idx="0">
+              <a:schemeClr val="accent1"/>
+            </a:effectRef>
+            <a:fontRef idx="minor">
+              <a:schemeClr val="tx1"/>
+            </a:fontRef>
+          </p:style>
+        </p:cxnSp>
+        <p:sp>
+          <p:nvSpPr>
+            <p:cNvPr id="44" name="TextBox 43">
+              <a:extLst>
+                <a:ext uri="{FF2B5EF4-FFF2-40B4-BE49-F238E27FC236}">
+                  <a16:creationId xmlns:a16="http://schemas.microsoft.com/office/drawing/2014/main" id="{7C78489C-68CE-4E02-A8A2-3CDF5B805789}"/>
+                </a:ext>
+              </a:extLst>
+            </p:cNvPr>
+            <p:cNvSpPr txBox="1"/>
+            <p:nvPr/>
+          </p:nvSpPr>
+          <p:spPr>
+            <a:xfrm>
+              <a:off x="477961" y="3389712"/>
+              <a:ext cx="719172" cy="461665"/>
+            </a:xfrm>
+            <a:prstGeom prst="rect">
+              <a:avLst/>
+            </a:prstGeom>
+            <a:noFill/>
+          </p:spPr>
+          <p:txBody>
+            <a:bodyPr wrap="square" rtlCol="0">
+              <a:spAutoFit/>
+            </a:bodyPr>
+            <a:lstStyle/>
+            <a:p>
+              <a:pPr algn="ctr"/>
+              <a:r>
+                <a:rPr lang="en-US" sz="1200"/>
+                <a:t>25 meter</a:t>
+              </a:r>
+            </a:p>
+          </p:txBody>
+        </p:sp>
+        <p:cxnSp>
+          <p:nvCxnSpPr>
+            <p:cNvPr id="45" name="Straight Arrow Connector 44">
+              <a:extLst>
+                <a:ext uri="{FF2B5EF4-FFF2-40B4-BE49-F238E27FC236}">
+                  <a16:creationId xmlns:a16="http://schemas.microsoft.com/office/drawing/2014/main" id="{056924B7-B736-4327-B6D5-F8ACE863EC2D}"/>
+                </a:ext>
+              </a:extLst>
+            </p:cNvPr>
+            <p:cNvCxnSpPr>
+              <a:cxnSpLocks/>
+              <a:stCxn id="44" idx="0"/>
+            </p:cNvCxnSpPr>
+            <p:nvPr/>
+          </p:nvCxnSpPr>
+          <p:spPr>
+            <a:xfrm flipV="1">
+              <a:off x="837547" y="1841441"/>
+              <a:ext cx="0" cy="1548271"/>
+            </a:xfrm>
+            <a:prstGeom prst="straightConnector1">
+              <a:avLst/>
+            </a:prstGeom>
+            <a:ln>
+              <a:solidFill>
+                <a:schemeClr val="tx1">
+                  <a:lumMod val="50000"/>
+                  <a:lumOff val="50000"/>
+                </a:schemeClr>
+              </a:solidFill>
+              <a:tailEnd type="triangle"/>
+            </a:ln>
+          </p:spPr>
+          <p:style>
+            <a:lnRef idx="1">
+              <a:schemeClr val="accent1"/>
+            </a:lnRef>
+            <a:fillRef idx="0">
+              <a:schemeClr val="accent1"/>
+            </a:fillRef>
+            <a:effectRef idx="0">
+              <a:schemeClr val="accent1"/>
+            </a:effectRef>
+            <a:fontRef idx="minor">
+              <a:schemeClr val="tx1"/>
+            </a:fontRef>
+          </p:style>
+        </p:cxnSp>
+      </p:grpSp>
+      <p:sp>
+        <p:nvSpPr>
+          <p:cNvPr id="53" name="TextBox 52">
+            <a:extLst>
+              <a:ext uri="{FF2B5EF4-FFF2-40B4-BE49-F238E27FC236}">
+                <a16:creationId xmlns:a16="http://schemas.microsoft.com/office/drawing/2014/main" id="{404C40B1-6663-4361-BCEB-EB9A49AE9E9E}"/>
+              </a:ext>
+            </a:extLst>
+          </p:cNvPr>
+          <p:cNvSpPr txBox="1"/>
+          <p:nvPr/>
+        </p:nvSpPr>
+        <p:spPr>
+          <a:xfrm>
+            <a:off x="566616" y="5304576"/>
+            <a:ext cx="7424598" cy="1015663"/>
+          </a:xfrm>
+          <a:prstGeom prst="rect">
+            <a:avLst/>
+          </a:prstGeom>
+          <a:noFill/>
+        </p:spPr>
+        <p:txBody>
+          <a:bodyPr wrap="square" rtlCol="0">
+            <a:spAutoFit/>
+          </a:bodyPr>
+          <a:lstStyle/>
+          <a:p>
+            <a:pPr algn="just"/>
+            <a:r>
+              <a:rPr lang="en-US" sz="1200">
+                <a:latin typeface="Times New Roman" panose="02020603050405020304" pitchFamily="18" charset="0"/>
+                <a:cs typeface="Times New Roman" panose="02020603050405020304" pitchFamily="18" charset="0"/>
+              </a:rPr>
+              <a:t>Fig. 1: </a:t>
+            </a:r>
+            <a:r>
+              <a:rPr lang="en-US" sz="1200" b="1">
+                <a:latin typeface="Times New Roman" panose="02020603050405020304" pitchFamily="18" charset="0"/>
+                <a:cs typeface="Times New Roman" panose="02020603050405020304" pitchFamily="18" charset="0"/>
+              </a:rPr>
+              <a:t>PSI 2.0, Video 0019</a:t>
+            </a:r>
+            <a:r>
+              <a:rPr lang="en-US" sz="1200">
+                <a:latin typeface="Times New Roman" panose="02020603050405020304" pitchFamily="18" charset="0"/>
+                <a:cs typeface="Times New Roman" panose="02020603050405020304" pitchFamily="18" charset="0"/>
+              </a:rPr>
+              <a:t>. (a) In a 4-lane unidirectional road, the vehicle drives along the second lane from the left at 20 mph. The pedestrian walks over 10 meter along the right lane of the vehicle in a wavering fasion  and suddenly stops crossing in front of the vehicle. (b) Existing simulation models’s low expressiveness and limitation in capturing spatial and temporal variance produces simple behaviors. The circular area shows the trajectory envelope. (c) Our modeling approach captures the behavior and produces variations.</a:t>
+            </a:r>
+          </a:p>
+        </p:txBody>
+      </p:sp>
+      <p:grpSp>
+        <p:nvGrpSpPr>
+          <p:cNvPr id="156" name="Group 155">
+            <a:extLst>
+              <a:ext uri="{FF2B5EF4-FFF2-40B4-BE49-F238E27FC236}">
+                <a16:creationId xmlns:a16="http://schemas.microsoft.com/office/drawing/2014/main" id="{0E5A8AAC-2E15-4652-BBB5-0F566498A202}"/>
+              </a:ext>
+            </a:extLst>
+          </p:cNvPr>
+          <p:cNvGrpSpPr/>
+          <p:nvPr/>
+        </p:nvGrpSpPr>
+        <p:grpSpPr>
+          <a:xfrm>
+            <a:off x="6367437" y="1487695"/>
+            <a:ext cx="1516977" cy="3308900"/>
+            <a:chOff x="4910103" y="1848392"/>
+            <a:chExt cx="1516977" cy="3308900"/>
+          </a:xfrm>
+        </p:grpSpPr>
+        <p:grpSp>
+          <p:nvGrpSpPr>
+            <p:cNvPr id="120" name="Group 119">
+              <a:extLst>
+                <a:ext uri="{FF2B5EF4-FFF2-40B4-BE49-F238E27FC236}">
+                  <a16:creationId xmlns:a16="http://schemas.microsoft.com/office/drawing/2014/main" id="{23FF29AF-7625-4EB9-B59A-BA62FA9C65ED}"/>
+                </a:ext>
+              </a:extLst>
+            </p:cNvPr>
+            <p:cNvGrpSpPr/>
+            <p:nvPr/>
+          </p:nvGrpSpPr>
+          <p:grpSpPr>
+            <a:xfrm>
+              <a:off x="4910103" y="1848392"/>
+              <a:ext cx="1516977" cy="3265715"/>
+              <a:chOff x="1078739" y="1841441"/>
+              <a:chExt cx="1748737" cy="3265715"/>
+            </a:xfrm>
+          </p:grpSpPr>
+          <p:sp>
+            <p:nvSpPr>
+              <p:cNvPr id="145" name="Rectangle 144">
+                <a:extLst>
+                  <a:ext uri="{FF2B5EF4-FFF2-40B4-BE49-F238E27FC236}">
+                    <a16:creationId xmlns:a16="http://schemas.microsoft.com/office/drawing/2014/main" id="{88D0AFFB-6E57-4FE7-BED4-3C42F0A8879E}"/>
+                  </a:ext>
+                </a:extLst>
+              </p:cNvPr>
+              <p:cNvSpPr/>
+              <p:nvPr/>
+            </p:nvSpPr>
+            <p:spPr>
+              <a:xfrm>
+                <a:off x="1078739" y="1841441"/>
+                <a:ext cx="1748737" cy="3265715"/>
+              </a:xfrm>
+              <a:prstGeom prst="rect">
+                <a:avLst/>
+              </a:prstGeom>
+              <a:solidFill>
+                <a:schemeClr val="bg1"/>
+              </a:solidFill>
+            </p:spPr>
+            <p:style>
+              <a:lnRef idx="2">
+                <a:schemeClr val="accent1">
+                  <a:shade val="50000"/>
+                </a:schemeClr>
+              </a:lnRef>
+              <a:fillRef idx="1">
+                <a:schemeClr val="accent1"/>
+              </a:fillRef>
+              <a:effectRef idx="0">
+                <a:schemeClr val="accent1"/>
+              </a:effectRef>
+              <a:fontRef idx="minor">
+                <a:schemeClr val="lt1"/>
+              </a:fontRef>
+            </p:style>
+            <p:txBody>
+              <a:bodyPr rtlCol="0" anchor="ctr"/>
+              <a:lstStyle/>
+              <a:p>
+                <a:pPr algn="ctr"/>
+                <a:endParaRPr lang="en-US"/>
+              </a:p>
+            </p:txBody>
+          </p:sp>
+          <p:cxnSp>
+            <p:nvCxnSpPr>
+              <p:cNvPr id="146" name="Straight Connector 145">
+                <a:extLst>
+                  <a:ext uri="{FF2B5EF4-FFF2-40B4-BE49-F238E27FC236}">
+                    <a16:creationId xmlns:a16="http://schemas.microsoft.com/office/drawing/2014/main" id="{40130180-5599-47AA-908E-C2705563E93B}"/>
+                  </a:ext>
+                </a:extLst>
+              </p:cNvPr>
+              <p:cNvCxnSpPr/>
+              <p:nvPr/>
+            </p:nvCxnSpPr>
+            <p:spPr>
+              <a:xfrm>
+                <a:off x="1521191" y="1841441"/>
+                <a:ext cx="0" cy="3265715"/>
+              </a:xfrm>
+              <a:prstGeom prst="line">
+                <a:avLst/>
+              </a:prstGeom>
+            </p:spPr>
+            <p:style>
+              <a:lnRef idx="1">
+                <a:schemeClr val="accent1"/>
+              </a:lnRef>
+              <a:fillRef idx="0">
+                <a:schemeClr val="accent1"/>
+              </a:fillRef>
+              <a:effectRef idx="0">
+                <a:schemeClr val="accent1"/>
+              </a:effectRef>
+              <a:fontRef idx="minor">
+                <a:schemeClr val="tx1"/>
+              </a:fontRef>
+            </p:style>
+          </p:cxnSp>
+          <p:cxnSp>
+            <p:nvCxnSpPr>
+              <p:cNvPr id="147" name="Straight Connector 146">
+                <a:extLst>
+                  <a:ext uri="{FF2B5EF4-FFF2-40B4-BE49-F238E27FC236}">
+                    <a16:creationId xmlns:a16="http://schemas.microsoft.com/office/drawing/2014/main" id="{FBF259A6-B307-4122-A61C-D419C1E95070}"/>
+                  </a:ext>
+                </a:extLst>
+              </p:cNvPr>
+              <p:cNvCxnSpPr>
+                <a:cxnSpLocks/>
+                <a:stCxn id="145" idx="0"/>
+                <a:endCxn id="145" idx="2"/>
+              </p:cNvCxnSpPr>
+              <p:nvPr/>
+            </p:nvCxnSpPr>
+            <p:spPr>
+              <a:xfrm>
+                <a:off x="1953108" y="1841441"/>
+                <a:ext cx="0" cy="3265715"/>
+              </a:xfrm>
+              <a:prstGeom prst="line">
+                <a:avLst/>
+              </a:prstGeom>
+            </p:spPr>
+            <p:style>
+              <a:lnRef idx="1">
+                <a:schemeClr val="accent1"/>
+              </a:lnRef>
+              <a:fillRef idx="0">
+                <a:schemeClr val="accent1"/>
+              </a:fillRef>
+              <a:effectRef idx="0">
+                <a:schemeClr val="accent1"/>
+              </a:effectRef>
+              <a:fontRef idx="minor">
+                <a:schemeClr val="tx1"/>
+              </a:fontRef>
+            </p:style>
+          </p:cxnSp>
+          <p:cxnSp>
+            <p:nvCxnSpPr>
+              <p:cNvPr id="148" name="Straight Connector 147">
+                <a:extLst>
+                  <a:ext uri="{FF2B5EF4-FFF2-40B4-BE49-F238E27FC236}">
+                    <a16:creationId xmlns:a16="http://schemas.microsoft.com/office/drawing/2014/main" id="{E4E2D0D7-4B38-4AE9-84CA-9D7B44EB21DF}"/>
+                  </a:ext>
+                </a:extLst>
+              </p:cNvPr>
+              <p:cNvCxnSpPr/>
+              <p:nvPr/>
+            </p:nvCxnSpPr>
+            <p:spPr>
+              <a:xfrm>
+                <a:off x="2390643" y="1841441"/>
+                <a:ext cx="0" cy="3265715"/>
+              </a:xfrm>
+              <a:prstGeom prst="line">
+                <a:avLst/>
+              </a:prstGeom>
+            </p:spPr>
+            <p:style>
+              <a:lnRef idx="1">
+                <a:schemeClr val="accent1"/>
+              </a:lnRef>
+              <a:fillRef idx="0">
+                <a:schemeClr val="accent1"/>
+              </a:fillRef>
+              <a:effectRef idx="0">
+                <a:schemeClr val="accent1"/>
+              </a:effectRef>
+              <a:fontRef idx="minor">
+                <a:schemeClr val="tx1"/>
+              </a:fontRef>
+            </p:style>
+          </p:cxnSp>
+        </p:grpSp>
+        <p:pic>
+          <p:nvPicPr>
+            <p:cNvPr id="121" name="Picture 120">
+              <a:extLst>
+                <a:ext uri="{FF2B5EF4-FFF2-40B4-BE49-F238E27FC236}">
+                  <a16:creationId xmlns:a16="http://schemas.microsoft.com/office/drawing/2014/main" id="{287CA217-B0CC-4784-B526-21D3FF33692D}"/>
+                </a:ext>
+              </a:extLst>
+            </p:cNvPr>
+            <p:cNvPicPr>
+              <a:picLocks noChangeAspect="1"/>
+            </p:cNvPicPr>
+            <p:nvPr/>
+          </p:nvPicPr>
+          <p:blipFill rotWithShape="1">
+            <a:blip r:embed="rId2">
+              <a:extLst>
+                <a:ext uri="{28A0092B-C50C-407E-A947-70E740481C1C}">
+                  <a14:useLocalDpi xmlns:a14="http://schemas.microsoft.com/office/drawing/2010/main" val="0"/>
+                </a:ext>
+              </a:extLst>
+            </a:blip>
+            <a:srcRect r="75114" b="39253"/>
+            <a:stretch/>
+          </p:blipFill>
+          <p:spPr>
+            <a:xfrm>
+              <a:off x="5289045" y="2408101"/>
+              <a:ext cx="374016" cy="547791"/>
+            </a:xfrm>
+            <a:prstGeom prst="rect">
+              <a:avLst/>
+            </a:prstGeom>
+          </p:spPr>
+        </p:pic>
+        <p:pic>
+          <p:nvPicPr>
+            <p:cNvPr id="122" name="Picture 121">
+              <a:extLst>
+                <a:ext uri="{FF2B5EF4-FFF2-40B4-BE49-F238E27FC236}">
+                  <a16:creationId xmlns:a16="http://schemas.microsoft.com/office/drawing/2014/main" id="{358481EB-B758-4A32-B0FA-E07715F8111A}"/>
+                </a:ext>
+              </a:extLst>
+            </p:cNvPr>
+            <p:cNvPicPr>
+              <a:picLocks noChangeAspect="1"/>
+            </p:cNvPicPr>
+            <p:nvPr/>
+          </p:nvPicPr>
+          <p:blipFill rotWithShape="1">
+            <a:blip r:embed="rId2">
+              <a:extLst>
+                <a:ext uri="{28A0092B-C50C-407E-A947-70E740481C1C}">
+                  <a14:useLocalDpi xmlns:a14="http://schemas.microsoft.com/office/drawing/2010/main" val="0"/>
+                </a:ext>
+              </a:extLst>
+            </a:blip>
+            <a:srcRect l="24931" r="59368" b="33060"/>
+            <a:stretch/>
+          </p:blipFill>
+          <p:spPr>
+            <a:xfrm>
+              <a:off x="5372641" y="3134136"/>
+              <a:ext cx="235963" cy="603630"/>
+            </a:xfrm>
+            <a:prstGeom prst="rect">
+              <a:avLst/>
+            </a:prstGeom>
+          </p:spPr>
+        </p:pic>
+        <p:pic>
+          <p:nvPicPr>
+            <p:cNvPr id="123" name="Picture 122">
+              <a:extLst>
+                <a:ext uri="{FF2B5EF4-FFF2-40B4-BE49-F238E27FC236}">
+                  <a16:creationId xmlns:a16="http://schemas.microsoft.com/office/drawing/2014/main" id="{B19A00EF-B7F9-43C6-8980-8F2CF6AD4626}"/>
+                </a:ext>
+              </a:extLst>
+            </p:cNvPr>
+            <p:cNvPicPr>
+              <a:picLocks noChangeAspect="1"/>
+            </p:cNvPicPr>
+            <p:nvPr/>
+          </p:nvPicPr>
+          <p:blipFill rotWithShape="1">
+            <a:blip r:embed="rId2">
+              <a:extLst>
+                <a:ext uri="{28A0092B-C50C-407E-A947-70E740481C1C}">
+                  <a14:useLocalDpi xmlns:a14="http://schemas.microsoft.com/office/drawing/2010/main" val="0"/>
+                </a:ext>
+              </a:extLst>
+            </a:blip>
+            <a:srcRect l="42120" r="40217" b="39253"/>
+            <a:stretch/>
+          </p:blipFill>
+          <p:spPr>
+            <a:xfrm>
+              <a:off x="5343321" y="3876822"/>
+              <a:ext cx="265464" cy="547791"/>
+            </a:xfrm>
+            <a:prstGeom prst="rect">
+              <a:avLst/>
+            </a:prstGeom>
+          </p:spPr>
+        </p:pic>
+        <p:pic>
+          <p:nvPicPr>
+            <p:cNvPr id="124" name="Picture 123">
+              <a:extLst>
+                <a:ext uri="{FF2B5EF4-FFF2-40B4-BE49-F238E27FC236}">
+                  <a16:creationId xmlns:a16="http://schemas.microsoft.com/office/drawing/2014/main" id="{E1D3481E-51F5-42CD-85CF-AFD3CFFA42E8}"/>
+                </a:ext>
+              </a:extLst>
+            </p:cNvPr>
+            <p:cNvPicPr>
+              <a:picLocks noChangeAspect="1"/>
+            </p:cNvPicPr>
+            <p:nvPr/>
+          </p:nvPicPr>
+          <p:blipFill rotWithShape="1">
+            <a:blip r:embed="rId2">
+              <a:extLst>
+                <a:ext uri="{28A0092B-C50C-407E-A947-70E740481C1C}">
+                  <a14:useLocalDpi xmlns:a14="http://schemas.microsoft.com/office/drawing/2010/main" val="0"/>
+                </a:ext>
+              </a:extLst>
+            </a:blip>
+            <a:srcRect l="60677" r="21660" b="39253"/>
+            <a:stretch/>
+          </p:blipFill>
+          <p:spPr>
+            <a:xfrm>
+              <a:off x="5347066" y="4609501"/>
+              <a:ext cx="265464" cy="547791"/>
+            </a:xfrm>
+            <a:prstGeom prst="rect">
+              <a:avLst/>
+            </a:prstGeom>
+            <a:noFill/>
+          </p:spPr>
+        </p:pic>
+        <p:sp>
+          <p:nvSpPr>
+            <p:cNvPr id="125" name="TextBox 124">
+              <a:extLst>
+                <a:ext uri="{FF2B5EF4-FFF2-40B4-BE49-F238E27FC236}">
+                  <a16:creationId xmlns:a16="http://schemas.microsoft.com/office/drawing/2014/main" id="{D04CC968-ACC3-47AF-83A5-B56901CB44B9}"/>
+                </a:ext>
+              </a:extLst>
+            </p:cNvPr>
+            <p:cNvSpPr txBox="1"/>
+            <p:nvPr/>
+          </p:nvSpPr>
+          <p:spPr>
+            <a:xfrm>
+              <a:off x="5767213" y="3498771"/>
+              <a:ext cx="128634" cy="276999"/>
+            </a:xfrm>
+            <a:prstGeom prst="rect">
+              <a:avLst/>
+            </a:prstGeom>
+            <a:noFill/>
+          </p:spPr>
+          <p:txBody>
+            <a:bodyPr wrap="square" rtlCol="0">
+              <a:spAutoFit/>
+            </a:bodyPr>
+            <a:lstStyle/>
+            <a:p>
+              <a:r>
+                <a:rPr lang="en-US" sz="1200"/>
+                <a:t>1</a:t>
+              </a:r>
+            </a:p>
+          </p:txBody>
+        </p:sp>
+        <p:sp>
+          <p:nvSpPr>
+            <p:cNvPr id="126" name="TextBox 125">
+              <a:extLst>
+                <a:ext uri="{FF2B5EF4-FFF2-40B4-BE49-F238E27FC236}">
+                  <a16:creationId xmlns:a16="http://schemas.microsoft.com/office/drawing/2014/main" id="{083354CA-AF2E-4E98-B77B-724599C5540F}"/>
+                </a:ext>
+              </a:extLst>
+            </p:cNvPr>
+            <p:cNvSpPr txBox="1"/>
+            <p:nvPr/>
+          </p:nvSpPr>
+          <p:spPr>
+            <a:xfrm>
+              <a:off x="5687181" y="3159559"/>
+              <a:ext cx="128634" cy="276999"/>
+            </a:xfrm>
+            <a:prstGeom prst="rect">
+              <a:avLst/>
+            </a:prstGeom>
+            <a:noFill/>
+          </p:spPr>
+          <p:txBody>
+            <a:bodyPr wrap="square" rtlCol="0">
+              <a:spAutoFit/>
+            </a:bodyPr>
+            <a:lstStyle/>
+            <a:p>
+              <a:r>
+                <a:rPr lang="en-US" sz="1200"/>
+                <a:t>2</a:t>
+              </a:r>
+            </a:p>
+          </p:txBody>
+        </p:sp>
+        <p:sp>
+          <p:nvSpPr>
+            <p:cNvPr id="127" name="TextBox 126">
+              <a:extLst>
+                <a:ext uri="{FF2B5EF4-FFF2-40B4-BE49-F238E27FC236}">
+                  <a16:creationId xmlns:a16="http://schemas.microsoft.com/office/drawing/2014/main" id="{45F2B500-B292-43AE-9548-D6EF8A5E867B}"/>
+                </a:ext>
+              </a:extLst>
+            </p:cNvPr>
+            <p:cNvSpPr txBox="1"/>
+            <p:nvPr/>
+          </p:nvSpPr>
+          <p:spPr>
+            <a:xfrm>
+              <a:off x="5858221" y="2639536"/>
+              <a:ext cx="128634" cy="276999"/>
+            </a:xfrm>
+            <a:prstGeom prst="rect">
+              <a:avLst/>
+            </a:prstGeom>
+            <a:noFill/>
+          </p:spPr>
+          <p:txBody>
+            <a:bodyPr wrap="square" rtlCol="0">
+              <a:spAutoFit/>
+            </a:bodyPr>
+            <a:lstStyle/>
+            <a:p>
+              <a:r>
+                <a:rPr lang="en-US" sz="1200"/>
+                <a:t>3</a:t>
+              </a:r>
+            </a:p>
+          </p:txBody>
+        </p:sp>
+        <p:sp>
+          <p:nvSpPr>
+            <p:cNvPr id="128" name="TextBox 127">
+              <a:extLst>
+                <a:ext uri="{FF2B5EF4-FFF2-40B4-BE49-F238E27FC236}">
+                  <a16:creationId xmlns:a16="http://schemas.microsoft.com/office/drawing/2014/main" id="{7D042439-90BF-4D0C-8CF4-ADA8C4FB3B86}"/>
+                </a:ext>
+              </a:extLst>
+            </p:cNvPr>
+            <p:cNvSpPr txBox="1"/>
+            <p:nvPr/>
+          </p:nvSpPr>
+          <p:spPr>
+            <a:xfrm>
+              <a:off x="5729484" y="2077351"/>
+              <a:ext cx="128634" cy="276999"/>
+            </a:xfrm>
+            <a:prstGeom prst="rect">
+              <a:avLst/>
+            </a:prstGeom>
+            <a:noFill/>
+          </p:spPr>
+          <p:txBody>
+            <a:bodyPr wrap="square" rtlCol="0">
+              <a:spAutoFit/>
+            </a:bodyPr>
+            <a:lstStyle/>
+            <a:p>
+              <a:r>
+                <a:rPr lang="en-US" sz="1200"/>
+                <a:t>4</a:t>
+              </a:r>
+            </a:p>
+          </p:txBody>
+        </p:sp>
+        <p:sp>
+          <p:nvSpPr>
+            <p:cNvPr id="129" name="TextBox 128">
+              <a:extLst>
+                <a:ext uri="{FF2B5EF4-FFF2-40B4-BE49-F238E27FC236}">
+                  <a16:creationId xmlns:a16="http://schemas.microsoft.com/office/drawing/2014/main" id="{29A51779-7F76-4B8B-816C-9417ECECA479}"/>
+                </a:ext>
+              </a:extLst>
+            </p:cNvPr>
+            <p:cNvSpPr txBox="1"/>
+            <p:nvPr/>
+          </p:nvSpPr>
+          <p:spPr>
+            <a:xfrm>
+              <a:off x="5127107" y="4744896"/>
+              <a:ext cx="128634" cy="276999"/>
+            </a:xfrm>
+            <a:prstGeom prst="rect">
+              <a:avLst/>
+            </a:prstGeom>
+            <a:noFill/>
+          </p:spPr>
+          <p:txBody>
+            <a:bodyPr wrap="square" rtlCol="0">
+              <a:spAutoFit/>
+            </a:bodyPr>
+            <a:lstStyle/>
+            <a:p>
+              <a:r>
+                <a:rPr lang="en-US" sz="1200"/>
+                <a:t>1</a:t>
+              </a:r>
+            </a:p>
+          </p:txBody>
+        </p:sp>
+        <p:sp>
+          <p:nvSpPr>
+            <p:cNvPr id="130" name="TextBox 129">
+              <a:extLst>
+                <a:ext uri="{FF2B5EF4-FFF2-40B4-BE49-F238E27FC236}">
+                  <a16:creationId xmlns:a16="http://schemas.microsoft.com/office/drawing/2014/main" id="{B65E4A2D-CA0A-409C-A77B-875F99EA84B5}"/>
+                </a:ext>
+              </a:extLst>
+            </p:cNvPr>
+            <p:cNvSpPr txBox="1"/>
+            <p:nvPr/>
+          </p:nvSpPr>
+          <p:spPr>
+            <a:xfrm>
+              <a:off x="5114897" y="4012217"/>
+              <a:ext cx="128634" cy="276999"/>
+            </a:xfrm>
+            <a:prstGeom prst="rect">
+              <a:avLst/>
+            </a:prstGeom>
+            <a:noFill/>
+          </p:spPr>
+          <p:txBody>
+            <a:bodyPr wrap="square" rtlCol="0">
+              <a:spAutoFit/>
+            </a:bodyPr>
+            <a:lstStyle/>
+            <a:p>
+              <a:r>
+                <a:rPr lang="en-US" sz="1200"/>
+                <a:t>2</a:t>
+              </a:r>
+            </a:p>
+          </p:txBody>
+        </p:sp>
+        <p:sp>
+          <p:nvSpPr>
+            <p:cNvPr id="131" name="TextBox 130">
+              <a:extLst>
+                <a:ext uri="{FF2B5EF4-FFF2-40B4-BE49-F238E27FC236}">
+                  <a16:creationId xmlns:a16="http://schemas.microsoft.com/office/drawing/2014/main" id="{922A17EF-3B8A-4E40-90CC-AD7A9D072B83}"/>
+                </a:ext>
+              </a:extLst>
+            </p:cNvPr>
+            <p:cNvSpPr txBox="1"/>
+            <p:nvPr/>
+          </p:nvSpPr>
+          <p:spPr>
+            <a:xfrm>
+              <a:off x="5125922" y="3242842"/>
+              <a:ext cx="128634" cy="276999"/>
+            </a:xfrm>
+            <a:prstGeom prst="rect">
+              <a:avLst/>
+            </a:prstGeom>
+            <a:noFill/>
+          </p:spPr>
+          <p:txBody>
+            <a:bodyPr wrap="square" rtlCol="0">
+              <a:spAutoFit/>
+            </a:bodyPr>
+            <a:lstStyle/>
+            <a:p>
+              <a:r>
+                <a:rPr lang="en-US" sz="1200"/>
+                <a:t>3</a:t>
+              </a:r>
+            </a:p>
+          </p:txBody>
+        </p:sp>
+        <p:sp>
+          <p:nvSpPr>
+            <p:cNvPr id="132" name="TextBox 131">
+              <a:extLst>
+                <a:ext uri="{FF2B5EF4-FFF2-40B4-BE49-F238E27FC236}">
+                  <a16:creationId xmlns:a16="http://schemas.microsoft.com/office/drawing/2014/main" id="{BF4ED4DA-06FC-443C-92E2-A84AF3FEB8BA}"/>
+                </a:ext>
+              </a:extLst>
+            </p:cNvPr>
+            <p:cNvSpPr txBox="1"/>
+            <p:nvPr/>
+          </p:nvSpPr>
+          <p:spPr>
+            <a:xfrm>
+              <a:off x="5132597" y="2530215"/>
+              <a:ext cx="128634" cy="276999"/>
+            </a:xfrm>
+            <a:prstGeom prst="rect">
+              <a:avLst/>
+            </a:prstGeom>
+            <a:noFill/>
+          </p:spPr>
+          <p:txBody>
+            <a:bodyPr wrap="square" rtlCol="0">
+              <a:spAutoFit/>
+            </a:bodyPr>
+            <a:lstStyle/>
+            <a:p>
+              <a:r>
+                <a:rPr lang="en-US" sz="1200"/>
+                <a:t>4</a:t>
+              </a:r>
+            </a:p>
+          </p:txBody>
+        </p:sp>
+        <p:sp>
+          <p:nvSpPr>
+            <p:cNvPr id="149" name="Freeform: Shape 148">
+              <a:extLst>
+                <a:ext uri="{FF2B5EF4-FFF2-40B4-BE49-F238E27FC236}">
+                  <a16:creationId xmlns:a16="http://schemas.microsoft.com/office/drawing/2014/main" id="{0684C97C-A6C7-42CF-BDD1-4C6FDAD92B23}"/>
+                </a:ext>
+              </a:extLst>
+            </p:cNvPr>
+            <p:cNvSpPr/>
+            <p:nvPr/>
+          </p:nvSpPr>
+          <p:spPr>
+            <a:xfrm>
+              <a:off x="4929301" y="1917895"/>
+              <a:ext cx="898736" cy="1731096"/>
+            </a:xfrm>
+            <a:custGeom>
+              <a:avLst/>
+              <a:gdLst>
+                <a:gd name="connsiteX0" fmla="*/ 841365 w 920577"/>
+                <a:gd name="connsiteY0" fmla="*/ 1840485 h 1840485"/>
+                <a:gd name="connsiteX1" fmla="*/ 771251 w 920577"/>
+                <a:gd name="connsiteY1" fmla="*/ 1302947 h 1840485"/>
+                <a:gd name="connsiteX2" fmla="*/ 920243 w 920577"/>
+                <a:gd name="connsiteY2" fmla="*/ 768329 h 1840485"/>
+                <a:gd name="connsiteX3" fmla="*/ 803387 w 920577"/>
+                <a:gd name="connsiteY3" fmla="*/ 204498 h 1840485"/>
+                <a:gd name="connsiteX4" fmla="*/ 546303 w 920577"/>
+                <a:gd name="connsiteY4" fmla="*/ 84720 h 1840485"/>
+                <a:gd name="connsiteX5" fmla="*/ 224948 w 920577"/>
+                <a:gd name="connsiteY5" fmla="*/ 52585 h 1840485"/>
+                <a:gd name="connsiteX6" fmla="*/ 49664 w 920577"/>
+                <a:gd name="connsiteY6" fmla="*/ 17528 h 1840485"/>
+                <a:gd name="connsiteX7" fmla="*/ 0 w 920577"/>
+                <a:gd name="connsiteY7" fmla="*/ 0 h 1840485"/>
+                <a:gd name="connsiteX0" fmla="*/ 791701 w 870913"/>
+                <a:gd name="connsiteY0" fmla="*/ 1822957 h 1822957"/>
+                <a:gd name="connsiteX1" fmla="*/ 721587 w 870913"/>
+                <a:gd name="connsiteY1" fmla="*/ 1285419 h 1822957"/>
+                <a:gd name="connsiteX2" fmla="*/ 870579 w 870913"/>
+                <a:gd name="connsiteY2" fmla="*/ 750801 h 1822957"/>
+                <a:gd name="connsiteX3" fmla="*/ 753723 w 870913"/>
+                <a:gd name="connsiteY3" fmla="*/ 186970 h 1822957"/>
+                <a:gd name="connsiteX4" fmla="*/ 496639 w 870913"/>
+                <a:gd name="connsiteY4" fmla="*/ 67192 h 1822957"/>
+                <a:gd name="connsiteX5" fmla="*/ 175284 w 870913"/>
+                <a:gd name="connsiteY5" fmla="*/ 35057 h 1822957"/>
+                <a:gd name="connsiteX6" fmla="*/ 0 w 870913"/>
+                <a:gd name="connsiteY6" fmla="*/ 0 h 1822957"/>
+                <a:gd name="connsiteX0" fmla="*/ 819837 w 899049"/>
+                <a:gd name="connsiteY0" fmla="*/ 1792177 h 1792177"/>
+                <a:gd name="connsiteX1" fmla="*/ 749723 w 899049"/>
+                <a:gd name="connsiteY1" fmla="*/ 1254639 h 1792177"/>
+                <a:gd name="connsiteX2" fmla="*/ 898715 w 899049"/>
+                <a:gd name="connsiteY2" fmla="*/ 720021 h 1792177"/>
+                <a:gd name="connsiteX3" fmla="*/ 781859 w 899049"/>
+                <a:gd name="connsiteY3" fmla="*/ 156190 h 1792177"/>
+                <a:gd name="connsiteX4" fmla="*/ 524775 w 899049"/>
+                <a:gd name="connsiteY4" fmla="*/ 36412 h 1792177"/>
+                <a:gd name="connsiteX5" fmla="*/ 203420 w 899049"/>
+                <a:gd name="connsiteY5" fmla="*/ 4277 h 1792177"/>
+                <a:gd name="connsiteX6" fmla="*/ 0 w 899049"/>
+                <a:gd name="connsiteY6" fmla="*/ 116962 h 1792177"/>
+                <a:gd name="connsiteX0" fmla="*/ 819837 w 899045"/>
+                <a:gd name="connsiteY0" fmla="*/ 1798032 h 1798032"/>
+                <a:gd name="connsiteX1" fmla="*/ 749723 w 899045"/>
+                <a:gd name="connsiteY1" fmla="*/ 1260494 h 1798032"/>
+                <a:gd name="connsiteX2" fmla="*/ 898715 w 899045"/>
+                <a:gd name="connsiteY2" fmla="*/ 725876 h 1798032"/>
+                <a:gd name="connsiteX3" fmla="*/ 781859 w 899045"/>
+                <a:gd name="connsiteY3" fmla="*/ 162045 h 1798032"/>
+                <a:gd name="connsiteX4" fmla="*/ 529465 w 899045"/>
+                <a:gd name="connsiteY4" fmla="*/ 22568 h 1798032"/>
+                <a:gd name="connsiteX5" fmla="*/ 203420 w 899045"/>
+                <a:gd name="connsiteY5" fmla="*/ 10132 h 1798032"/>
+                <a:gd name="connsiteX6" fmla="*/ 0 w 899045"/>
+                <a:gd name="connsiteY6" fmla="*/ 122817 h 1798032"/>
+                <a:gd name="connsiteX0" fmla="*/ 819837 w 899045"/>
+                <a:gd name="connsiteY0" fmla="*/ 1778139 h 1778139"/>
+                <a:gd name="connsiteX1" fmla="*/ 749723 w 899045"/>
+                <a:gd name="connsiteY1" fmla="*/ 1240601 h 1778139"/>
+                <a:gd name="connsiteX2" fmla="*/ 898715 w 899045"/>
+                <a:gd name="connsiteY2" fmla="*/ 705983 h 1778139"/>
+                <a:gd name="connsiteX3" fmla="*/ 781859 w 899045"/>
+                <a:gd name="connsiteY3" fmla="*/ 142152 h 1778139"/>
+                <a:gd name="connsiteX4" fmla="*/ 529465 w 899045"/>
+                <a:gd name="connsiteY4" fmla="*/ 2675 h 1778139"/>
+                <a:gd name="connsiteX5" fmla="*/ 255002 w 899045"/>
+                <a:gd name="connsiteY5" fmla="*/ 54260 h 1778139"/>
+                <a:gd name="connsiteX6" fmla="*/ 0 w 899045"/>
+                <a:gd name="connsiteY6" fmla="*/ 102924 h 1778139"/>
+                <a:gd name="connsiteX0" fmla="*/ 819837 w 899045"/>
+                <a:gd name="connsiteY0" fmla="*/ 1785446 h 1785446"/>
+                <a:gd name="connsiteX1" fmla="*/ 749723 w 899045"/>
+                <a:gd name="connsiteY1" fmla="*/ 1247908 h 1785446"/>
+                <a:gd name="connsiteX2" fmla="*/ 898715 w 899045"/>
+                <a:gd name="connsiteY2" fmla="*/ 713290 h 1785446"/>
+                <a:gd name="connsiteX3" fmla="*/ 781859 w 899045"/>
+                <a:gd name="connsiteY3" fmla="*/ 149459 h 1785446"/>
+                <a:gd name="connsiteX4" fmla="*/ 529465 w 899045"/>
+                <a:gd name="connsiteY4" fmla="*/ 9982 h 1785446"/>
+                <a:gd name="connsiteX5" fmla="*/ 245624 w 899045"/>
+                <a:gd name="connsiteY5" fmla="*/ 22169 h 1785446"/>
+                <a:gd name="connsiteX6" fmla="*/ 0 w 899045"/>
+                <a:gd name="connsiteY6" fmla="*/ 110231 h 1785446"/>
+                <a:gd name="connsiteX0" fmla="*/ 819837 w 898736"/>
+                <a:gd name="connsiteY0" fmla="*/ 1785446 h 1785446"/>
+                <a:gd name="connsiteX1" fmla="*/ 791927 w 898736"/>
+                <a:gd name="connsiteY1" fmla="*/ 1252744 h 1785446"/>
+                <a:gd name="connsiteX2" fmla="*/ 898715 w 898736"/>
+                <a:gd name="connsiteY2" fmla="*/ 713290 h 1785446"/>
+                <a:gd name="connsiteX3" fmla="*/ 781859 w 898736"/>
+                <a:gd name="connsiteY3" fmla="*/ 149459 h 1785446"/>
+                <a:gd name="connsiteX4" fmla="*/ 529465 w 898736"/>
+                <a:gd name="connsiteY4" fmla="*/ 9982 h 1785446"/>
+                <a:gd name="connsiteX5" fmla="*/ 245624 w 898736"/>
+                <a:gd name="connsiteY5" fmla="*/ 22169 h 1785446"/>
+                <a:gd name="connsiteX6" fmla="*/ 0 w 898736"/>
+                <a:gd name="connsiteY6" fmla="*/ 110231 h 1785446"/>
+              </a:gdLst>
+              <a:ahLst/>
+              <a:cxnLst>
+                <a:cxn ang="0">
+                  <a:pos x="connsiteX0" y="connsiteY0"/>
+                </a:cxn>
+                <a:cxn ang="0">
+                  <a:pos x="connsiteX1" y="connsiteY1"/>
+                </a:cxn>
+                <a:cxn ang="0">
+                  <a:pos x="connsiteX2" y="connsiteY2"/>
+                </a:cxn>
+                <a:cxn ang="0">
+                  <a:pos x="connsiteX3" y="connsiteY3"/>
+                </a:cxn>
+                <a:cxn ang="0">
+                  <a:pos x="connsiteX4" y="connsiteY4"/>
+                </a:cxn>
+                <a:cxn ang="0">
+                  <a:pos x="connsiteX5" y="connsiteY5"/>
+                </a:cxn>
+                <a:cxn ang="0">
+                  <a:pos x="connsiteX6" y="connsiteY6"/>
+                </a:cxn>
+              </a:cxnLst>
+              <a:rect l="l" t="t" r="r" b="b"/>
+              <a:pathLst>
+                <a:path w="898736" h="1785446">
+                  <a:moveTo>
+                    <a:pt x="819837" y="1785446"/>
+                  </a:moveTo>
+                  <a:cubicBezTo>
+                    <a:pt x="778207" y="1606023"/>
+                    <a:pt x="778781" y="1431437"/>
+                    <a:pt x="791927" y="1252744"/>
+                  </a:cubicBezTo>
+                  <a:cubicBezTo>
+                    <a:pt x="805073" y="1074051"/>
+                    <a:pt x="900393" y="897171"/>
+                    <a:pt x="898715" y="713290"/>
+                  </a:cubicBezTo>
+                  <a:cubicBezTo>
+                    <a:pt x="897037" y="529409"/>
+                    <a:pt x="843401" y="266677"/>
+                    <a:pt x="781859" y="149459"/>
+                  </a:cubicBezTo>
+                  <a:cubicBezTo>
+                    <a:pt x="720317" y="32241"/>
+                    <a:pt x="618838" y="31197"/>
+                    <a:pt x="529465" y="9982"/>
+                  </a:cubicBezTo>
+                  <a:cubicBezTo>
+                    <a:pt x="440093" y="-11233"/>
+                    <a:pt x="333868" y="5461"/>
+                    <a:pt x="245624" y="22169"/>
+                  </a:cubicBezTo>
+                  <a:cubicBezTo>
+                    <a:pt x="157380" y="38877"/>
+                    <a:pt x="37491" y="118995"/>
+                    <a:pt x="0" y="110231"/>
+                  </a:cubicBezTo>
+                </a:path>
+              </a:pathLst>
+            </a:custGeom>
+            <a:noFill/>
+            <a:ln>
+              <a:gradFill>
+                <a:gsLst>
+                  <a:gs pos="0">
+                    <a:schemeClr val="tx1">
+                      <a:lumMod val="50000"/>
+                      <a:lumOff val="50000"/>
+                    </a:schemeClr>
+                  </a:gs>
+                  <a:gs pos="19000">
+                    <a:schemeClr val="bg1">
+                      <a:lumMod val="50000"/>
+                    </a:schemeClr>
+                  </a:gs>
+                  <a:gs pos="100000">
+                    <a:schemeClr val="bg1">
+                      <a:lumMod val="85000"/>
+                    </a:schemeClr>
+                  </a:gs>
+                </a:gsLst>
+                <a:lin ang="5400000" scaled="1"/>
+              </a:gradFill>
+              <a:tailEnd type="triangle"/>
+            </a:ln>
+          </p:spPr>
+          <p:style>
+            <a:lnRef idx="2">
+              <a:schemeClr val="accent1">
+                <a:shade val="50000"/>
+              </a:schemeClr>
+            </a:lnRef>
+            <a:fillRef idx="1">
+              <a:schemeClr val="accent1"/>
+            </a:fillRef>
+            <a:effectRef idx="0">
+              <a:schemeClr val="accent1"/>
+            </a:effectRef>
+            <a:fontRef idx="minor">
+              <a:schemeClr val="lt1"/>
+            </a:fontRef>
+          </p:style>
+          <p:txBody>
+            <a:bodyPr rtlCol="0" anchor="ctr"/>
+            <a:lstStyle/>
+            <a:p>
+              <a:pPr algn="ctr"/>
+              <a:endParaRPr lang="en-US"/>
+            </a:p>
+          </p:txBody>
+        </p:sp>
+        <p:sp>
+          <p:nvSpPr>
+            <p:cNvPr id="141" name="Arrow: Right 140">
+              <a:extLst>
+                <a:ext uri="{FF2B5EF4-FFF2-40B4-BE49-F238E27FC236}">
+                  <a16:creationId xmlns:a16="http://schemas.microsoft.com/office/drawing/2014/main" id="{88CFBF4E-D91D-4D3B-A667-5FFB4AFEE910}"/>
+                </a:ext>
+              </a:extLst>
+            </p:cNvPr>
+            <p:cNvSpPr/>
+            <p:nvPr/>
+          </p:nvSpPr>
+          <p:spPr>
+            <a:xfrm rot="16200000">
+              <a:off x="5411457" y="2303130"/>
+              <a:ext cx="136134" cy="121450"/>
+            </a:xfrm>
+            <a:prstGeom prst="rightArrow">
+              <a:avLst/>
+            </a:prstGeom>
+            <a:solidFill>
+              <a:srgbClr val="0070C0"/>
+            </a:solidFill>
+            <a:ln>
+              <a:noFill/>
+            </a:ln>
+          </p:spPr>
+          <p:style>
+            <a:lnRef idx="2">
+              <a:schemeClr val="accent1">
+                <a:shade val="50000"/>
+              </a:schemeClr>
+            </a:lnRef>
+            <a:fillRef idx="1">
+              <a:schemeClr val="accent1"/>
+            </a:fillRef>
+            <a:effectRef idx="0">
+              <a:schemeClr val="accent1"/>
+            </a:effectRef>
+            <a:fontRef idx="minor">
+              <a:schemeClr val="lt1"/>
+            </a:fontRef>
+          </p:style>
+          <p:txBody>
+            <a:bodyPr rtlCol="0" anchor="ctr"/>
+            <a:lstStyle/>
+            <a:p>
+              <a:pPr algn="ctr"/>
+              <a:endParaRPr lang="en-US"/>
+            </a:p>
+          </p:txBody>
+        </p:sp>
+        <p:sp>
+          <p:nvSpPr>
+            <p:cNvPr id="150" name="Freeform: Shape 149">
+              <a:extLst>
+                <a:ext uri="{FF2B5EF4-FFF2-40B4-BE49-F238E27FC236}">
+                  <a16:creationId xmlns:a16="http://schemas.microsoft.com/office/drawing/2014/main" id="{58D281F0-4E50-47FF-A0BC-5707F49A9B59}"/>
+                </a:ext>
+              </a:extLst>
+            </p:cNvPr>
+            <p:cNvSpPr/>
+            <p:nvPr/>
+          </p:nvSpPr>
+          <p:spPr>
+            <a:xfrm>
+              <a:off x="4942936" y="2049824"/>
+              <a:ext cx="809675" cy="1572157"/>
+            </a:xfrm>
+            <a:custGeom>
+              <a:avLst/>
+              <a:gdLst>
+                <a:gd name="connsiteX0" fmla="*/ 841365 w 920577"/>
+                <a:gd name="connsiteY0" fmla="*/ 1840485 h 1840485"/>
+                <a:gd name="connsiteX1" fmla="*/ 771251 w 920577"/>
+                <a:gd name="connsiteY1" fmla="*/ 1302947 h 1840485"/>
+                <a:gd name="connsiteX2" fmla="*/ 920243 w 920577"/>
+                <a:gd name="connsiteY2" fmla="*/ 768329 h 1840485"/>
+                <a:gd name="connsiteX3" fmla="*/ 803387 w 920577"/>
+                <a:gd name="connsiteY3" fmla="*/ 204498 h 1840485"/>
+                <a:gd name="connsiteX4" fmla="*/ 546303 w 920577"/>
+                <a:gd name="connsiteY4" fmla="*/ 84720 h 1840485"/>
+                <a:gd name="connsiteX5" fmla="*/ 224948 w 920577"/>
+                <a:gd name="connsiteY5" fmla="*/ 52585 h 1840485"/>
+                <a:gd name="connsiteX6" fmla="*/ 49664 w 920577"/>
+                <a:gd name="connsiteY6" fmla="*/ 17528 h 1840485"/>
+                <a:gd name="connsiteX7" fmla="*/ 0 w 920577"/>
+                <a:gd name="connsiteY7" fmla="*/ 0 h 1840485"/>
+                <a:gd name="connsiteX0" fmla="*/ 791701 w 870913"/>
+                <a:gd name="connsiteY0" fmla="*/ 1822957 h 1822957"/>
+                <a:gd name="connsiteX1" fmla="*/ 721587 w 870913"/>
+                <a:gd name="connsiteY1" fmla="*/ 1285419 h 1822957"/>
+                <a:gd name="connsiteX2" fmla="*/ 870579 w 870913"/>
+                <a:gd name="connsiteY2" fmla="*/ 750801 h 1822957"/>
+                <a:gd name="connsiteX3" fmla="*/ 753723 w 870913"/>
+                <a:gd name="connsiteY3" fmla="*/ 186970 h 1822957"/>
+                <a:gd name="connsiteX4" fmla="*/ 496639 w 870913"/>
+                <a:gd name="connsiteY4" fmla="*/ 67192 h 1822957"/>
+                <a:gd name="connsiteX5" fmla="*/ 175284 w 870913"/>
+                <a:gd name="connsiteY5" fmla="*/ 35057 h 1822957"/>
+                <a:gd name="connsiteX6" fmla="*/ 0 w 870913"/>
+                <a:gd name="connsiteY6" fmla="*/ 0 h 1822957"/>
+                <a:gd name="connsiteX0" fmla="*/ 791701 w 810963"/>
+                <a:gd name="connsiteY0" fmla="*/ 1822957 h 1822957"/>
+                <a:gd name="connsiteX1" fmla="*/ 721587 w 810963"/>
+                <a:gd name="connsiteY1" fmla="*/ 1285419 h 1822957"/>
+                <a:gd name="connsiteX2" fmla="*/ 809619 w 810963"/>
+                <a:gd name="connsiteY2" fmla="*/ 756089 h 1822957"/>
+                <a:gd name="connsiteX3" fmla="*/ 753723 w 810963"/>
+                <a:gd name="connsiteY3" fmla="*/ 186970 h 1822957"/>
+                <a:gd name="connsiteX4" fmla="*/ 496639 w 810963"/>
+                <a:gd name="connsiteY4" fmla="*/ 67192 h 1822957"/>
+                <a:gd name="connsiteX5" fmla="*/ 175284 w 810963"/>
+                <a:gd name="connsiteY5" fmla="*/ 35057 h 1822957"/>
+                <a:gd name="connsiteX6" fmla="*/ 0 w 810963"/>
+                <a:gd name="connsiteY6" fmla="*/ 0 h 1822957"/>
+                <a:gd name="connsiteX0" fmla="*/ 791701 w 809625"/>
+                <a:gd name="connsiteY0" fmla="*/ 1822957 h 1822957"/>
+                <a:gd name="connsiteX1" fmla="*/ 721587 w 809625"/>
+                <a:gd name="connsiteY1" fmla="*/ 1285419 h 1822957"/>
+                <a:gd name="connsiteX2" fmla="*/ 809619 w 809625"/>
+                <a:gd name="connsiteY2" fmla="*/ 756089 h 1822957"/>
+                <a:gd name="connsiteX3" fmla="*/ 716210 w 809625"/>
+                <a:gd name="connsiteY3" fmla="*/ 276878 h 1822957"/>
+                <a:gd name="connsiteX4" fmla="*/ 496639 w 809625"/>
+                <a:gd name="connsiteY4" fmla="*/ 67192 h 1822957"/>
+                <a:gd name="connsiteX5" fmla="*/ 175284 w 809625"/>
+                <a:gd name="connsiteY5" fmla="*/ 35057 h 1822957"/>
+                <a:gd name="connsiteX6" fmla="*/ 0 w 809625"/>
+                <a:gd name="connsiteY6" fmla="*/ 0 h 1822957"/>
+                <a:gd name="connsiteX0" fmla="*/ 791701 w 809625"/>
+                <a:gd name="connsiteY0" fmla="*/ 1822957 h 1822957"/>
+                <a:gd name="connsiteX1" fmla="*/ 721587 w 809625"/>
+                <a:gd name="connsiteY1" fmla="*/ 1285419 h 1822957"/>
+                <a:gd name="connsiteX2" fmla="*/ 809619 w 809625"/>
+                <a:gd name="connsiteY2" fmla="*/ 756089 h 1822957"/>
+                <a:gd name="connsiteX3" fmla="*/ 716210 w 809625"/>
+                <a:gd name="connsiteY3" fmla="*/ 276878 h 1822957"/>
+                <a:gd name="connsiteX4" fmla="*/ 482572 w 809625"/>
+                <a:gd name="connsiteY4" fmla="*/ 146522 h 1822957"/>
+                <a:gd name="connsiteX5" fmla="*/ 175284 w 809625"/>
+                <a:gd name="connsiteY5" fmla="*/ 35057 h 1822957"/>
+                <a:gd name="connsiteX6" fmla="*/ 0 w 809625"/>
+                <a:gd name="connsiteY6" fmla="*/ 0 h 1822957"/>
+                <a:gd name="connsiteX0" fmla="*/ 791701 w 809625"/>
+                <a:gd name="connsiteY0" fmla="*/ 1822957 h 1822957"/>
+                <a:gd name="connsiteX1" fmla="*/ 721587 w 809625"/>
+                <a:gd name="connsiteY1" fmla="*/ 1285419 h 1822957"/>
+                <a:gd name="connsiteX2" fmla="*/ 809619 w 809625"/>
+                <a:gd name="connsiteY2" fmla="*/ 756089 h 1822957"/>
+                <a:gd name="connsiteX3" fmla="*/ 716210 w 809625"/>
+                <a:gd name="connsiteY3" fmla="*/ 276878 h 1822957"/>
+                <a:gd name="connsiteX4" fmla="*/ 482572 w 809625"/>
+                <a:gd name="connsiteY4" fmla="*/ 146522 h 1822957"/>
+                <a:gd name="connsiteX5" fmla="*/ 165905 w 809625"/>
+                <a:gd name="connsiteY5" fmla="*/ 93232 h 1822957"/>
+                <a:gd name="connsiteX6" fmla="*/ 0 w 809625"/>
+                <a:gd name="connsiteY6" fmla="*/ 0 h 1822957"/>
+                <a:gd name="connsiteX0" fmla="*/ 791701 w 816010"/>
+                <a:gd name="connsiteY0" fmla="*/ 1822957 h 1822957"/>
+                <a:gd name="connsiteX1" fmla="*/ 805994 w 816010"/>
+                <a:gd name="connsiteY1" fmla="*/ 1285419 h 1822957"/>
+                <a:gd name="connsiteX2" fmla="*/ 809619 w 816010"/>
+                <a:gd name="connsiteY2" fmla="*/ 756089 h 1822957"/>
+                <a:gd name="connsiteX3" fmla="*/ 716210 w 816010"/>
+                <a:gd name="connsiteY3" fmla="*/ 276878 h 1822957"/>
+                <a:gd name="connsiteX4" fmla="*/ 482572 w 816010"/>
+                <a:gd name="connsiteY4" fmla="*/ 146522 h 1822957"/>
+                <a:gd name="connsiteX5" fmla="*/ 165905 w 816010"/>
+                <a:gd name="connsiteY5" fmla="*/ 93232 h 1822957"/>
+                <a:gd name="connsiteX6" fmla="*/ 0 w 816010"/>
+                <a:gd name="connsiteY6" fmla="*/ 0 h 1822957"/>
+                <a:gd name="connsiteX0" fmla="*/ 791701 w 809675"/>
+                <a:gd name="connsiteY0" fmla="*/ 1822957 h 1822957"/>
+                <a:gd name="connsiteX1" fmla="*/ 730966 w 809675"/>
+                <a:gd name="connsiteY1" fmla="*/ 1073365 h 1822957"/>
+                <a:gd name="connsiteX2" fmla="*/ 809619 w 809675"/>
+                <a:gd name="connsiteY2" fmla="*/ 756089 h 1822957"/>
+                <a:gd name="connsiteX3" fmla="*/ 716210 w 809675"/>
+                <a:gd name="connsiteY3" fmla="*/ 276878 h 1822957"/>
+                <a:gd name="connsiteX4" fmla="*/ 482572 w 809675"/>
+                <a:gd name="connsiteY4" fmla="*/ 146522 h 1822957"/>
+                <a:gd name="connsiteX5" fmla="*/ 165905 w 809675"/>
+                <a:gd name="connsiteY5" fmla="*/ 93232 h 1822957"/>
+                <a:gd name="connsiteX6" fmla="*/ 0 w 809675"/>
+                <a:gd name="connsiteY6" fmla="*/ 0 h 1822957"/>
+              </a:gdLst>
+              <a:ahLst/>
+              <a:cxnLst>
+                <a:cxn ang="0">
+                  <a:pos x="connsiteX0" y="connsiteY0"/>
+                </a:cxn>
+                <a:cxn ang="0">
+                  <a:pos x="connsiteX1" y="connsiteY1"/>
+                </a:cxn>
+                <a:cxn ang="0">
+                  <a:pos x="connsiteX2" y="connsiteY2"/>
+                </a:cxn>
+                <a:cxn ang="0">
+                  <a:pos x="connsiteX3" y="connsiteY3"/>
+                </a:cxn>
+                <a:cxn ang="0">
+                  <a:pos x="connsiteX4" y="connsiteY4"/>
+                </a:cxn>
+                <a:cxn ang="0">
+                  <a:pos x="connsiteX5" y="connsiteY5"/>
+                </a:cxn>
+                <a:cxn ang="0">
+                  <a:pos x="connsiteX6" y="connsiteY6"/>
+                </a:cxn>
+              </a:cxnLst>
+              <a:rect l="l" t="t" r="r" b="b"/>
+              <a:pathLst>
+                <a:path w="809675" h="1822957">
+                  <a:moveTo>
+                    <a:pt x="791701" y="1822957"/>
+                  </a:moveTo>
+                  <a:cubicBezTo>
+                    <a:pt x="750071" y="1643534"/>
+                    <a:pt x="727980" y="1251176"/>
+                    <a:pt x="730966" y="1073365"/>
+                  </a:cubicBezTo>
+                  <a:cubicBezTo>
+                    <a:pt x="733952" y="895554"/>
+                    <a:pt x="812078" y="888837"/>
+                    <a:pt x="809619" y="756089"/>
+                  </a:cubicBezTo>
+                  <a:cubicBezTo>
+                    <a:pt x="807160" y="623341"/>
+                    <a:pt x="770718" y="378472"/>
+                    <a:pt x="716210" y="276878"/>
+                  </a:cubicBezTo>
+                  <a:cubicBezTo>
+                    <a:pt x="661702" y="175284"/>
+                    <a:pt x="574289" y="177130"/>
+                    <a:pt x="482572" y="146522"/>
+                  </a:cubicBezTo>
+                  <a:cubicBezTo>
+                    <a:pt x="390855" y="115914"/>
+                    <a:pt x="246334" y="117652"/>
+                    <a:pt x="165905" y="93232"/>
+                  </a:cubicBezTo>
+                  <a:cubicBezTo>
+                    <a:pt x="85476" y="68812"/>
+                    <a:pt x="37491" y="8764"/>
+                    <a:pt x="0" y="0"/>
+                  </a:cubicBezTo>
+                </a:path>
+              </a:pathLst>
+            </a:custGeom>
+            <a:noFill/>
+            <a:ln>
+              <a:gradFill>
+                <a:gsLst>
+                  <a:gs pos="0">
+                    <a:schemeClr val="tx1">
+                      <a:lumMod val="75000"/>
+                      <a:lumOff val="25000"/>
+                    </a:schemeClr>
+                  </a:gs>
+                  <a:gs pos="19000">
+                    <a:schemeClr val="bg1">
+                      <a:lumMod val="50000"/>
+                    </a:schemeClr>
+                  </a:gs>
+                  <a:gs pos="100000">
+                    <a:schemeClr val="bg1">
+                      <a:lumMod val="85000"/>
+                    </a:schemeClr>
+                  </a:gs>
+                </a:gsLst>
+                <a:lin ang="5400000" scaled="1"/>
+              </a:gradFill>
+              <a:tailEnd type="triangle"/>
+            </a:ln>
+          </p:spPr>
+          <p:style>
+            <a:lnRef idx="2">
+              <a:schemeClr val="accent1">
+                <a:shade val="50000"/>
+              </a:schemeClr>
+            </a:lnRef>
+            <a:fillRef idx="1">
+              <a:schemeClr val="accent1"/>
+            </a:fillRef>
+            <a:effectRef idx="0">
+              <a:schemeClr val="accent1"/>
+            </a:effectRef>
+            <a:fontRef idx="minor">
+              <a:schemeClr val="lt1"/>
+            </a:fontRef>
+          </p:style>
+          <p:txBody>
+            <a:bodyPr rtlCol="0" anchor="ctr"/>
+            <a:lstStyle/>
+            <a:p>
+              <a:pPr algn="ctr"/>
+              <a:endParaRPr lang="en-US"/>
+            </a:p>
+          </p:txBody>
+        </p:sp>
+        <p:sp>
+          <p:nvSpPr>
+            <p:cNvPr id="133" name="Freeform: Shape 132">
+              <a:extLst>
+                <a:ext uri="{FF2B5EF4-FFF2-40B4-BE49-F238E27FC236}">
+                  <a16:creationId xmlns:a16="http://schemas.microsoft.com/office/drawing/2014/main" id="{3E12845F-7ACD-45C7-B9E8-8C3477192A3B}"/>
+                </a:ext>
+              </a:extLst>
+            </p:cNvPr>
+            <p:cNvSpPr/>
+            <p:nvPr/>
+          </p:nvSpPr>
+          <p:spPr>
+            <a:xfrm>
+              <a:off x="4947341" y="2016878"/>
+              <a:ext cx="870913" cy="1616333"/>
+            </a:xfrm>
+            <a:custGeom>
+              <a:avLst/>
+              <a:gdLst>
+                <a:gd name="connsiteX0" fmla="*/ 841365 w 920577"/>
+                <a:gd name="connsiteY0" fmla="*/ 1840485 h 1840485"/>
+                <a:gd name="connsiteX1" fmla="*/ 771251 w 920577"/>
+                <a:gd name="connsiteY1" fmla="*/ 1302947 h 1840485"/>
+                <a:gd name="connsiteX2" fmla="*/ 920243 w 920577"/>
+                <a:gd name="connsiteY2" fmla="*/ 768329 h 1840485"/>
+                <a:gd name="connsiteX3" fmla="*/ 803387 w 920577"/>
+                <a:gd name="connsiteY3" fmla="*/ 204498 h 1840485"/>
+                <a:gd name="connsiteX4" fmla="*/ 546303 w 920577"/>
+                <a:gd name="connsiteY4" fmla="*/ 84720 h 1840485"/>
+                <a:gd name="connsiteX5" fmla="*/ 224948 w 920577"/>
+                <a:gd name="connsiteY5" fmla="*/ 52585 h 1840485"/>
+                <a:gd name="connsiteX6" fmla="*/ 49664 w 920577"/>
+                <a:gd name="connsiteY6" fmla="*/ 17528 h 1840485"/>
+                <a:gd name="connsiteX7" fmla="*/ 0 w 920577"/>
+                <a:gd name="connsiteY7" fmla="*/ 0 h 1840485"/>
+                <a:gd name="connsiteX0" fmla="*/ 791701 w 870913"/>
+                <a:gd name="connsiteY0" fmla="*/ 1822957 h 1822957"/>
+                <a:gd name="connsiteX1" fmla="*/ 721587 w 870913"/>
+                <a:gd name="connsiteY1" fmla="*/ 1285419 h 1822957"/>
+                <a:gd name="connsiteX2" fmla="*/ 870579 w 870913"/>
+                <a:gd name="connsiteY2" fmla="*/ 750801 h 1822957"/>
+                <a:gd name="connsiteX3" fmla="*/ 753723 w 870913"/>
+                <a:gd name="connsiteY3" fmla="*/ 186970 h 1822957"/>
+                <a:gd name="connsiteX4" fmla="*/ 496639 w 870913"/>
+                <a:gd name="connsiteY4" fmla="*/ 67192 h 1822957"/>
+                <a:gd name="connsiteX5" fmla="*/ 175284 w 870913"/>
+                <a:gd name="connsiteY5" fmla="*/ 35057 h 1822957"/>
+                <a:gd name="connsiteX6" fmla="*/ 0 w 870913"/>
+                <a:gd name="connsiteY6" fmla="*/ 0 h 1822957"/>
+              </a:gdLst>
+              <a:ahLst/>
+              <a:cxnLst>
+                <a:cxn ang="0">
+                  <a:pos x="connsiteX0" y="connsiteY0"/>
+                </a:cxn>
+                <a:cxn ang="0">
+                  <a:pos x="connsiteX1" y="connsiteY1"/>
+                </a:cxn>
+                <a:cxn ang="0">
+                  <a:pos x="connsiteX2" y="connsiteY2"/>
+                </a:cxn>
+                <a:cxn ang="0">
+                  <a:pos x="connsiteX3" y="connsiteY3"/>
+                </a:cxn>
+                <a:cxn ang="0">
+                  <a:pos x="connsiteX4" y="connsiteY4"/>
+                </a:cxn>
+                <a:cxn ang="0">
+                  <a:pos x="connsiteX5" y="connsiteY5"/>
+                </a:cxn>
+                <a:cxn ang="0">
+                  <a:pos x="connsiteX6" y="connsiteY6"/>
+                </a:cxn>
+              </a:cxnLst>
+              <a:rect l="l" t="t" r="r" b="b"/>
+              <a:pathLst>
+                <a:path w="870913" h="1822957">
+                  <a:moveTo>
+                    <a:pt x="791701" y="1822957"/>
+                  </a:moveTo>
+                  <a:cubicBezTo>
+                    <a:pt x="750071" y="1643534"/>
+                    <a:pt x="708441" y="1464112"/>
+                    <a:pt x="721587" y="1285419"/>
+                  </a:cubicBezTo>
+                  <a:cubicBezTo>
+                    <a:pt x="734733" y="1106726"/>
+                    <a:pt x="865223" y="933876"/>
+                    <a:pt x="870579" y="750801"/>
+                  </a:cubicBezTo>
+                  <a:cubicBezTo>
+                    <a:pt x="875935" y="567726"/>
+                    <a:pt x="816046" y="300905"/>
+                    <a:pt x="753723" y="186970"/>
+                  </a:cubicBezTo>
+                  <a:cubicBezTo>
+                    <a:pt x="691400" y="73035"/>
+                    <a:pt x="593045" y="92511"/>
+                    <a:pt x="496639" y="67192"/>
+                  </a:cubicBezTo>
+                  <a:cubicBezTo>
+                    <a:pt x="400233" y="41873"/>
+                    <a:pt x="258057" y="46256"/>
+                    <a:pt x="175284" y="35057"/>
+                  </a:cubicBezTo>
+                  <a:cubicBezTo>
+                    <a:pt x="92511" y="23858"/>
+                    <a:pt x="37491" y="8764"/>
+                    <a:pt x="0" y="0"/>
+                  </a:cubicBezTo>
+                </a:path>
+              </a:pathLst>
+            </a:custGeom>
+            <a:noFill/>
+            <a:ln>
+              <a:gradFill>
+                <a:gsLst>
+                  <a:gs pos="0">
+                    <a:schemeClr val="tx1"/>
+                  </a:gs>
+                  <a:gs pos="19000">
+                    <a:srgbClr val="FF5D5D"/>
+                  </a:gs>
+                  <a:gs pos="100000">
+                    <a:srgbClr val="FFDDDD"/>
+                  </a:gs>
+                </a:gsLst>
+                <a:lin ang="5400000" scaled="1"/>
+              </a:gradFill>
+              <a:tailEnd type="triangle"/>
+            </a:ln>
+          </p:spPr>
+          <p:style>
+            <a:lnRef idx="2">
+              <a:schemeClr val="accent1">
+                <a:shade val="50000"/>
+              </a:schemeClr>
+            </a:lnRef>
+            <a:fillRef idx="1">
+              <a:schemeClr val="accent1"/>
+            </a:fillRef>
+            <a:effectRef idx="0">
+              <a:schemeClr val="accent1"/>
+            </a:effectRef>
+            <a:fontRef idx="minor">
+              <a:schemeClr val="lt1"/>
+            </a:fontRef>
+          </p:style>
+          <p:txBody>
+            <a:bodyPr rtlCol="0" anchor="ctr"/>
+            <a:lstStyle/>
+            <a:p>
+              <a:pPr algn="ctr"/>
+              <a:endParaRPr lang="en-US"/>
+            </a:p>
+          </p:txBody>
+        </p:sp>
+        <p:grpSp>
+          <p:nvGrpSpPr>
+            <p:cNvPr id="151" name="Group 150">
+              <a:extLst>
+                <a:ext uri="{FF2B5EF4-FFF2-40B4-BE49-F238E27FC236}">
+                  <a16:creationId xmlns:a16="http://schemas.microsoft.com/office/drawing/2014/main" id="{B8570813-F9C3-42DC-8D7C-10409ADE3ED9}"/>
+                </a:ext>
+              </a:extLst>
+            </p:cNvPr>
+            <p:cNvGrpSpPr/>
+            <p:nvPr/>
+          </p:nvGrpSpPr>
+          <p:grpSpPr>
+            <a:xfrm>
+              <a:off x="5083700" y="2011082"/>
+              <a:ext cx="768993" cy="1664854"/>
+              <a:chOff x="5083700" y="2011082"/>
+              <a:chExt cx="768993" cy="1664854"/>
+            </a:xfrm>
+          </p:grpSpPr>
+          <p:sp>
+            <p:nvSpPr>
+              <p:cNvPr id="136" name="Oval 135">
+                <a:extLst>
+                  <a:ext uri="{FF2B5EF4-FFF2-40B4-BE49-F238E27FC236}">
+                    <a16:creationId xmlns:a16="http://schemas.microsoft.com/office/drawing/2014/main" id="{BFCA6DF5-FB76-4E1B-B20F-3A10C560BA51}"/>
+                  </a:ext>
+                </a:extLst>
+              </p:cNvPr>
+              <p:cNvSpPr/>
+              <p:nvPr/>
+            </p:nvSpPr>
+            <p:spPr>
+              <a:xfrm>
+                <a:off x="5778835" y="2726199"/>
+                <a:ext cx="73858" cy="73858"/>
+              </a:xfrm>
+              <a:prstGeom prst="ellipse">
+                <a:avLst/>
+              </a:prstGeom>
+              <a:solidFill>
+                <a:srgbClr val="D86262"/>
+              </a:solidFill>
+              <a:ln>
+                <a:noFill/>
+              </a:ln>
+            </p:spPr>
+            <p:style>
+              <a:lnRef idx="2">
+                <a:schemeClr val="accent1">
+                  <a:shade val="50000"/>
+                </a:schemeClr>
+              </a:lnRef>
+              <a:fillRef idx="1">
+                <a:schemeClr val="accent1"/>
+              </a:fillRef>
+              <a:effectRef idx="0">
+                <a:schemeClr val="accent1"/>
+              </a:effectRef>
+              <a:fontRef idx="minor">
+                <a:schemeClr val="lt1"/>
+              </a:fontRef>
+            </p:style>
+            <p:txBody>
+              <a:bodyPr rtlCol="0" anchor="ctr"/>
+              <a:lstStyle/>
+              <a:p>
+                <a:pPr algn="ctr"/>
+                <a:endParaRPr lang="en-US"/>
+              </a:p>
+            </p:txBody>
+          </p:sp>
+          <p:sp>
+            <p:nvSpPr>
+              <p:cNvPr id="134" name="Oval 133">
+                <a:extLst>
+                  <a:ext uri="{FF2B5EF4-FFF2-40B4-BE49-F238E27FC236}">
+                    <a16:creationId xmlns:a16="http://schemas.microsoft.com/office/drawing/2014/main" id="{415F3625-5F48-484E-A79A-4F5F3CFD235E}"/>
+                  </a:ext>
+                </a:extLst>
+              </p:cNvPr>
+              <p:cNvSpPr/>
+              <p:nvPr/>
+            </p:nvSpPr>
+            <p:spPr>
+              <a:xfrm>
+                <a:off x="5636536" y="3270289"/>
+                <a:ext cx="73858" cy="73858"/>
+              </a:xfrm>
+              <a:prstGeom prst="ellipse">
+                <a:avLst/>
+              </a:prstGeom>
+              <a:solidFill>
+                <a:srgbClr val="E38989"/>
+              </a:solidFill>
+              <a:ln>
+                <a:noFill/>
+              </a:ln>
+            </p:spPr>
+            <p:style>
+              <a:lnRef idx="2">
+                <a:schemeClr val="accent1">
+                  <a:shade val="50000"/>
+                </a:schemeClr>
+              </a:lnRef>
+              <a:fillRef idx="1">
+                <a:schemeClr val="accent1"/>
+              </a:fillRef>
+              <a:effectRef idx="0">
+                <a:schemeClr val="accent1"/>
+              </a:effectRef>
+              <a:fontRef idx="minor">
+                <a:schemeClr val="lt1"/>
+              </a:fontRef>
+            </p:style>
+            <p:txBody>
+              <a:bodyPr rtlCol="0" anchor="ctr"/>
+              <a:lstStyle/>
+              <a:p>
+                <a:pPr algn="ctr"/>
+                <a:endParaRPr lang="en-US"/>
+              </a:p>
+            </p:txBody>
+          </p:sp>
+          <p:sp>
+            <p:nvSpPr>
+              <p:cNvPr id="135" name="Oval 134">
+                <a:extLst>
+                  <a:ext uri="{FF2B5EF4-FFF2-40B4-BE49-F238E27FC236}">
+                    <a16:creationId xmlns:a16="http://schemas.microsoft.com/office/drawing/2014/main" id="{BAC9C891-3E41-4DCB-8713-6B70CD1A0144}"/>
+                  </a:ext>
+                </a:extLst>
+              </p:cNvPr>
+              <p:cNvSpPr/>
+              <p:nvPr/>
+            </p:nvSpPr>
+            <p:spPr>
+              <a:xfrm>
+                <a:off x="5720576" y="3602078"/>
+                <a:ext cx="73858" cy="73858"/>
+              </a:xfrm>
+              <a:prstGeom prst="ellipse">
+                <a:avLst/>
+              </a:prstGeom>
+              <a:solidFill>
+                <a:srgbClr val="E8C6C6"/>
+              </a:solidFill>
+              <a:ln>
+                <a:noFill/>
+              </a:ln>
+            </p:spPr>
+            <p:style>
+              <a:lnRef idx="2">
+                <a:schemeClr val="accent1">
+                  <a:shade val="50000"/>
+                </a:schemeClr>
+              </a:lnRef>
+              <a:fillRef idx="1">
+                <a:schemeClr val="accent1"/>
+              </a:fillRef>
+              <a:effectRef idx="0">
+                <a:schemeClr val="accent1"/>
+              </a:effectRef>
+              <a:fontRef idx="minor">
+                <a:schemeClr val="lt1"/>
+              </a:fontRef>
+            </p:style>
+            <p:txBody>
+              <a:bodyPr rtlCol="0" anchor="ctr"/>
+              <a:lstStyle/>
+              <a:p>
+                <a:pPr algn="ctr"/>
+                <a:endParaRPr lang="en-US"/>
+              </a:p>
+            </p:txBody>
+          </p:sp>
+          <p:sp>
+            <p:nvSpPr>
+              <p:cNvPr id="137" name="Oval 136">
+                <a:extLst>
+                  <a:ext uri="{FF2B5EF4-FFF2-40B4-BE49-F238E27FC236}">
+                    <a16:creationId xmlns:a16="http://schemas.microsoft.com/office/drawing/2014/main" id="{D09AE938-4018-4D73-84D6-A8294A5D395A}"/>
+                  </a:ext>
+                </a:extLst>
+              </p:cNvPr>
+              <p:cNvSpPr/>
+              <p:nvPr/>
+            </p:nvSpPr>
+            <p:spPr>
+              <a:xfrm>
+                <a:off x="5676336" y="2158604"/>
+                <a:ext cx="73858" cy="73858"/>
+              </a:xfrm>
+              <a:prstGeom prst="ellipse">
+                <a:avLst/>
+              </a:prstGeom>
+              <a:solidFill>
+                <a:srgbClr val="C00000"/>
+              </a:solidFill>
+              <a:ln>
+                <a:noFill/>
+              </a:ln>
+            </p:spPr>
+            <p:style>
+              <a:lnRef idx="2">
+                <a:schemeClr val="accent1">
+                  <a:shade val="50000"/>
+                </a:schemeClr>
+              </a:lnRef>
+              <a:fillRef idx="1">
+                <a:schemeClr val="accent1"/>
+              </a:fillRef>
+              <a:effectRef idx="0">
+                <a:schemeClr val="accent1"/>
+              </a:effectRef>
+              <a:fontRef idx="minor">
+                <a:schemeClr val="lt1"/>
+              </a:fontRef>
+            </p:style>
+            <p:txBody>
+              <a:bodyPr rtlCol="0" anchor="ctr"/>
+              <a:lstStyle/>
+              <a:p>
+                <a:pPr algn="ctr"/>
+                <a:endParaRPr lang="en-US"/>
+              </a:p>
+            </p:txBody>
+          </p:sp>
+          <p:sp>
+            <p:nvSpPr>
+              <p:cNvPr id="138" name="Oval 137">
+                <a:extLst>
+                  <a:ext uri="{FF2B5EF4-FFF2-40B4-BE49-F238E27FC236}">
+                    <a16:creationId xmlns:a16="http://schemas.microsoft.com/office/drawing/2014/main" id="{9BB8422A-8ED9-4CCF-A377-CF4B62D232BF}"/>
+                  </a:ext>
+                </a:extLst>
+              </p:cNvPr>
+              <p:cNvSpPr/>
+              <p:nvPr/>
+            </p:nvSpPr>
+            <p:spPr>
+              <a:xfrm>
+                <a:off x="5451840" y="2056775"/>
+                <a:ext cx="73858" cy="73858"/>
+              </a:xfrm>
+              <a:prstGeom prst="ellipse">
+                <a:avLst/>
+              </a:prstGeom>
+              <a:solidFill>
+                <a:schemeClr val="tx1">
+                  <a:lumMod val="95000"/>
+                  <a:lumOff val="5000"/>
+                </a:schemeClr>
+              </a:solidFill>
+              <a:ln>
+                <a:noFill/>
+              </a:ln>
+            </p:spPr>
+            <p:style>
+              <a:lnRef idx="2">
+                <a:schemeClr val="accent1">
+                  <a:shade val="50000"/>
+                </a:schemeClr>
+              </a:lnRef>
+              <a:fillRef idx="1">
+                <a:schemeClr val="accent1"/>
+              </a:fillRef>
+              <a:effectRef idx="0">
+                <a:schemeClr val="accent1"/>
+              </a:effectRef>
+              <a:fontRef idx="minor">
+                <a:schemeClr val="lt1"/>
+              </a:fontRef>
+            </p:style>
+            <p:txBody>
+              <a:bodyPr rtlCol="0" anchor="ctr"/>
+              <a:lstStyle/>
+              <a:p>
+                <a:pPr algn="ctr"/>
+                <a:endParaRPr lang="en-US"/>
+              </a:p>
+            </p:txBody>
+          </p:sp>
+          <p:sp>
+            <p:nvSpPr>
+              <p:cNvPr id="139" name="Oval 138">
+                <a:extLst>
+                  <a:ext uri="{FF2B5EF4-FFF2-40B4-BE49-F238E27FC236}">
+                    <a16:creationId xmlns:a16="http://schemas.microsoft.com/office/drawing/2014/main" id="{B9E033E9-71F1-4907-8F2D-1B6F00AC5052}"/>
+                  </a:ext>
+                </a:extLst>
+              </p:cNvPr>
+              <p:cNvSpPr/>
+              <p:nvPr/>
+            </p:nvSpPr>
+            <p:spPr>
+              <a:xfrm>
+                <a:off x="5083700" y="2011082"/>
+                <a:ext cx="73858" cy="73858"/>
+              </a:xfrm>
+              <a:prstGeom prst="ellipse">
+                <a:avLst/>
+              </a:prstGeom>
+              <a:solidFill>
+                <a:schemeClr val="tx1">
+                  <a:lumMod val="95000"/>
+                  <a:lumOff val="5000"/>
+                </a:schemeClr>
+              </a:solidFill>
+              <a:ln>
+                <a:noFill/>
+              </a:ln>
+            </p:spPr>
+            <p:style>
+              <a:lnRef idx="2">
+                <a:schemeClr val="accent1">
+                  <a:shade val="50000"/>
+                </a:schemeClr>
+              </a:lnRef>
+              <a:fillRef idx="1">
+                <a:schemeClr val="accent1"/>
+              </a:fillRef>
+              <a:effectRef idx="0">
+                <a:schemeClr val="accent1"/>
+              </a:effectRef>
+              <a:fontRef idx="minor">
+                <a:schemeClr val="lt1"/>
+              </a:fontRef>
+            </p:style>
+            <p:txBody>
+              <a:bodyPr rtlCol="0" anchor="ctr"/>
+              <a:lstStyle/>
+              <a:p>
+                <a:pPr algn="ctr"/>
+                <a:endParaRPr lang="en-US"/>
+              </a:p>
+            </p:txBody>
+          </p:sp>
+          <p:sp>
+            <p:nvSpPr>
+              <p:cNvPr id="140" name="Oval 139">
+                <a:extLst>
+                  <a:ext uri="{FF2B5EF4-FFF2-40B4-BE49-F238E27FC236}">
+                    <a16:creationId xmlns:a16="http://schemas.microsoft.com/office/drawing/2014/main" id="{DA111C6A-F902-4B09-A6DC-24743676CA43}"/>
+                  </a:ext>
+                </a:extLst>
+              </p:cNvPr>
+              <p:cNvSpPr/>
+              <p:nvPr/>
+            </p:nvSpPr>
+            <p:spPr>
+              <a:xfrm>
+                <a:off x="5257297" y="2019846"/>
+                <a:ext cx="73858" cy="73858"/>
+              </a:xfrm>
+              <a:prstGeom prst="ellipse">
+                <a:avLst/>
+              </a:prstGeom>
+              <a:solidFill>
+                <a:schemeClr val="tx1">
+                  <a:lumMod val="95000"/>
+                  <a:lumOff val="5000"/>
+                </a:schemeClr>
+              </a:solidFill>
+              <a:ln>
+                <a:noFill/>
+              </a:ln>
+            </p:spPr>
+            <p:style>
+              <a:lnRef idx="2">
+                <a:schemeClr val="accent1">
+                  <a:shade val="50000"/>
+                </a:schemeClr>
+              </a:lnRef>
+              <a:fillRef idx="1">
+                <a:schemeClr val="accent1"/>
+              </a:fillRef>
+              <a:effectRef idx="0">
+                <a:schemeClr val="accent1"/>
+              </a:effectRef>
+              <a:fontRef idx="minor">
+                <a:schemeClr val="lt1"/>
+              </a:fontRef>
+            </p:style>
+            <p:txBody>
+              <a:bodyPr rtlCol="0" anchor="ctr"/>
+              <a:lstStyle/>
+              <a:p>
+                <a:pPr algn="ctr"/>
+                <a:endParaRPr lang="en-US"/>
+              </a:p>
+            </p:txBody>
+          </p:sp>
+        </p:grpSp>
+      </p:grpSp>
+      <p:grpSp>
+        <p:nvGrpSpPr>
+          <p:cNvPr id="180" name="Group 179">
+            <a:extLst>
+              <a:ext uri="{FF2B5EF4-FFF2-40B4-BE49-F238E27FC236}">
+                <a16:creationId xmlns:a16="http://schemas.microsoft.com/office/drawing/2014/main" id="{E1FED753-6820-4327-BFFB-DBCFFD5FEB3E}"/>
+              </a:ext>
+            </a:extLst>
+          </p:cNvPr>
+          <p:cNvGrpSpPr/>
+          <p:nvPr/>
+        </p:nvGrpSpPr>
+        <p:grpSpPr>
+          <a:xfrm>
+            <a:off x="2854164" y="1493206"/>
+            <a:ext cx="1528187" cy="3297878"/>
+            <a:chOff x="3045854" y="1848392"/>
+            <a:chExt cx="1528187" cy="3297878"/>
+          </a:xfrm>
+        </p:grpSpPr>
+        <p:sp>
+          <p:nvSpPr>
+            <p:cNvPr id="115" name="Oval 114">
+              <a:extLst>
+                <a:ext uri="{FF2B5EF4-FFF2-40B4-BE49-F238E27FC236}">
+                  <a16:creationId xmlns:a16="http://schemas.microsoft.com/office/drawing/2014/main" id="{960AD992-15D8-4CAF-B494-1490B10483DA}"/>
+                </a:ext>
+              </a:extLst>
+            </p:cNvPr>
+            <p:cNvSpPr/>
+            <p:nvPr/>
+          </p:nvSpPr>
+          <p:spPr>
+            <a:xfrm>
+              <a:off x="3045854" y="3174491"/>
+              <a:ext cx="783519" cy="783519"/>
+            </a:xfrm>
+            <a:prstGeom prst="ellipse">
+              <a:avLst/>
+            </a:prstGeom>
+            <a:noFill/>
+            <a:ln w="9525">
+              <a:solidFill>
+                <a:srgbClr val="E38989"/>
+              </a:solidFill>
+              <a:prstDash val="dash"/>
+            </a:ln>
+          </p:spPr>
+          <p:style>
+            <a:lnRef idx="2">
+              <a:schemeClr val="accent1">
+                <a:shade val="50000"/>
+              </a:schemeClr>
+            </a:lnRef>
+            <a:fillRef idx="1">
+              <a:schemeClr val="accent1"/>
+            </a:fillRef>
+            <a:effectRef idx="0">
+              <a:schemeClr val="accent1"/>
+            </a:effectRef>
+            <a:fontRef idx="minor">
+              <a:schemeClr val="lt1"/>
+            </a:fontRef>
+          </p:style>
+          <p:txBody>
+            <a:bodyPr rtlCol="0" anchor="ctr"/>
+            <a:lstStyle/>
+            <a:p>
+              <a:pPr algn="ctr"/>
+              <a:endParaRPr lang="en-US"/>
+            </a:p>
+          </p:txBody>
+        </p:sp>
+        <p:grpSp>
+          <p:nvGrpSpPr>
+            <p:cNvPr id="56" name="Group 55">
+              <a:extLst>
+                <a:ext uri="{FF2B5EF4-FFF2-40B4-BE49-F238E27FC236}">
+                  <a16:creationId xmlns:a16="http://schemas.microsoft.com/office/drawing/2014/main" id="{1D3434A8-9030-4374-9C08-B0A32EF4E737}"/>
+                </a:ext>
+              </a:extLst>
+            </p:cNvPr>
+            <p:cNvGrpSpPr/>
+            <p:nvPr/>
+          </p:nvGrpSpPr>
+          <p:grpSpPr>
+            <a:xfrm>
+              <a:off x="3057064" y="1848392"/>
+              <a:ext cx="1516977" cy="3265715"/>
+              <a:chOff x="1078739" y="1841441"/>
+              <a:chExt cx="1748737" cy="3265715"/>
+            </a:xfrm>
+            <a:noFill/>
+          </p:grpSpPr>
+          <p:sp>
+            <p:nvSpPr>
+              <p:cNvPr id="81" name="Rectangle 80">
+                <a:extLst>
+                  <a:ext uri="{FF2B5EF4-FFF2-40B4-BE49-F238E27FC236}">
+                    <a16:creationId xmlns:a16="http://schemas.microsoft.com/office/drawing/2014/main" id="{21C55B86-29C8-472D-93EC-B0C1E95B44EE}"/>
+                  </a:ext>
+                </a:extLst>
+              </p:cNvPr>
+              <p:cNvSpPr/>
+              <p:nvPr/>
+            </p:nvSpPr>
+            <p:spPr>
+              <a:xfrm>
+                <a:off x="1078739" y="1841441"/>
+                <a:ext cx="1748737" cy="3265715"/>
+              </a:xfrm>
+              <a:prstGeom prst="rect">
+                <a:avLst/>
+              </a:prstGeom>
+              <a:grpFill/>
+            </p:spPr>
+            <p:style>
+              <a:lnRef idx="2">
+                <a:schemeClr val="accent1">
+                  <a:shade val="50000"/>
+                </a:schemeClr>
+              </a:lnRef>
+              <a:fillRef idx="1">
+                <a:schemeClr val="accent1"/>
+              </a:fillRef>
+              <a:effectRef idx="0">
+                <a:schemeClr val="accent1"/>
+              </a:effectRef>
+              <a:fontRef idx="minor">
+                <a:schemeClr val="lt1"/>
+              </a:fontRef>
+            </p:style>
+            <p:txBody>
+              <a:bodyPr rtlCol="0" anchor="ctr"/>
+              <a:lstStyle/>
+              <a:p>
+                <a:pPr algn="ctr"/>
+                <a:endParaRPr lang="en-US"/>
+              </a:p>
+            </p:txBody>
+          </p:sp>
+          <p:cxnSp>
+            <p:nvCxnSpPr>
+              <p:cNvPr id="82" name="Straight Connector 81">
+                <a:extLst>
+                  <a:ext uri="{FF2B5EF4-FFF2-40B4-BE49-F238E27FC236}">
+                    <a16:creationId xmlns:a16="http://schemas.microsoft.com/office/drawing/2014/main" id="{47032253-B46B-4C6D-9D3C-C60E88DA8D56}"/>
+                  </a:ext>
+                </a:extLst>
+              </p:cNvPr>
+              <p:cNvCxnSpPr/>
+              <p:nvPr/>
+            </p:nvCxnSpPr>
+            <p:spPr>
+              <a:xfrm>
+                <a:off x="1521191" y="1841441"/>
+                <a:ext cx="0" cy="3265715"/>
+              </a:xfrm>
+              <a:prstGeom prst="line">
+                <a:avLst/>
+              </a:prstGeom>
+              <a:grpFill/>
+            </p:spPr>
+            <p:style>
+              <a:lnRef idx="1">
+                <a:schemeClr val="accent1"/>
+              </a:lnRef>
+              <a:fillRef idx="0">
+                <a:schemeClr val="accent1"/>
+              </a:fillRef>
+              <a:effectRef idx="0">
+                <a:schemeClr val="accent1"/>
+              </a:effectRef>
+              <a:fontRef idx="minor">
+                <a:schemeClr val="tx1"/>
+              </a:fontRef>
+            </p:style>
+          </p:cxnSp>
+          <p:cxnSp>
+            <p:nvCxnSpPr>
+              <p:cNvPr id="83" name="Straight Connector 82">
+                <a:extLst>
+                  <a:ext uri="{FF2B5EF4-FFF2-40B4-BE49-F238E27FC236}">
+                    <a16:creationId xmlns:a16="http://schemas.microsoft.com/office/drawing/2014/main" id="{871288FE-0087-4DCE-9395-11321AB2BA4E}"/>
+                  </a:ext>
+                </a:extLst>
+              </p:cNvPr>
+              <p:cNvCxnSpPr>
+                <a:cxnSpLocks/>
+                <a:stCxn id="81" idx="0"/>
+                <a:endCxn id="81" idx="2"/>
+              </p:cNvCxnSpPr>
+              <p:nvPr/>
+            </p:nvCxnSpPr>
+            <p:spPr>
+              <a:xfrm>
+                <a:off x="1953108" y="1841441"/>
+                <a:ext cx="0" cy="3265715"/>
+              </a:xfrm>
+              <a:prstGeom prst="line">
+                <a:avLst/>
+              </a:prstGeom>
+              <a:grpFill/>
+            </p:spPr>
+            <p:style>
+              <a:lnRef idx="1">
+                <a:schemeClr val="accent1"/>
+              </a:lnRef>
+              <a:fillRef idx="0">
+                <a:schemeClr val="accent1"/>
+              </a:fillRef>
+              <a:effectRef idx="0">
+                <a:schemeClr val="accent1"/>
+              </a:effectRef>
+              <a:fontRef idx="minor">
+                <a:schemeClr val="tx1"/>
+              </a:fontRef>
+            </p:style>
+          </p:cxnSp>
+          <p:cxnSp>
+            <p:nvCxnSpPr>
+              <p:cNvPr id="84" name="Straight Connector 83">
+                <a:extLst>
+                  <a:ext uri="{FF2B5EF4-FFF2-40B4-BE49-F238E27FC236}">
+                    <a16:creationId xmlns:a16="http://schemas.microsoft.com/office/drawing/2014/main" id="{082A889D-5CAD-4C7D-B189-ACC169A4592D}"/>
+                  </a:ext>
+                </a:extLst>
+              </p:cNvPr>
+              <p:cNvCxnSpPr/>
+              <p:nvPr/>
+            </p:nvCxnSpPr>
+            <p:spPr>
+              <a:xfrm>
+                <a:off x="2390643" y="1841441"/>
+                <a:ext cx="0" cy="3265715"/>
+              </a:xfrm>
+              <a:prstGeom prst="line">
+                <a:avLst/>
+              </a:prstGeom>
+              <a:grpFill/>
+            </p:spPr>
+            <p:style>
+              <a:lnRef idx="1">
+                <a:schemeClr val="accent1"/>
+              </a:lnRef>
+              <a:fillRef idx="0">
+                <a:schemeClr val="accent1"/>
+              </a:fillRef>
+              <a:effectRef idx="0">
+                <a:schemeClr val="accent1"/>
+              </a:effectRef>
+              <a:fontRef idx="minor">
+                <a:schemeClr val="tx1"/>
+              </a:fontRef>
+            </p:style>
+          </p:cxnSp>
+        </p:grpSp>
+        <p:pic>
+          <p:nvPicPr>
+            <p:cNvPr id="59" name="Picture 58">
+              <a:extLst>
+                <a:ext uri="{FF2B5EF4-FFF2-40B4-BE49-F238E27FC236}">
+                  <a16:creationId xmlns:a16="http://schemas.microsoft.com/office/drawing/2014/main" id="{52C69148-6D64-48DB-A2F4-B0AF1CF6B8EA}"/>
+                </a:ext>
+              </a:extLst>
+            </p:cNvPr>
+            <p:cNvPicPr>
+              <a:picLocks noChangeAspect="1"/>
+            </p:cNvPicPr>
+            <p:nvPr/>
+          </p:nvPicPr>
+          <p:blipFill rotWithShape="1">
+            <a:blip r:embed="rId2">
+              <a:extLst>
+                <a:ext uri="{28A0092B-C50C-407E-A947-70E740481C1C}">
+                  <a14:useLocalDpi xmlns:a14="http://schemas.microsoft.com/office/drawing/2010/main" val="0"/>
+                </a:ext>
+              </a:extLst>
+            </a:blip>
+            <a:srcRect l="42120" r="40217" b="39253"/>
+            <a:stretch/>
+          </p:blipFill>
+          <p:spPr>
+            <a:xfrm>
+              <a:off x="3494784" y="3865800"/>
+              <a:ext cx="265464" cy="547791"/>
+            </a:xfrm>
+            <a:prstGeom prst="rect">
+              <a:avLst/>
+            </a:prstGeom>
+          </p:spPr>
+        </p:pic>
+        <p:pic>
+          <p:nvPicPr>
+            <p:cNvPr id="60" name="Picture 59">
+              <a:extLst>
+                <a:ext uri="{FF2B5EF4-FFF2-40B4-BE49-F238E27FC236}">
+                  <a16:creationId xmlns:a16="http://schemas.microsoft.com/office/drawing/2014/main" id="{B612BB78-E13F-4136-95C8-F0430A3BE11F}"/>
+                </a:ext>
+              </a:extLst>
+            </p:cNvPr>
+            <p:cNvPicPr>
+              <a:picLocks noChangeAspect="1"/>
+            </p:cNvPicPr>
+            <p:nvPr/>
+          </p:nvPicPr>
+          <p:blipFill rotWithShape="1">
+            <a:blip r:embed="rId2">
+              <a:extLst>
+                <a:ext uri="{28A0092B-C50C-407E-A947-70E740481C1C}">
+                  <a14:useLocalDpi xmlns:a14="http://schemas.microsoft.com/office/drawing/2010/main" val="0"/>
+                </a:ext>
+              </a:extLst>
+            </a:blip>
+            <a:srcRect l="60677" r="21660" b="39253"/>
+            <a:stretch/>
+          </p:blipFill>
+          <p:spPr>
+            <a:xfrm>
+              <a:off x="3498529" y="4598479"/>
+              <a:ext cx="265464" cy="547791"/>
+            </a:xfrm>
+            <a:prstGeom prst="rect">
+              <a:avLst/>
+            </a:prstGeom>
+            <a:noFill/>
+          </p:spPr>
+        </p:pic>
+        <p:sp>
+          <p:nvSpPr>
+            <p:cNvPr id="61" name="TextBox 60">
+              <a:extLst>
+                <a:ext uri="{FF2B5EF4-FFF2-40B4-BE49-F238E27FC236}">
+                  <a16:creationId xmlns:a16="http://schemas.microsoft.com/office/drawing/2014/main" id="{AB4E4D15-EF31-48C5-AF2E-0AA9076CE362}"/>
+                </a:ext>
+              </a:extLst>
+            </p:cNvPr>
+            <p:cNvSpPr txBox="1"/>
+            <p:nvPr/>
+          </p:nvSpPr>
+          <p:spPr>
+            <a:xfrm>
+              <a:off x="3918676" y="3487749"/>
+              <a:ext cx="128634" cy="276999"/>
+            </a:xfrm>
+            <a:prstGeom prst="rect">
+              <a:avLst/>
+            </a:prstGeom>
+            <a:noFill/>
+          </p:spPr>
+          <p:txBody>
+            <a:bodyPr wrap="square" rtlCol="0">
+              <a:spAutoFit/>
+            </a:bodyPr>
+            <a:lstStyle/>
+            <a:p>
+              <a:r>
+                <a:rPr lang="en-US" sz="1200"/>
+                <a:t>1</a:t>
+              </a:r>
+            </a:p>
+          </p:txBody>
+        </p:sp>
+        <p:sp>
+          <p:nvSpPr>
+            <p:cNvPr id="62" name="TextBox 61">
+              <a:extLst>
+                <a:ext uri="{FF2B5EF4-FFF2-40B4-BE49-F238E27FC236}">
+                  <a16:creationId xmlns:a16="http://schemas.microsoft.com/office/drawing/2014/main" id="{17AFDB92-A9D7-41B8-A660-3E8BB4F40316}"/>
+                </a:ext>
+              </a:extLst>
+            </p:cNvPr>
+            <p:cNvSpPr txBox="1"/>
+            <p:nvPr/>
+          </p:nvSpPr>
+          <p:spPr>
+            <a:xfrm>
+              <a:off x="3538305" y="3242195"/>
+              <a:ext cx="128634" cy="276999"/>
+            </a:xfrm>
+            <a:prstGeom prst="rect">
+              <a:avLst/>
+            </a:prstGeom>
+            <a:noFill/>
+          </p:spPr>
+          <p:txBody>
+            <a:bodyPr wrap="square" rtlCol="0">
+              <a:spAutoFit/>
+            </a:bodyPr>
+            <a:lstStyle/>
+            <a:p>
+              <a:r>
+                <a:rPr lang="en-US" sz="1200"/>
+                <a:t>2</a:t>
+              </a:r>
+            </a:p>
+          </p:txBody>
+        </p:sp>
+        <p:sp>
+          <p:nvSpPr>
+            <p:cNvPr id="63" name="TextBox 62">
+              <a:extLst>
+                <a:ext uri="{FF2B5EF4-FFF2-40B4-BE49-F238E27FC236}">
+                  <a16:creationId xmlns:a16="http://schemas.microsoft.com/office/drawing/2014/main" id="{0EDA2051-0ACF-4E84-AAC3-9CFF982B2DCA}"/>
+                </a:ext>
+              </a:extLst>
+            </p:cNvPr>
+            <p:cNvSpPr txBox="1"/>
+            <p:nvPr/>
+          </p:nvSpPr>
+          <p:spPr>
+            <a:xfrm>
+              <a:off x="3197202" y="3154095"/>
+              <a:ext cx="128634" cy="276999"/>
+            </a:xfrm>
+            <a:prstGeom prst="rect">
+              <a:avLst/>
+            </a:prstGeom>
+            <a:noFill/>
+          </p:spPr>
+          <p:txBody>
+            <a:bodyPr wrap="square" rtlCol="0">
+              <a:spAutoFit/>
+            </a:bodyPr>
+            <a:lstStyle/>
+            <a:p>
+              <a:r>
+                <a:rPr lang="en-US" sz="1200"/>
+                <a:t>3</a:t>
+              </a:r>
+            </a:p>
+          </p:txBody>
+        </p:sp>
+        <p:sp>
+          <p:nvSpPr>
+            <p:cNvPr id="65" name="TextBox 64">
+              <a:extLst>
+                <a:ext uri="{FF2B5EF4-FFF2-40B4-BE49-F238E27FC236}">
+                  <a16:creationId xmlns:a16="http://schemas.microsoft.com/office/drawing/2014/main" id="{DF2E9352-2D46-494C-BD74-6F913F800324}"/>
+                </a:ext>
+              </a:extLst>
+            </p:cNvPr>
+            <p:cNvSpPr txBox="1"/>
+            <p:nvPr/>
+          </p:nvSpPr>
+          <p:spPr>
+            <a:xfrm>
+              <a:off x="3278570" y="4733874"/>
+              <a:ext cx="128634" cy="276999"/>
+            </a:xfrm>
+            <a:prstGeom prst="rect">
+              <a:avLst/>
+            </a:prstGeom>
+            <a:noFill/>
+          </p:spPr>
+          <p:txBody>
+            <a:bodyPr wrap="square" rtlCol="0">
+              <a:spAutoFit/>
+            </a:bodyPr>
+            <a:lstStyle/>
+            <a:p>
+              <a:r>
+                <a:rPr lang="en-US" sz="1200"/>
+                <a:t>1</a:t>
+              </a:r>
+            </a:p>
+          </p:txBody>
+        </p:sp>
+        <p:sp>
+          <p:nvSpPr>
+            <p:cNvPr id="66" name="TextBox 65">
+              <a:extLst>
+                <a:ext uri="{FF2B5EF4-FFF2-40B4-BE49-F238E27FC236}">
+                  <a16:creationId xmlns:a16="http://schemas.microsoft.com/office/drawing/2014/main" id="{BD756D36-0EFD-4C2F-B6A9-62F2541D553D}"/>
+                </a:ext>
+              </a:extLst>
+            </p:cNvPr>
+            <p:cNvSpPr txBox="1"/>
+            <p:nvPr/>
+          </p:nvSpPr>
+          <p:spPr>
+            <a:xfrm>
+              <a:off x="3266360" y="4001195"/>
+              <a:ext cx="128634" cy="276999"/>
+            </a:xfrm>
+            <a:prstGeom prst="rect">
+              <a:avLst/>
+            </a:prstGeom>
+            <a:noFill/>
+          </p:spPr>
+          <p:txBody>
+            <a:bodyPr wrap="square" rtlCol="0">
+              <a:spAutoFit/>
+            </a:bodyPr>
+            <a:lstStyle/>
+            <a:p>
+              <a:r>
+                <a:rPr lang="en-US" sz="1200"/>
+                <a:t>2</a:t>
+              </a:r>
+            </a:p>
+          </p:txBody>
+        </p:sp>
+        <p:sp>
+          <p:nvSpPr>
+            <p:cNvPr id="114" name="Freeform: Shape 113">
+              <a:extLst>
+                <a:ext uri="{FF2B5EF4-FFF2-40B4-BE49-F238E27FC236}">
+                  <a16:creationId xmlns:a16="http://schemas.microsoft.com/office/drawing/2014/main" id="{C426BB96-7C6F-4831-A721-9AA32B25F579}"/>
+                </a:ext>
+              </a:extLst>
+            </p:cNvPr>
+            <p:cNvSpPr/>
+            <p:nvPr/>
+          </p:nvSpPr>
+          <p:spPr>
+            <a:xfrm>
+              <a:off x="3090203" y="3409071"/>
+              <a:ext cx="815926" cy="220394"/>
+            </a:xfrm>
+            <a:custGeom>
+              <a:avLst/>
+              <a:gdLst>
+                <a:gd name="connsiteX0" fmla="*/ 815926 w 815926"/>
+                <a:gd name="connsiteY0" fmla="*/ 220394 h 220394"/>
+                <a:gd name="connsiteX1" fmla="*/ 506437 w 815926"/>
+                <a:gd name="connsiteY1" fmla="*/ 75027 h 220394"/>
+                <a:gd name="connsiteX2" fmla="*/ 131299 w 815926"/>
+                <a:gd name="connsiteY2" fmla="*/ 37514 h 220394"/>
+                <a:gd name="connsiteX3" fmla="*/ 0 w 815926"/>
+                <a:gd name="connsiteY3" fmla="*/ 0 h 220394"/>
+              </a:gdLst>
+              <a:ahLst/>
+              <a:cxnLst>
+                <a:cxn ang="0">
+                  <a:pos x="connsiteX0" y="connsiteY0"/>
+                </a:cxn>
+                <a:cxn ang="0">
+                  <a:pos x="connsiteX1" y="connsiteY1"/>
+                </a:cxn>
+                <a:cxn ang="0">
+                  <a:pos x="connsiteX2" y="connsiteY2"/>
+                </a:cxn>
+                <a:cxn ang="0">
+                  <a:pos x="connsiteX3" y="connsiteY3"/>
+                </a:cxn>
+              </a:cxnLst>
+              <a:rect l="l" t="t" r="r" b="b"/>
+              <a:pathLst>
+                <a:path w="815926" h="220394">
+                  <a:moveTo>
+                    <a:pt x="815926" y="220394"/>
+                  </a:moveTo>
+                  <a:cubicBezTo>
+                    <a:pt x="718233" y="162950"/>
+                    <a:pt x="620541" y="105507"/>
+                    <a:pt x="506437" y="75027"/>
+                  </a:cubicBezTo>
+                  <a:cubicBezTo>
+                    <a:pt x="392333" y="44547"/>
+                    <a:pt x="215705" y="50018"/>
+                    <a:pt x="131299" y="37514"/>
+                  </a:cubicBezTo>
+                  <a:cubicBezTo>
+                    <a:pt x="46893" y="25010"/>
+                    <a:pt x="23446" y="12505"/>
+                    <a:pt x="0" y="0"/>
+                  </a:cubicBezTo>
+                </a:path>
+              </a:pathLst>
+            </a:custGeom>
+            <a:noFill/>
+            <a:ln>
+              <a:gradFill>
+                <a:gsLst>
+                  <a:gs pos="0">
+                    <a:srgbClr val="FF1919"/>
+                  </a:gs>
+                  <a:gs pos="57000">
+                    <a:srgbClr val="FF9797"/>
+                  </a:gs>
+                  <a:gs pos="100000">
+                    <a:srgbClr val="FFDDDD"/>
+                  </a:gs>
+                </a:gsLst>
+                <a:lin ang="5400000" scaled="1"/>
+              </a:gradFill>
+              <a:tailEnd type="triangle"/>
+            </a:ln>
+          </p:spPr>
+          <p:style>
+            <a:lnRef idx="2">
+              <a:schemeClr val="accent1">
+                <a:shade val="50000"/>
+              </a:schemeClr>
+            </a:lnRef>
+            <a:fillRef idx="1">
+              <a:schemeClr val="accent1"/>
+            </a:fillRef>
+            <a:effectRef idx="0">
+              <a:schemeClr val="accent1"/>
+            </a:effectRef>
+            <a:fontRef idx="minor">
+              <a:schemeClr val="lt1"/>
+            </a:fontRef>
+          </p:style>
+          <p:txBody>
+            <a:bodyPr rtlCol="0" anchor="ctr"/>
+            <a:lstStyle/>
+            <a:p>
+              <a:pPr algn="ctr"/>
+              <a:endParaRPr lang="en-US"/>
+            </a:p>
+          </p:txBody>
+        </p:sp>
+        <p:sp>
+          <p:nvSpPr>
+            <p:cNvPr id="116" name="Freeform: Shape 115">
+              <a:extLst>
+                <a:ext uri="{FF2B5EF4-FFF2-40B4-BE49-F238E27FC236}">
+                  <a16:creationId xmlns:a16="http://schemas.microsoft.com/office/drawing/2014/main" id="{33B3FA44-EA26-40C8-9AA0-1941A115E6A3}"/>
+                </a:ext>
+              </a:extLst>
+            </p:cNvPr>
+            <p:cNvSpPr/>
+            <p:nvPr/>
+          </p:nvSpPr>
+          <p:spPr>
+            <a:xfrm rot="20863310">
+              <a:off x="3084337" y="3491343"/>
+              <a:ext cx="815926" cy="220394"/>
+            </a:xfrm>
+            <a:custGeom>
+              <a:avLst/>
+              <a:gdLst>
+                <a:gd name="connsiteX0" fmla="*/ 815926 w 815926"/>
+                <a:gd name="connsiteY0" fmla="*/ 220394 h 220394"/>
+                <a:gd name="connsiteX1" fmla="*/ 506437 w 815926"/>
+                <a:gd name="connsiteY1" fmla="*/ 75027 h 220394"/>
+                <a:gd name="connsiteX2" fmla="*/ 131299 w 815926"/>
+                <a:gd name="connsiteY2" fmla="*/ 37514 h 220394"/>
+                <a:gd name="connsiteX3" fmla="*/ 0 w 815926"/>
+                <a:gd name="connsiteY3" fmla="*/ 0 h 220394"/>
+              </a:gdLst>
+              <a:ahLst/>
+              <a:cxnLst>
+                <a:cxn ang="0">
+                  <a:pos x="connsiteX0" y="connsiteY0"/>
+                </a:cxn>
+                <a:cxn ang="0">
+                  <a:pos x="connsiteX1" y="connsiteY1"/>
+                </a:cxn>
+                <a:cxn ang="0">
+                  <a:pos x="connsiteX2" y="connsiteY2"/>
+                </a:cxn>
+                <a:cxn ang="0">
+                  <a:pos x="connsiteX3" y="connsiteY3"/>
+                </a:cxn>
+              </a:cxnLst>
+              <a:rect l="l" t="t" r="r" b="b"/>
+              <a:pathLst>
+                <a:path w="815926" h="220394">
+                  <a:moveTo>
+                    <a:pt x="815926" y="220394"/>
+                  </a:moveTo>
+                  <a:cubicBezTo>
+                    <a:pt x="718233" y="162950"/>
+                    <a:pt x="620541" y="105507"/>
+                    <a:pt x="506437" y="75027"/>
+                  </a:cubicBezTo>
+                  <a:cubicBezTo>
+                    <a:pt x="392333" y="44547"/>
+                    <a:pt x="215705" y="50018"/>
+                    <a:pt x="131299" y="37514"/>
+                  </a:cubicBezTo>
+                  <a:cubicBezTo>
+                    <a:pt x="46893" y="25010"/>
+                    <a:pt x="23446" y="12505"/>
+                    <a:pt x="0" y="0"/>
+                  </a:cubicBezTo>
+                </a:path>
+              </a:pathLst>
+            </a:custGeom>
+            <a:noFill/>
+            <a:ln>
+              <a:gradFill>
+                <a:gsLst>
+                  <a:gs pos="0">
+                    <a:schemeClr val="tx1">
+                      <a:lumMod val="50000"/>
+                      <a:lumOff val="50000"/>
+                    </a:schemeClr>
+                  </a:gs>
+                  <a:gs pos="57000">
+                    <a:schemeClr val="bg1">
+                      <a:lumMod val="65000"/>
+                    </a:schemeClr>
+                  </a:gs>
+                  <a:gs pos="100000">
+                    <a:schemeClr val="bg1"/>
+                  </a:gs>
+                </a:gsLst>
+                <a:lin ang="5400000" scaled="1"/>
+              </a:gradFill>
+              <a:tailEnd type="triangle"/>
+            </a:ln>
+          </p:spPr>
+          <p:style>
+            <a:lnRef idx="2">
+              <a:schemeClr val="accent1">
+                <a:shade val="50000"/>
+              </a:schemeClr>
+            </a:lnRef>
+            <a:fillRef idx="1">
+              <a:schemeClr val="accent1"/>
+            </a:fillRef>
+            <a:effectRef idx="0">
+              <a:schemeClr val="accent1"/>
+            </a:effectRef>
+            <a:fontRef idx="minor">
+              <a:schemeClr val="lt1"/>
+            </a:fontRef>
+          </p:style>
+          <p:txBody>
+            <a:bodyPr rtlCol="0" anchor="ctr"/>
+            <a:lstStyle/>
+            <a:p>
+              <a:pPr algn="ctr"/>
+              <a:endParaRPr lang="en-US"/>
+            </a:p>
+          </p:txBody>
+        </p:sp>
+        <p:sp>
+          <p:nvSpPr>
+            <p:cNvPr id="117" name="Freeform: Shape 116">
+              <a:extLst>
+                <a:ext uri="{FF2B5EF4-FFF2-40B4-BE49-F238E27FC236}">
+                  <a16:creationId xmlns:a16="http://schemas.microsoft.com/office/drawing/2014/main" id="{5162FB44-40BC-4462-933A-4FA9B74E356C}"/>
+                </a:ext>
+              </a:extLst>
+            </p:cNvPr>
+            <p:cNvSpPr/>
+            <p:nvPr/>
+          </p:nvSpPr>
+          <p:spPr>
+            <a:xfrm rot="20863310">
+              <a:off x="3083686" y="3629437"/>
+              <a:ext cx="816334" cy="83732"/>
+            </a:xfrm>
+            <a:custGeom>
+              <a:avLst/>
+              <a:gdLst>
+                <a:gd name="connsiteX0" fmla="*/ 815926 w 815926"/>
+                <a:gd name="connsiteY0" fmla="*/ 220394 h 220394"/>
+                <a:gd name="connsiteX1" fmla="*/ 506437 w 815926"/>
+                <a:gd name="connsiteY1" fmla="*/ 75027 h 220394"/>
+                <a:gd name="connsiteX2" fmla="*/ 131299 w 815926"/>
+                <a:gd name="connsiteY2" fmla="*/ 37514 h 220394"/>
+                <a:gd name="connsiteX3" fmla="*/ 0 w 815926"/>
+                <a:gd name="connsiteY3" fmla="*/ 0 h 220394"/>
+                <a:gd name="connsiteX0" fmla="*/ 806721 w 806721"/>
+                <a:gd name="connsiteY0" fmla="*/ 190172 h 190172"/>
+                <a:gd name="connsiteX1" fmla="*/ 497232 w 806721"/>
+                <a:gd name="connsiteY1" fmla="*/ 44805 h 190172"/>
+                <a:gd name="connsiteX2" fmla="*/ 122094 w 806721"/>
+                <a:gd name="connsiteY2" fmla="*/ 7292 h 190172"/>
+                <a:gd name="connsiteX3" fmla="*/ 0 w 806721"/>
+                <a:gd name="connsiteY3" fmla="*/ 170798 h 190172"/>
+                <a:gd name="connsiteX0" fmla="*/ 822360 w 822360"/>
+                <a:gd name="connsiteY0" fmla="*/ 183342 h 183342"/>
+                <a:gd name="connsiteX1" fmla="*/ 512871 w 822360"/>
+                <a:gd name="connsiteY1" fmla="*/ 37975 h 183342"/>
+                <a:gd name="connsiteX2" fmla="*/ 137733 w 822360"/>
+                <a:gd name="connsiteY2" fmla="*/ 462 h 183342"/>
+                <a:gd name="connsiteX3" fmla="*/ 0 w 822360"/>
+                <a:gd name="connsiteY3" fmla="*/ 54899 h 183342"/>
+                <a:gd name="connsiteX0" fmla="*/ 822360 w 822360"/>
+                <a:gd name="connsiteY0" fmla="*/ 149796 h 149796"/>
+                <a:gd name="connsiteX1" fmla="*/ 512871 w 822360"/>
+                <a:gd name="connsiteY1" fmla="*/ 4429 h 149796"/>
+                <a:gd name="connsiteX2" fmla="*/ 250114 w 822360"/>
+                <a:gd name="connsiteY2" fmla="*/ 36108 h 149796"/>
+                <a:gd name="connsiteX3" fmla="*/ 0 w 822360"/>
+                <a:gd name="connsiteY3" fmla="*/ 21353 h 149796"/>
+              </a:gdLst>
+              <a:ahLst/>
+              <a:cxnLst>
+                <a:cxn ang="0">
+                  <a:pos x="connsiteX0" y="connsiteY0"/>
+                </a:cxn>
+                <a:cxn ang="0">
+                  <a:pos x="connsiteX1" y="connsiteY1"/>
+                </a:cxn>
+                <a:cxn ang="0">
+                  <a:pos x="connsiteX2" y="connsiteY2"/>
+                </a:cxn>
+                <a:cxn ang="0">
+                  <a:pos x="connsiteX3" y="connsiteY3"/>
+                </a:cxn>
+              </a:cxnLst>
+              <a:rect l="l" t="t" r="r" b="b"/>
+              <a:pathLst>
+                <a:path w="822360" h="149796">
+                  <a:moveTo>
+                    <a:pt x="822360" y="149796"/>
+                  </a:moveTo>
+                  <a:cubicBezTo>
+                    <a:pt x="724667" y="92352"/>
+                    <a:pt x="608245" y="23377"/>
+                    <a:pt x="512871" y="4429"/>
+                  </a:cubicBezTo>
+                  <a:cubicBezTo>
+                    <a:pt x="417497" y="-14519"/>
+                    <a:pt x="335592" y="33287"/>
+                    <a:pt x="250114" y="36108"/>
+                  </a:cubicBezTo>
+                  <a:cubicBezTo>
+                    <a:pt x="164636" y="38929"/>
+                    <a:pt x="23446" y="33858"/>
+                    <a:pt x="0" y="21353"/>
+                  </a:cubicBezTo>
+                </a:path>
+              </a:pathLst>
+            </a:custGeom>
+            <a:noFill/>
+            <a:ln>
+              <a:gradFill>
+                <a:gsLst>
+                  <a:gs pos="0">
+                    <a:schemeClr val="tx1">
+                      <a:lumMod val="50000"/>
+                      <a:lumOff val="50000"/>
+                    </a:schemeClr>
+                  </a:gs>
+                  <a:gs pos="57000">
+                    <a:schemeClr val="bg1">
+                      <a:lumMod val="65000"/>
+                    </a:schemeClr>
+                  </a:gs>
+                  <a:gs pos="100000">
+                    <a:schemeClr val="bg1"/>
+                  </a:gs>
+                </a:gsLst>
+                <a:lin ang="5400000" scaled="1"/>
+              </a:gradFill>
+              <a:tailEnd type="triangle"/>
+            </a:ln>
+          </p:spPr>
+          <p:style>
+            <a:lnRef idx="2">
+              <a:schemeClr val="accent1">
+                <a:shade val="50000"/>
+              </a:schemeClr>
+            </a:lnRef>
+            <a:fillRef idx="1">
+              <a:schemeClr val="accent1"/>
+            </a:fillRef>
+            <a:effectRef idx="0">
+              <a:schemeClr val="accent1"/>
+            </a:effectRef>
+            <a:fontRef idx="minor">
+              <a:schemeClr val="lt1"/>
+            </a:fontRef>
+          </p:style>
+          <p:txBody>
+            <a:bodyPr rtlCol="0" anchor="ctr"/>
+            <a:lstStyle/>
+            <a:p>
+              <a:pPr algn="ctr"/>
+              <a:endParaRPr lang="en-US"/>
+            </a:p>
+          </p:txBody>
+        </p:sp>
+        <p:sp>
+          <p:nvSpPr>
+            <p:cNvPr id="118" name="Freeform: Shape 117">
+              <a:extLst>
+                <a:ext uri="{FF2B5EF4-FFF2-40B4-BE49-F238E27FC236}">
+                  <a16:creationId xmlns:a16="http://schemas.microsoft.com/office/drawing/2014/main" id="{1F532B25-5987-4A64-9461-2C1220638D10}"/>
+                </a:ext>
+              </a:extLst>
+            </p:cNvPr>
+            <p:cNvSpPr/>
+            <p:nvPr/>
+          </p:nvSpPr>
+          <p:spPr>
+            <a:xfrm rot="20863310">
+              <a:off x="3185949" y="3187162"/>
+              <a:ext cx="670720" cy="516320"/>
+            </a:xfrm>
+            <a:custGeom>
+              <a:avLst/>
+              <a:gdLst>
+                <a:gd name="connsiteX0" fmla="*/ 815926 w 815926"/>
+                <a:gd name="connsiteY0" fmla="*/ 220394 h 220394"/>
+                <a:gd name="connsiteX1" fmla="*/ 506437 w 815926"/>
+                <a:gd name="connsiteY1" fmla="*/ 75027 h 220394"/>
+                <a:gd name="connsiteX2" fmla="*/ 131299 w 815926"/>
+                <a:gd name="connsiteY2" fmla="*/ 37514 h 220394"/>
+                <a:gd name="connsiteX3" fmla="*/ 0 w 815926"/>
+                <a:gd name="connsiteY3" fmla="*/ 0 h 220394"/>
+                <a:gd name="connsiteX0" fmla="*/ 908882 w 908882"/>
+                <a:gd name="connsiteY0" fmla="*/ 206473 h 206473"/>
+                <a:gd name="connsiteX1" fmla="*/ 599393 w 908882"/>
+                <a:gd name="connsiteY1" fmla="*/ 61106 h 206473"/>
+                <a:gd name="connsiteX2" fmla="*/ 224255 w 908882"/>
+                <a:gd name="connsiteY2" fmla="*/ 23593 h 206473"/>
+                <a:gd name="connsiteX3" fmla="*/ 0 w 908882"/>
+                <a:gd name="connsiteY3" fmla="*/ 0 h 206473"/>
+                <a:gd name="connsiteX0" fmla="*/ 908882 w 908882"/>
+                <a:gd name="connsiteY0" fmla="*/ 206473 h 206473"/>
+                <a:gd name="connsiteX1" fmla="*/ 444051 w 908882"/>
+                <a:gd name="connsiteY1" fmla="*/ 113433 h 206473"/>
+                <a:gd name="connsiteX2" fmla="*/ 224255 w 908882"/>
+                <a:gd name="connsiteY2" fmla="*/ 23593 h 206473"/>
+                <a:gd name="connsiteX3" fmla="*/ 0 w 908882"/>
+                <a:gd name="connsiteY3" fmla="*/ 0 h 206473"/>
+                <a:gd name="connsiteX0" fmla="*/ 841168 w 841168"/>
+                <a:gd name="connsiteY0" fmla="*/ 225621 h 225621"/>
+                <a:gd name="connsiteX1" fmla="*/ 376337 w 841168"/>
+                <a:gd name="connsiteY1" fmla="*/ 132581 h 225621"/>
+                <a:gd name="connsiteX2" fmla="*/ 156541 w 841168"/>
+                <a:gd name="connsiteY2" fmla="*/ 42741 h 225621"/>
+                <a:gd name="connsiteX3" fmla="*/ 0 w 841168"/>
+                <a:gd name="connsiteY3" fmla="*/ 0 h 225621"/>
+                <a:gd name="connsiteX0" fmla="*/ 841168 w 841168"/>
+                <a:gd name="connsiteY0" fmla="*/ 225621 h 225621"/>
+                <a:gd name="connsiteX1" fmla="*/ 415353 w 841168"/>
+                <a:gd name="connsiteY1" fmla="*/ 110285 h 225621"/>
+                <a:gd name="connsiteX2" fmla="*/ 156541 w 841168"/>
+                <a:gd name="connsiteY2" fmla="*/ 42741 h 225621"/>
+                <a:gd name="connsiteX3" fmla="*/ 0 w 841168"/>
+                <a:gd name="connsiteY3" fmla="*/ 0 h 225621"/>
+                <a:gd name="connsiteX0" fmla="*/ 841168 w 841168"/>
+                <a:gd name="connsiteY0" fmla="*/ 225621 h 225621"/>
+                <a:gd name="connsiteX1" fmla="*/ 415353 w 841168"/>
+                <a:gd name="connsiteY1" fmla="*/ 110285 h 225621"/>
+                <a:gd name="connsiteX2" fmla="*/ 128297 w 841168"/>
+                <a:gd name="connsiteY2" fmla="*/ 52255 h 225621"/>
+                <a:gd name="connsiteX3" fmla="*/ 0 w 841168"/>
+                <a:gd name="connsiteY3" fmla="*/ 0 h 225621"/>
+              </a:gdLst>
+              <a:ahLst/>
+              <a:cxnLst>
+                <a:cxn ang="0">
+                  <a:pos x="connsiteX0" y="connsiteY0"/>
+                </a:cxn>
+                <a:cxn ang="0">
+                  <a:pos x="connsiteX1" y="connsiteY1"/>
+                </a:cxn>
+                <a:cxn ang="0">
+                  <a:pos x="connsiteX2" y="connsiteY2"/>
+                </a:cxn>
+                <a:cxn ang="0">
+                  <a:pos x="connsiteX3" y="connsiteY3"/>
+                </a:cxn>
+              </a:cxnLst>
+              <a:rect l="l" t="t" r="r" b="b"/>
+              <a:pathLst>
+                <a:path w="841168" h="225621">
+                  <a:moveTo>
+                    <a:pt x="841168" y="225621"/>
+                  </a:moveTo>
+                  <a:cubicBezTo>
+                    <a:pt x="743475" y="168177"/>
+                    <a:pt x="534165" y="139179"/>
+                    <a:pt x="415353" y="110285"/>
+                  </a:cubicBezTo>
+                  <a:cubicBezTo>
+                    <a:pt x="296541" y="81391"/>
+                    <a:pt x="223982" y="71598"/>
+                    <a:pt x="128297" y="52255"/>
+                  </a:cubicBezTo>
+                  <a:cubicBezTo>
+                    <a:pt x="59072" y="33874"/>
+                    <a:pt x="23446" y="12505"/>
+                    <a:pt x="0" y="0"/>
+                  </a:cubicBezTo>
+                </a:path>
+              </a:pathLst>
+            </a:custGeom>
+            <a:noFill/>
+            <a:ln>
+              <a:gradFill>
+                <a:gsLst>
+                  <a:gs pos="0">
+                    <a:schemeClr val="tx1">
+                      <a:lumMod val="50000"/>
+                      <a:lumOff val="50000"/>
+                    </a:schemeClr>
+                  </a:gs>
+                  <a:gs pos="57000">
+                    <a:schemeClr val="bg1">
+                      <a:lumMod val="65000"/>
+                    </a:schemeClr>
+                  </a:gs>
+                  <a:gs pos="100000">
+                    <a:schemeClr val="bg1"/>
+                  </a:gs>
+                </a:gsLst>
+                <a:lin ang="5400000" scaled="1"/>
+              </a:gradFill>
+              <a:tailEnd type="triangle"/>
+            </a:ln>
+          </p:spPr>
+          <p:style>
+            <a:lnRef idx="2">
+              <a:schemeClr val="accent1">
+                <a:shade val="50000"/>
+              </a:schemeClr>
+            </a:lnRef>
+            <a:fillRef idx="1">
+              <a:schemeClr val="accent1"/>
+            </a:fillRef>
+            <a:effectRef idx="0">
+              <a:schemeClr val="accent1"/>
+            </a:effectRef>
+            <a:fontRef idx="minor">
+              <a:schemeClr val="lt1"/>
+            </a:fontRef>
+          </p:style>
+          <p:txBody>
+            <a:bodyPr rtlCol="0" anchor="ctr"/>
+            <a:lstStyle/>
+            <a:p>
+              <a:pPr algn="ctr"/>
+              <a:endParaRPr lang="en-US"/>
+            </a:p>
+          </p:txBody>
+        </p:sp>
+        <p:grpSp>
+          <p:nvGrpSpPr>
+            <p:cNvPr id="152" name="Group 151">
+              <a:extLst>
+                <a:ext uri="{FF2B5EF4-FFF2-40B4-BE49-F238E27FC236}">
+                  <a16:creationId xmlns:a16="http://schemas.microsoft.com/office/drawing/2014/main" id="{7E5C8742-07EA-49A4-A178-580D053EDD10}"/>
+                </a:ext>
+              </a:extLst>
+            </p:cNvPr>
+            <p:cNvGrpSpPr/>
+            <p:nvPr/>
+          </p:nvGrpSpPr>
+          <p:grpSpPr>
+            <a:xfrm>
+              <a:off x="3198234" y="3407392"/>
+              <a:ext cx="747663" cy="257522"/>
+              <a:chOff x="3198234" y="3407392"/>
+              <a:chExt cx="747663" cy="257522"/>
+            </a:xfrm>
+          </p:grpSpPr>
+          <p:sp>
+            <p:nvSpPr>
+              <p:cNvPr id="71" name="Oval 70">
+                <a:extLst>
+                  <a:ext uri="{FF2B5EF4-FFF2-40B4-BE49-F238E27FC236}">
+                    <a16:creationId xmlns:a16="http://schemas.microsoft.com/office/drawing/2014/main" id="{12252F41-FEB2-46E1-9575-2E784C0D383A}"/>
+                  </a:ext>
+                </a:extLst>
+              </p:cNvPr>
+              <p:cNvSpPr/>
+              <p:nvPr/>
+            </p:nvSpPr>
+            <p:spPr>
+              <a:xfrm>
+                <a:off x="3872039" y="3591056"/>
+                <a:ext cx="73858" cy="73858"/>
+              </a:xfrm>
+              <a:prstGeom prst="ellipse">
+                <a:avLst/>
+              </a:prstGeom>
+              <a:solidFill>
+                <a:srgbClr val="E8C6C6"/>
+              </a:solidFill>
+              <a:ln>
+                <a:noFill/>
+              </a:ln>
+            </p:spPr>
+            <p:style>
+              <a:lnRef idx="2">
+                <a:schemeClr val="accent1">
+                  <a:shade val="50000"/>
+                </a:schemeClr>
+              </a:lnRef>
+              <a:fillRef idx="1">
+                <a:schemeClr val="accent1"/>
+              </a:fillRef>
+              <a:effectRef idx="0">
+                <a:schemeClr val="accent1"/>
+              </a:effectRef>
+              <a:fontRef idx="minor">
+                <a:schemeClr val="lt1"/>
+              </a:fontRef>
+            </p:style>
+            <p:txBody>
+              <a:bodyPr rtlCol="0" anchor="ctr"/>
+              <a:lstStyle/>
+              <a:p>
+                <a:pPr algn="ctr"/>
+                <a:endParaRPr lang="en-US"/>
+              </a:p>
+            </p:txBody>
+          </p:sp>
+          <p:sp>
+            <p:nvSpPr>
+              <p:cNvPr id="112" name="Oval 111">
+                <a:extLst>
+                  <a:ext uri="{FF2B5EF4-FFF2-40B4-BE49-F238E27FC236}">
+                    <a16:creationId xmlns:a16="http://schemas.microsoft.com/office/drawing/2014/main" id="{99C423D9-9CE5-4F9E-B560-9C922F50C7D1}"/>
+                  </a:ext>
+                </a:extLst>
+              </p:cNvPr>
+              <p:cNvSpPr/>
+              <p:nvPr/>
+            </p:nvSpPr>
+            <p:spPr>
+              <a:xfrm>
+                <a:off x="3566374" y="3450820"/>
+                <a:ext cx="73858" cy="73858"/>
+              </a:xfrm>
+              <a:prstGeom prst="ellipse">
+                <a:avLst/>
+              </a:prstGeom>
+              <a:solidFill>
+                <a:srgbClr val="E38989"/>
+              </a:solidFill>
+              <a:ln>
+                <a:noFill/>
+              </a:ln>
+            </p:spPr>
+            <p:style>
+              <a:lnRef idx="2">
+                <a:schemeClr val="accent1">
+                  <a:shade val="50000"/>
+                </a:schemeClr>
+              </a:lnRef>
+              <a:fillRef idx="1">
+                <a:schemeClr val="accent1"/>
+              </a:fillRef>
+              <a:effectRef idx="0">
+                <a:schemeClr val="accent1"/>
+              </a:effectRef>
+              <a:fontRef idx="minor">
+                <a:schemeClr val="lt1"/>
+              </a:fontRef>
+            </p:style>
+            <p:txBody>
+              <a:bodyPr rtlCol="0" anchor="ctr"/>
+              <a:lstStyle/>
+              <a:p>
+                <a:pPr algn="ctr"/>
+                <a:endParaRPr lang="en-US"/>
+              </a:p>
+            </p:txBody>
+          </p:sp>
+          <p:sp>
+            <p:nvSpPr>
+              <p:cNvPr id="113" name="Oval 112">
+                <a:extLst>
+                  <a:ext uri="{FF2B5EF4-FFF2-40B4-BE49-F238E27FC236}">
+                    <a16:creationId xmlns:a16="http://schemas.microsoft.com/office/drawing/2014/main" id="{9CEB6B8B-A05D-4167-950E-4AE5E6589B2B}"/>
+                  </a:ext>
+                </a:extLst>
+              </p:cNvPr>
+              <p:cNvSpPr/>
+              <p:nvPr/>
+            </p:nvSpPr>
+            <p:spPr>
+              <a:xfrm>
+                <a:off x="3198234" y="3407392"/>
+                <a:ext cx="73858" cy="73858"/>
+              </a:xfrm>
+              <a:prstGeom prst="ellipse">
+                <a:avLst/>
+              </a:prstGeom>
+              <a:solidFill>
+                <a:srgbClr val="D14747"/>
+              </a:solidFill>
+              <a:ln>
+                <a:noFill/>
+              </a:ln>
+            </p:spPr>
+            <p:style>
+              <a:lnRef idx="2">
+                <a:schemeClr val="accent1">
+                  <a:shade val="50000"/>
+                </a:schemeClr>
+              </a:lnRef>
+              <a:fillRef idx="1">
+                <a:schemeClr val="accent1"/>
+              </a:fillRef>
+              <a:effectRef idx="0">
+                <a:schemeClr val="accent1"/>
+              </a:effectRef>
+              <a:fontRef idx="minor">
+                <a:schemeClr val="lt1"/>
+              </a:fontRef>
+            </p:style>
+            <p:txBody>
+              <a:bodyPr rtlCol="0" anchor="ctr"/>
+              <a:lstStyle/>
+              <a:p>
+                <a:pPr algn="ctr"/>
+                <a:endParaRPr lang="en-US"/>
+              </a:p>
+            </p:txBody>
+          </p:sp>
+        </p:grpSp>
+      </p:grpSp>
+      <p:grpSp>
+        <p:nvGrpSpPr>
+          <p:cNvPr id="158" name="Group 157">
+            <a:extLst>
+              <a:ext uri="{FF2B5EF4-FFF2-40B4-BE49-F238E27FC236}">
+                <a16:creationId xmlns:a16="http://schemas.microsoft.com/office/drawing/2014/main" id="{F6E1932F-2FA1-4F4A-86CF-B9E72C25B027}"/>
+              </a:ext>
+            </a:extLst>
+          </p:cNvPr>
+          <p:cNvGrpSpPr/>
+          <p:nvPr/>
+        </p:nvGrpSpPr>
+        <p:grpSpPr>
+          <a:xfrm>
+            <a:off x="4725393" y="1493582"/>
+            <a:ext cx="1516977" cy="3265715"/>
+            <a:chOff x="1078739" y="1841441"/>
+            <a:chExt cx="1748737" cy="3265715"/>
+          </a:xfrm>
+          <a:noFill/>
+        </p:grpSpPr>
+        <p:sp>
+          <p:nvSpPr>
+            <p:cNvPr id="159" name="Rectangle 158">
+              <a:extLst>
+                <a:ext uri="{FF2B5EF4-FFF2-40B4-BE49-F238E27FC236}">
+                  <a16:creationId xmlns:a16="http://schemas.microsoft.com/office/drawing/2014/main" id="{946349C1-2B91-4B79-A8BA-65103E1094C9}"/>
+                </a:ext>
+              </a:extLst>
+            </p:cNvPr>
+            <p:cNvSpPr/>
+            <p:nvPr/>
+          </p:nvSpPr>
+          <p:spPr>
+            <a:xfrm>
+              <a:off x="1078739" y="1841441"/>
+              <a:ext cx="1748737" cy="3265715"/>
+            </a:xfrm>
+            <a:prstGeom prst="rect">
+              <a:avLst/>
+            </a:prstGeom>
+            <a:grpFill/>
+          </p:spPr>
+          <p:style>
+            <a:lnRef idx="2">
+              <a:schemeClr val="accent1">
+                <a:shade val="50000"/>
+              </a:schemeClr>
+            </a:lnRef>
+            <a:fillRef idx="1">
+              <a:schemeClr val="accent1"/>
+            </a:fillRef>
+            <a:effectRef idx="0">
+              <a:schemeClr val="accent1"/>
+            </a:effectRef>
+            <a:fontRef idx="minor">
+              <a:schemeClr val="lt1"/>
+            </a:fontRef>
+          </p:style>
+          <p:txBody>
+            <a:bodyPr rtlCol="0" anchor="ctr"/>
+            <a:lstStyle/>
+            <a:p>
+              <a:pPr algn="ctr"/>
+              <a:endParaRPr lang="en-US"/>
+            </a:p>
+          </p:txBody>
+        </p:sp>
+        <p:cxnSp>
+          <p:nvCxnSpPr>
+            <p:cNvPr id="160" name="Straight Connector 159">
+              <a:extLst>
+                <a:ext uri="{FF2B5EF4-FFF2-40B4-BE49-F238E27FC236}">
+                  <a16:creationId xmlns:a16="http://schemas.microsoft.com/office/drawing/2014/main" id="{4E924B4F-B3D5-4F9C-8F92-C6CEFA2E3E9A}"/>
+                </a:ext>
+              </a:extLst>
+            </p:cNvPr>
+            <p:cNvCxnSpPr/>
+            <p:nvPr/>
+          </p:nvCxnSpPr>
+          <p:spPr>
+            <a:xfrm>
+              <a:off x="1521191" y="1841441"/>
+              <a:ext cx="0" cy="3265715"/>
+            </a:xfrm>
+            <a:prstGeom prst="line">
+              <a:avLst/>
+            </a:prstGeom>
+            <a:grpFill/>
+          </p:spPr>
+          <p:style>
+            <a:lnRef idx="1">
+              <a:schemeClr val="accent1"/>
+            </a:lnRef>
+            <a:fillRef idx="0">
+              <a:schemeClr val="accent1"/>
+            </a:fillRef>
+            <a:effectRef idx="0">
+              <a:schemeClr val="accent1"/>
+            </a:effectRef>
+            <a:fontRef idx="minor">
+              <a:schemeClr val="tx1"/>
+            </a:fontRef>
+          </p:style>
+        </p:cxnSp>
+        <p:cxnSp>
+          <p:nvCxnSpPr>
+            <p:cNvPr id="161" name="Straight Connector 160">
+              <a:extLst>
+                <a:ext uri="{FF2B5EF4-FFF2-40B4-BE49-F238E27FC236}">
+                  <a16:creationId xmlns:a16="http://schemas.microsoft.com/office/drawing/2014/main" id="{F2C1B8FB-9CE1-46F8-9987-7B2CE313B538}"/>
+                </a:ext>
+              </a:extLst>
+            </p:cNvPr>
+            <p:cNvCxnSpPr>
+              <a:cxnSpLocks/>
+              <a:stCxn id="159" idx="0"/>
+              <a:endCxn id="159" idx="2"/>
+            </p:cNvCxnSpPr>
+            <p:nvPr/>
+          </p:nvCxnSpPr>
+          <p:spPr>
+            <a:xfrm>
+              <a:off x="1953108" y="1841441"/>
+              <a:ext cx="0" cy="3265715"/>
+            </a:xfrm>
+            <a:prstGeom prst="line">
+              <a:avLst/>
+            </a:prstGeom>
+            <a:grpFill/>
+          </p:spPr>
+          <p:style>
+            <a:lnRef idx="1">
+              <a:schemeClr val="accent1"/>
+            </a:lnRef>
+            <a:fillRef idx="0">
+              <a:schemeClr val="accent1"/>
+            </a:fillRef>
+            <a:effectRef idx="0">
+              <a:schemeClr val="accent1"/>
+            </a:effectRef>
+            <a:fontRef idx="minor">
+              <a:schemeClr val="tx1"/>
+            </a:fontRef>
+          </p:style>
+        </p:cxnSp>
+        <p:cxnSp>
+          <p:nvCxnSpPr>
+            <p:cNvPr id="162" name="Straight Connector 161">
+              <a:extLst>
+                <a:ext uri="{FF2B5EF4-FFF2-40B4-BE49-F238E27FC236}">
+                  <a16:creationId xmlns:a16="http://schemas.microsoft.com/office/drawing/2014/main" id="{F5FB3232-05B3-4607-B7F1-E6DDB2B5470E}"/>
+                </a:ext>
+              </a:extLst>
+            </p:cNvPr>
+            <p:cNvCxnSpPr/>
+            <p:nvPr/>
+          </p:nvCxnSpPr>
+          <p:spPr>
+            <a:xfrm>
+              <a:off x="2390643" y="1841441"/>
+              <a:ext cx="0" cy="3265715"/>
+            </a:xfrm>
+            <a:prstGeom prst="line">
+              <a:avLst/>
+            </a:prstGeom>
+            <a:grpFill/>
+          </p:spPr>
+          <p:style>
+            <a:lnRef idx="1">
+              <a:schemeClr val="accent1"/>
+            </a:lnRef>
+            <a:fillRef idx="0">
+              <a:schemeClr val="accent1"/>
+            </a:fillRef>
+            <a:effectRef idx="0">
+              <a:schemeClr val="accent1"/>
+            </a:effectRef>
+            <a:fontRef idx="minor">
+              <a:schemeClr val="tx1"/>
+            </a:fontRef>
+          </p:style>
+        </p:cxnSp>
+      </p:grpSp>
+      <p:pic>
+        <p:nvPicPr>
+          <p:cNvPr id="163" name="Picture 162">
+            <a:extLst>
+              <a:ext uri="{FF2B5EF4-FFF2-40B4-BE49-F238E27FC236}">
+                <a16:creationId xmlns:a16="http://schemas.microsoft.com/office/drawing/2014/main" id="{849241D5-E6D4-41AD-9DBC-36ADE1AA394D}"/>
+              </a:ext>
+            </a:extLst>
+          </p:cNvPr>
+          <p:cNvPicPr>
+            <a:picLocks noChangeAspect="1"/>
+          </p:cNvPicPr>
+          <p:nvPr/>
+        </p:nvPicPr>
+        <p:blipFill rotWithShape="1">
+          <a:blip r:embed="rId2">
+            <a:extLst>
+              <a:ext uri="{28A0092B-C50C-407E-A947-70E740481C1C}">
+                <a14:useLocalDpi xmlns:a14="http://schemas.microsoft.com/office/drawing/2010/main" val="0"/>
+              </a:ext>
+            </a:extLst>
+          </a:blip>
+          <a:srcRect l="42120" r="40217" b="39253"/>
+          <a:stretch/>
+        </p:blipFill>
+        <p:spPr>
+          <a:xfrm>
+            <a:off x="5163113" y="3510990"/>
+            <a:ext cx="265464" cy="547791"/>
+          </a:xfrm>
+          <a:prstGeom prst="rect">
+            <a:avLst/>
+          </a:prstGeom>
+        </p:spPr>
+      </p:pic>
+      <p:pic>
+        <p:nvPicPr>
+          <p:cNvPr id="164" name="Picture 163">
+            <a:extLst>
+              <a:ext uri="{FF2B5EF4-FFF2-40B4-BE49-F238E27FC236}">
+                <a16:creationId xmlns:a16="http://schemas.microsoft.com/office/drawing/2014/main" id="{162C35FE-64BC-49A5-A463-CCFF607BCF4C}"/>
+              </a:ext>
+            </a:extLst>
+          </p:cNvPr>
+          <p:cNvPicPr>
+            <a:picLocks noChangeAspect="1"/>
+          </p:cNvPicPr>
+          <p:nvPr/>
+        </p:nvPicPr>
+        <p:blipFill rotWithShape="1">
+          <a:blip r:embed="rId2">
+            <a:extLst>
+              <a:ext uri="{28A0092B-C50C-407E-A947-70E740481C1C}">
+                <a14:useLocalDpi xmlns:a14="http://schemas.microsoft.com/office/drawing/2010/main" val="0"/>
+              </a:ext>
+            </a:extLst>
+          </a:blip>
+          <a:srcRect l="60677" r="21660" b="39253"/>
+          <a:stretch/>
+        </p:blipFill>
+        <p:spPr>
+          <a:xfrm>
+            <a:off x="5166858" y="4243669"/>
+            <a:ext cx="265464" cy="547791"/>
+          </a:xfrm>
+          <a:prstGeom prst="rect">
+            <a:avLst/>
+          </a:prstGeom>
+          <a:noFill/>
+        </p:spPr>
+      </p:pic>
+      <p:sp>
+        <p:nvSpPr>
+          <p:cNvPr id="165" name="TextBox 164">
+            <a:extLst>
+              <a:ext uri="{FF2B5EF4-FFF2-40B4-BE49-F238E27FC236}">
+                <a16:creationId xmlns:a16="http://schemas.microsoft.com/office/drawing/2014/main" id="{A36628EF-47A5-435F-9CAD-AC3D5C57B021}"/>
+              </a:ext>
+            </a:extLst>
+          </p:cNvPr>
+          <p:cNvSpPr txBox="1"/>
+          <p:nvPr/>
+        </p:nvSpPr>
+        <p:spPr>
+          <a:xfrm>
+            <a:off x="5587005" y="3132939"/>
+            <a:ext cx="128634" cy="276999"/>
+          </a:xfrm>
+          <a:prstGeom prst="rect">
+            <a:avLst/>
+          </a:prstGeom>
+          <a:noFill/>
+        </p:spPr>
+        <p:txBody>
+          <a:bodyPr wrap="square" rtlCol="0">
+            <a:spAutoFit/>
+          </a:bodyPr>
+          <a:lstStyle/>
+          <a:p>
+            <a:r>
+              <a:rPr lang="en-US" sz="1200"/>
+              <a:t>1</a:t>
+            </a:r>
+          </a:p>
+        </p:txBody>
+      </p:sp>
+      <p:sp>
+        <p:nvSpPr>
+          <p:cNvPr id="166" name="TextBox 165">
+            <a:extLst>
+              <a:ext uri="{FF2B5EF4-FFF2-40B4-BE49-F238E27FC236}">
+                <a16:creationId xmlns:a16="http://schemas.microsoft.com/office/drawing/2014/main" id="{0E86E59C-5229-4F92-B94C-D6310DB0B137}"/>
+              </a:ext>
+            </a:extLst>
+          </p:cNvPr>
+          <p:cNvSpPr txBox="1"/>
+          <p:nvPr/>
+        </p:nvSpPr>
+        <p:spPr>
+          <a:xfrm>
+            <a:off x="5499685" y="2534639"/>
+            <a:ext cx="128634" cy="276999"/>
+          </a:xfrm>
+          <a:prstGeom prst="rect">
+            <a:avLst/>
+          </a:prstGeom>
+          <a:noFill/>
+        </p:spPr>
+        <p:txBody>
+          <a:bodyPr wrap="square" rtlCol="0">
+            <a:spAutoFit/>
+          </a:bodyPr>
+          <a:lstStyle/>
+          <a:p>
+            <a:r>
+              <a:rPr lang="en-US" sz="1200"/>
+              <a:t>2</a:t>
+            </a:r>
+          </a:p>
+        </p:txBody>
+      </p:sp>
+      <p:sp>
+        <p:nvSpPr>
+          <p:cNvPr id="167" name="TextBox 166">
+            <a:extLst>
+              <a:ext uri="{FF2B5EF4-FFF2-40B4-BE49-F238E27FC236}">
+                <a16:creationId xmlns:a16="http://schemas.microsoft.com/office/drawing/2014/main" id="{251CDCF1-363A-43C2-9551-B0A4F7DB1907}"/>
+              </a:ext>
+            </a:extLst>
+          </p:cNvPr>
+          <p:cNvSpPr txBox="1"/>
+          <p:nvPr/>
+        </p:nvSpPr>
+        <p:spPr>
+          <a:xfrm>
+            <a:off x="5300704" y="2024751"/>
+            <a:ext cx="128634" cy="276999"/>
+          </a:xfrm>
+          <a:prstGeom prst="rect">
+            <a:avLst/>
+          </a:prstGeom>
+          <a:noFill/>
+        </p:spPr>
+        <p:txBody>
+          <a:bodyPr wrap="square" rtlCol="0">
+            <a:spAutoFit/>
+          </a:bodyPr>
+          <a:lstStyle/>
+          <a:p>
+            <a:r>
+              <a:rPr lang="en-US" sz="1200"/>
+              <a:t>3</a:t>
+            </a:r>
+          </a:p>
+        </p:txBody>
+      </p:sp>
+      <p:sp>
+        <p:nvSpPr>
+          <p:cNvPr id="168" name="TextBox 167">
+            <a:extLst>
+              <a:ext uri="{FF2B5EF4-FFF2-40B4-BE49-F238E27FC236}">
+                <a16:creationId xmlns:a16="http://schemas.microsoft.com/office/drawing/2014/main" id="{FB37A1AF-068B-4F42-9BAA-36AEE42C6586}"/>
+              </a:ext>
+            </a:extLst>
+          </p:cNvPr>
+          <p:cNvSpPr txBox="1"/>
+          <p:nvPr/>
+        </p:nvSpPr>
+        <p:spPr>
+          <a:xfrm>
+            <a:off x="4946899" y="4379064"/>
+            <a:ext cx="128634" cy="276999"/>
+          </a:xfrm>
+          <a:prstGeom prst="rect">
+            <a:avLst/>
+          </a:prstGeom>
+          <a:noFill/>
+        </p:spPr>
+        <p:txBody>
+          <a:bodyPr wrap="square" rtlCol="0">
+            <a:spAutoFit/>
+          </a:bodyPr>
+          <a:lstStyle/>
+          <a:p>
+            <a:r>
+              <a:rPr lang="en-US" sz="1200"/>
+              <a:t>1</a:t>
+            </a:r>
+          </a:p>
+        </p:txBody>
+      </p:sp>
+      <p:sp>
+        <p:nvSpPr>
+          <p:cNvPr id="169" name="TextBox 168">
+            <a:extLst>
+              <a:ext uri="{FF2B5EF4-FFF2-40B4-BE49-F238E27FC236}">
+                <a16:creationId xmlns:a16="http://schemas.microsoft.com/office/drawing/2014/main" id="{56F03D3F-6061-4282-8DDA-1145EFEE3724}"/>
+              </a:ext>
+            </a:extLst>
+          </p:cNvPr>
+          <p:cNvSpPr txBox="1"/>
+          <p:nvPr/>
+        </p:nvSpPr>
+        <p:spPr>
+          <a:xfrm>
+            <a:off x="4934689" y="3646385"/>
+            <a:ext cx="128634" cy="276999"/>
+          </a:xfrm>
+          <a:prstGeom prst="rect">
+            <a:avLst/>
+          </a:prstGeom>
+          <a:noFill/>
+        </p:spPr>
+        <p:txBody>
+          <a:bodyPr wrap="square" rtlCol="0">
+            <a:spAutoFit/>
+          </a:bodyPr>
+          <a:lstStyle/>
+          <a:p>
+            <a:r>
+              <a:rPr lang="en-US" sz="1200"/>
+              <a:t>2</a:t>
+            </a:r>
+          </a:p>
+        </p:txBody>
+      </p:sp>
+      <p:sp>
+        <p:nvSpPr>
+          <p:cNvPr id="170" name="Freeform: Shape 169">
+            <a:extLst>
+              <a:ext uri="{FF2B5EF4-FFF2-40B4-BE49-F238E27FC236}">
+                <a16:creationId xmlns:a16="http://schemas.microsoft.com/office/drawing/2014/main" id="{97FB516D-8464-4346-A617-8418344D8E97}"/>
+              </a:ext>
+            </a:extLst>
+          </p:cNvPr>
+          <p:cNvSpPr/>
+          <p:nvPr/>
+        </p:nvSpPr>
+        <p:spPr>
+          <a:xfrm>
+            <a:off x="4722954" y="1740239"/>
+            <a:ext cx="851504" cy="1534416"/>
+          </a:xfrm>
+          <a:custGeom>
+            <a:avLst/>
+            <a:gdLst>
+              <a:gd name="connsiteX0" fmla="*/ 815926 w 815926"/>
+              <a:gd name="connsiteY0" fmla="*/ 220394 h 220394"/>
+              <a:gd name="connsiteX1" fmla="*/ 506437 w 815926"/>
+              <a:gd name="connsiteY1" fmla="*/ 75027 h 220394"/>
+              <a:gd name="connsiteX2" fmla="*/ 131299 w 815926"/>
+              <a:gd name="connsiteY2" fmla="*/ 37514 h 220394"/>
+              <a:gd name="connsiteX3" fmla="*/ 0 w 815926"/>
+              <a:gd name="connsiteY3" fmla="*/ 0 h 220394"/>
+              <a:gd name="connsiteX0" fmla="*/ 815926 w 815926"/>
+              <a:gd name="connsiteY0" fmla="*/ 220394 h 220394"/>
+              <a:gd name="connsiteX1" fmla="*/ 506437 w 815926"/>
+              <a:gd name="connsiteY1" fmla="*/ 75027 h 220394"/>
+              <a:gd name="connsiteX2" fmla="*/ 234139 w 815926"/>
+              <a:gd name="connsiteY2" fmla="*/ 22715 h 220394"/>
+              <a:gd name="connsiteX3" fmla="*/ 0 w 815926"/>
+              <a:gd name="connsiteY3" fmla="*/ 0 h 220394"/>
+              <a:gd name="connsiteX0" fmla="*/ 815926 w 815926"/>
+              <a:gd name="connsiteY0" fmla="*/ 220394 h 220394"/>
+              <a:gd name="connsiteX1" fmla="*/ 580481 w 815926"/>
+              <a:gd name="connsiteY1" fmla="*/ 83043 h 220394"/>
+              <a:gd name="connsiteX2" fmla="*/ 234139 w 815926"/>
+              <a:gd name="connsiteY2" fmla="*/ 22715 h 220394"/>
+              <a:gd name="connsiteX3" fmla="*/ 0 w 815926"/>
+              <a:gd name="connsiteY3" fmla="*/ 0 h 220394"/>
+            </a:gdLst>
+            <a:ahLst/>
+            <a:cxnLst>
+              <a:cxn ang="0">
+                <a:pos x="connsiteX0" y="connsiteY0"/>
+              </a:cxn>
+              <a:cxn ang="0">
+                <a:pos x="connsiteX1" y="connsiteY1"/>
+              </a:cxn>
+              <a:cxn ang="0">
+                <a:pos x="connsiteX2" y="connsiteY2"/>
+              </a:cxn>
+              <a:cxn ang="0">
+                <a:pos x="connsiteX3" y="connsiteY3"/>
+              </a:cxn>
+            </a:cxnLst>
+            <a:rect l="l" t="t" r="r" b="b"/>
+            <a:pathLst>
+              <a:path w="815926" h="220394">
+                <a:moveTo>
+                  <a:pt x="815926" y="220394"/>
+                </a:moveTo>
+                <a:cubicBezTo>
+                  <a:pt x="718233" y="162950"/>
+                  <a:pt x="677446" y="115990"/>
+                  <a:pt x="580481" y="83043"/>
+                </a:cubicBezTo>
+                <a:cubicBezTo>
+                  <a:pt x="483516" y="50096"/>
+                  <a:pt x="330886" y="36556"/>
+                  <a:pt x="234139" y="22715"/>
+                </a:cubicBezTo>
+                <a:cubicBezTo>
+                  <a:pt x="137392" y="8874"/>
+                  <a:pt x="23446" y="12505"/>
+                  <a:pt x="0" y="0"/>
+                </a:cubicBezTo>
+              </a:path>
+            </a:pathLst>
+          </a:custGeom>
+          <a:noFill/>
+          <a:ln>
+            <a:gradFill>
+              <a:gsLst>
+                <a:gs pos="0">
+                  <a:srgbClr val="FF1919"/>
+                </a:gs>
+                <a:gs pos="57000">
+                  <a:srgbClr val="FF9797"/>
+                </a:gs>
+                <a:gs pos="100000">
+                  <a:srgbClr val="FFDDDD"/>
+                </a:gs>
+              </a:gsLst>
+              <a:lin ang="5400000" scaled="1"/>
+            </a:gradFill>
+            <a:tailEnd type="triangle"/>
+          </a:ln>
+        </p:spPr>
+        <p:style>
+          <a:lnRef idx="2">
+            <a:schemeClr val="accent1">
+              <a:shade val="50000"/>
+            </a:schemeClr>
+          </a:lnRef>
+          <a:fillRef idx="1">
+            <a:schemeClr val="accent1"/>
+          </a:fillRef>
+          <a:effectRef idx="0">
+            <a:schemeClr val="accent1"/>
+          </a:effectRef>
+          <a:fontRef idx="minor">
+            <a:schemeClr val="lt1"/>
+          </a:fontRef>
+        </p:style>
+        <p:txBody>
+          <a:bodyPr rtlCol="0" anchor="ctr"/>
+          <a:lstStyle/>
+          <a:p>
+            <a:pPr algn="ctr"/>
+            <a:endParaRPr lang="en-US"/>
+          </a:p>
+        </p:txBody>
+      </p:sp>
+      <p:sp>
+        <p:nvSpPr>
+          <p:cNvPr id="179" name="Freeform: Shape 178">
+            <a:extLst>
+              <a:ext uri="{FF2B5EF4-FFF2-40B4-BE49-F238E27FC236}">
+                <a16:creationId xmlns:a16="http://schemas.microsoft.com/office/drawing/2014/main" id="{0741932C-F4BE-45DD-B259-9D34E26F2B06}"/>
+              </a:ext>
+            </a:extLst>
+          </p:cNvPr>
+          <p:cNvSpPr/>
+          <p:nvPr/>
+        </p:nvSpPr>
+        <p:spPr>
+          <a:xfrm>
+            <a:off x="4721009" y="1743849"/>
+            <a:ext cx="860391" cy="1534416"/>
+          </a:xfrm>
+          <a:custGeom>
+            <a:avLst/>
+            <a:gdLst>
+              <a:gd name="connsiteX0" fmla="*/ 815926 w 815926"/>
+              <a:gd name="connsiteY0" fmla="*/ 220394 h 220394"/>
+              <a:gd name="connsiteX1" fmla="*/ 506437 w 815926"/>
+              <a:gd name="connsiteY1" fmla="*/ 75027 h 220394"/>
+              <a:gd name="connsiteX2" fmla="*/ 131299 w 815926"/>
+              <a:gd name="connsiteY2" fmla="*/ 37514 h 220394"/>
+              <a:gd name="connsiteX3" fmla="*/ 0 w 815926"/>
+              <a:gd name="connsiteY3" fmla="*/ 0 h 220394"/>
+              <a:gd name="connsiteX0" fmla="*/ 815926 w 815926"/>
+              <a:gd name="connsiteY0" fmla="*/ 220394 h 220394"/>
+              <a:gd name="connsiteX1" fmla="*/ 506437 w 815926"/>
+              <a:gd name="connsiteY1" fmla="*/ 75027 h 220394"/>
+              <a:gd name="connsiteX2" fmla="*/ 236572 w 815926"/>
+              <a:gd name="connsiteY2" fmla="*/ 27200 h 220394"/>
+              <a:gd name="connsiteX3" fmla="*/ 0 w 815926"/>
+              <a:gd name="connsiteY3" fmla="*/ 0 h 220394"/>
+              <a:gd name="connsiteX0" fmla="*/ 815926 w 815926"/>
+              <a:gd name="connsiteY0" fmla="*/ 220394 h 220394"/>
+              <a:gd name="connsiteX1" fmla="*/ 473767 w 815926"/>
+              <a:gd name="connsiteY1" fmla="*/ 78895 h 220394"/>
+              <a:gd name="connsiteX2" fmla="*/ 236572 w 815926"/>
+              <a:gd name="connsiteY2" fmla="*/ 27200 h 220394"/>
+              <a:gd name="connsiteX3" fmla="*/ 0 w 815926"/>
+              <a:gd name="connsiteY3" fmla="*/ 0 h 220394"/>
+              <a:gd name="connsiteX0" fmla="*/ 815926 w 815926"/>
+              <a:gd name="connsiteY0" fmla="*/ 220394 h 220394"/>
+              <a:gd name="connsiteX1" fmla="*/ 473767 w 815926"/>
+              <a:gd name="connsiteY1" fmla="*/ 78895 h 220394"/>
+              <a:gd name="connsiteX2" fmla="*/ 225681 w 815926"/>
+              <a:gd name="connsiteY2" fmla="*/ 27200 h 220394"/>
+              <a:gd name="connsiteX3" fmla="*/ 0 w 815926"/>
+              <a:gd name="connsiteY3" fmla="*/ 0 h 220394"/>
+              <a:gd name="connsiteX0" fmla="*/ 815926 w 815926"/>
+              <a:gd name="connsiteY0" fmla="*/ 220394 h 220394"/>
+              <a:gd name="connsiteX1" fmla="*/ 451987 w 815926"/>
+              <a:gd name="connsiteY1" fmla="*/ 80829 h 220394"/>
+              <a:gd name="connsiteX2" fmla="*/ 225681 w 815926"/>
+              <a:gd name="connsiteY2" fmla="*/ 27200 h 220394"/>
+              <a:gd name="connsiteX3" fmla="*/ 0 w 815926"/>
+              <a:gd name="connsiteY3" fmla="*/ 0 h 220394"/>
+              <a:gd name="connsiteX0" fmla="*/ 815926 w 815926"/>
+              <a:gd name="connsiteY0" fmla="*/ 220394 h 220394"/>
+              <a:gd name="connsiteX1" fmla="*/ 451987 w 815926"/>
+              <a:gd name="connsiteY1" fmla="*/ 80829 h 220394"/>
+              <a:gd name="connsiteX2" fmla="*/ 225681 w 815926"/>
+              <a:gd name="connsiteY2" fmla="*/ 27200 h 220394"/>
+              <a:gd name="connsiteX3" fmla="*/ 0 w 815926"/>
+              <a:gd name="connsiteY3" fmla="*/ 0 h 220394"/>
+              <a:gd name="connsiteX0" fmla="*/ 815926 w 815926"/>
+              <a:gd name="connsiteY0" fmla="*/ 220394 h 220394"/>
+              <a:gd name="connsiteX1" fmla="*/ 574121 w 815926"/>
+              <a:gd name="connsiteY1" fmla="*/ 80212 h 220394"/>
+              <a:gd name="connsiteX2" fmla="*/ 225681 w 815926"/>
+              <a:gd name="connsiteY2" fmla="*/ 27200 h 220394"/>
+              <a:gd name="connsiteX3" fmla="*/ 0 w 815926"/>
+              <a:gd name="connsiteY3" fmla="*/ 0 h 220394"/>
+              <a:gd name="connsiteX0" fmla="*/ 815926 w 815926"/>
+              <a:gd name="connsiteY0" fmla="*/ 220394 h 220394"/>
+              <a:gd name="connsiteX1" fmla="*/ 480486 w 815926"/>
+              <a:gd name="connsiteY1" fmla="*/ 85145 h 220394"/>
+              <a:gd name="connsiteX2" fmla="*/ 225681 w 815926"/>
+              <a:gd name="connsiteY2" fmla="*/ 27200 h 220394"/>
+              <a:gd name="connsiteX3" fmla="*/ 0 w 815926"/>
+              <a:gd name="connsiteY3" fmla="*/ 0 h 220394"/>
+              <a:gd name="connsiteX0" fmla="*/ 815926 w 815926"/>
+              <a:gd name="connsiteY0" fmla="*/ 220394 h 220394"/>
+              <a:gd name="connsiteX1" fmla="*/ 480486 w 815926"/>
+              <a:gd name="connsiteY1" fmla="*/ 85145 h 220394"/>
+              <a:gd name="connsiteX2" fmla="*/ 201254 w 815926"/>
+              <a:gd name="connsiteY2" fmla="*/ 29050 h 220394"/>
+              <a:gd name="connsiteX3" fmla="*/ 0 w 815926"/>
+              <a:gd name="connsiteY3" fmla="*/ 0 h 220394"/>
+              <a:gd name="connsiteX0" fmla="*/ 815926 w 815926"/>
+              <a:gd name="connsiteY0" fmla="*/ 220394 h 220394"/>
+              <a:gd name="connsiteX1" fmla="*/ 480486 w 815926"/>
+              <a:gd name="connsiteY1" fmla="*/ 85145 h 220394"/>
+              <a:gd name="connsiteX2" fmla="*/ 201254 w 815926"/>
+              <a:gd name="connsiteY2" fmla="*/ 29050 h 220394"/>
+              <a:gd name="connsiteX3" fmla="*/ 0 w 815926"/>
+              <a:gd name="connsiteY3" fmla="*/ 0 h 220394"/>
+              <a:gd name="connsiteX0" fmla="*/ 815926 w 815926"/>
+              <a:gd name="connsiteY0" fmla="*/ 220394 h 220394"/>
+              <a:gd name="connsiteX1" fmla="*/ 480486 w 815926"/>
+              <a:gd name="connsiteY1" fmla="*/ 85145 h 220394"/>
+              <a:gd name="connsiteX2" fmla="*/ 201254 w 815926"/>
+              <a:gd name="connsiteY2" fmla="*/ 29050 h 220394"/>
+              <a:gd name="connsiteX3" fmla="*/ 0 w 815926"/>
+              <a:gd name="connsiteY3" fmla="*/ 0 h 220394"/>
+            </a:gdLst>
+            <a:ahLst/>
+            <a:cxnLst>
+              <a:cxn ang="0">
+                <a:pos x="connsiteX0" y="connsiteY0"/>
+              </a:cxn>
+              <a:cxn ang="0">
+                <a:pos x="connsiteX1" y="connsiteY1"/>
+              </a:cxn>
+              <a:cxn ang="0">
+                <a:pos x="connsiteX2" y="connsiteY2"/>
+              </a:cxn>
+              <a:cxn ang="0">
+                <a:pos x="connsiteX3" y="connsiteY3"/>
+              </a:cxn>
+            </a:cxnLst>
+            <a:rect l="l" t="t" r="r" b="b"/>
+            <a:pathLst>
+              <a:path w="815926" h="220394">
+                <a:moveTo>
+                  <a:pt x="815926" y="220394"/>
+                </a:moveTo>
+                <a:cubicBezTo>
+                  <a:pt x="718233" y="162950"/>
+                  <a:pt x="595144" y="115803"/>
+                  <a:pt x="480486" y="85145"/>
+                </a:cubicBezTo>
+                <a:cubicBezTo>
+                  <a:pt x="365828" y="54487"/>
+                  <a:pt x="281335" y="43241"/>
+                  <a:pt x="201254" y="29050"/>
+                </a:cubicBezTo>
+                <a:cubicBezTo>
+                  <a:pt x="121173" y="14859"/>
+                  <a:pt x="23446" y="12505"/>
+                  <a:pt x="0" y="0"/>
+                </a:cubicBezTo>
+              </a:path>
+            </a:pathLst>
+          </a:custGeom>
+          <a:noFill/>
+          <a:ln>
+            <a:gradFill>
+              <a:gsLst>
+                <a:gs pos="0">
+                  <a:schemeClr val="tx1">
+                    <a:lumMod val="50000"/>
+                    <a:lumOff val="50000"/>
+                  </a:schemeClr>
+                </a:gs>
+                <a:gs pos="57000">
+                  <a:schemeClr val="bg1">
+                    <a:lumMod val="75000"/>
+                  </a:schemeClr>
+                </a:gs>
+                <a:gs pos="100000">
+                  <a:schemeClr val="bg1">
+                    <a:lumMod val="95000"/>
+                  </a:schemeClr>
+                </a:gs>
+              </a:gsLst>
+              <a:lin ang="5400000" scaled="1"/>
+            </a:gradFill>
+            <a:tailEnd type="triangle"/>
+          </a:ln>
+        </p:spPr>
+        <p:style>
+          <a:lnRef idx="2">
+            <a:schemeClr val="accent1">
+              <a:shade val="50000"/>
+            </a:schemeClr>
+          </a:lnRef>
+          <a:fillRef idx="1">
+            <a:schemeClr val="accent1"/>
+          </a:fillRef>
+          <a:effectRef idx="0">
+            <a:schemeClr val="accent1"/>
+          </a:effectRef>
+          <a:fontRef idx="minor">
+            <a:schemeClr val="lt1"/>
+          </a:fontRef>
+        </p:style>
+        <p:txBody>
+          <a:bodyPr rtlCol="0" anchor="ctr"/>
+          <a:lstStyle/>
+          <a:p>
+            <a:pPr algn="ctr"/>
+            <a:endParaRPr lang="en-US"/>
+          </a:p>
+        </p:txBody>
+      </p:sp>
+      <p:sp>
+        <p:nvSpPr>
+          <p:cNvPr id="181" name="Oval 180">
+            <a:extLst>
+              <a:ext uri="{FF2B5EF4-FFF2-40B4-BE49-F238E27FC236}">
+                <a16:creationId xmlns:a16="http://schemas.microsoft.com/office/drawing/2014/main" id="{878B89FE-6F6D-4118-BD6C-DD0031DA25CA}"/>
+              </a:ext>
+            </a:extLst>
+          </p:cNvPr>
+          <p:cNvSpPr/>
+          <p:nvPr/>
+        </p:nvSpPr>
+        <p:spPr>
+          <a:xfrm>
+            <a:off x="4890863" y="1838280"/>
+            <a:ext cx="73858" cy="73858"/>
+          </a:xfrm>
+          <a:prstGeom prst="ellipse">
+            <a:avLst/>
+          </a:prstGeom>
+          <a:solidFill>
+            <a:srgbClr val="C00000"/>
+          </a:solidFill>
+          <a:ln>
+            <a:noFill/>
+          </a:ln>
+        </p:spPr>
+        <p:style>
+          <a:lnRef idx="2">
+            <a:schemeClr val="accent1">
+              <a:shade val="50000"/>
+            </a:schemeClr>
+          </a:lnRef>
+          <a:fillRef idx="1">
+            <a:schemeClr val="accent1"/>
+          </a:fillRef>
+          <a:effectRef idx="0">
+            <a:schemeClr val="accent1"/>
+          </a:effectRef>
+          <a:fontRef idx="minor">
+            <a:schemeClr val="lt1"/>
+          </a:fontRef>
+        </p:style>
+        <p:txBody>
+          <a:bodyPr rtlCol="0" anchor="ctr"/>
+          <a:lstStyle/>
+          <a:p>
+            <a:pPr algn="ctr"/>
+            <a:endParaRPr lang="en-US"/>
+          </a:p>
+        </p:txBody>
+      </p:sp>
+      <p:pic>
+        <p:nvPicPr>
+          <p:cNvPr id="183" name="Picture 182">
+            <a:extLst>
+              <a:ext uri="{FF2B5EF4-FFF2-40B4-BE49-F238E27FC236}">
+                <a16:creationId xmlns:a16="http://schemas.microsoft.com/office/drawing/2014/main" id="{E284B791-AC58-4309-94E7-0328E2BC1EDB}"/>
+              </a:ext>
+            </a:extLst>
+          </p:cNvPr>
+          <p:cNvPicPr>
+            <a:picLocks noChangeAspect="1"/>
+          </p:cNvPicPr>
+          <p:nvPr/>
+        </p:nvPicPr>
+        <p:blipFill rotWithShape="1">
+          <a:blip r:embed="rId2">
+            <a:extLst>
+              <a:ext uri="{28A0092B-C50C-407E-A947-70E740481C1C}">
+                <a14:useLocalDpi xmlns:a14="http://schemas.microsoft.com/office/drawing/2010/main" val="0"/>
+              </a:ext>
+            </a:extLst>
+          </a:blip>
+          <a:srcRect l="24931" r="59368" b="33060"/>
+          <a:stretch/>
+        </p:blipFill>
+        <p:spPr>
+          <a:xfrm>
+            <a:off x="5195936" y="2795032"/>
+            <a:ext cx="235963" cy="603630"/>
+          </a:xfrm>
+          <a:prstGeom prst="rect">
+            <a:avLst/>
+          </a:prstGeom>
+        </p:spPr>
+      </p:pic>
+      <p:sp>
+        <p:nvSpPr>
+          <p:cNvPr id="184" name="Freeform: Shape 183">
+            <a:extLst>
+              <a:ext uri="{FF2B5EF4-FFF2-40B4-BE49-F238E27FC236}">
+                <a16:creationId xmlns:a16="http://schemas.microsoft.com/office/drawing/2014/main" id="{1C5D077E-1094-485C-9605-73685013B334}"/>
+              </a:ext>
+            </a:extLst>
+          </p:cNvPr>
+          <p:cNvSpPr/>
+          <p:nvPr/>
+        </p:nvSpPr>
+        <p:spPr>
+          <a:xfrm>
+            <a:off x="4746967" y="1724243"/>
+            <a:ext cx="806416" cy="1504366"/>
+          </a:xfrm>
+          <a:custGeom>
+            <a:avLst/>
+            <a:gdLst>
+              <a:gd name="connsiteX0" fmla="*/ 815926 w 815926"/>
+              <a:gd name="connsiteY0" fmla="*/ 220394 h 220394"/>
+              <a:gd name="connsiteX1" fmla="*/ 506437 w 815926"/>
+              <a:gd name="connsiteY1" fmla="*/ 75027 h 220394"/>
+              <a:gd name="connsiteX2" fmla="*/ 131299 w 815926"/>
+              <a:gd name="connsiteY2" fmla="*/ 37514 h 220394"/>
+              <a:gd name="connsiteX3" fmla="*/ 0 w 815926"/>
+              <a:gd name="connsiteY3" fmla="*/ 0 h 220394"/>
+              <a:gd name="connsiteX0" fmla="*/ 815926 w 815926"/>
+              <a:gd name="connsiteY0" fmla="*/ 220394 h 220394"/>
+              <a:gd name="connsiteX1" fmla="*/ 506437 w 815926"/>
+              <a:gd name="connsiteY1" fmla="*/ 75027 h 220394"/>
+              <a:gd name="connsiteX2" fmla="*/ 236572 w 815926"/>
+              <a:gd name="connsiteY2" fmla="*/ 27200 h 220394"/>
+              <a:gd name="connsiteX3" fmla="*/ 0 w 815926"/>
+              <a:gd name="connsiteY3" fmla="*/ 0 h 220394"/>
+              <a:gd name="connsiteX0" fmla="*/ 815926 w 815926"/>
+              <a:gd name="connsiteY0" fmla="*/ 220394 h 220394"/>
+              <a:gd name="connsiteX1" fmla="*/ 473767 w 815926"/>
+              <a:gd name="connsiteY1" fmla="*/ 78895 h 220394"/>
+              <a:gd name="connsiteX2" fmla="*/ 236572 w 815926"/>
+              <a:gd name="connsiteY2" fmla="*/ 27200 h 220394"/>
+              <a:gd name="connsiteX3" fmla="*/ 0 w 815926"/>
+              <a:gd name="connsiteY3" fmla="*/ 0 h 220394"/>
+              <a:gd name="connsiteX0" fmla="*/ 815926 w 815926"/>
+              <a:gd name="connsiteY0" fmla="*/ 220394 h 220394"/>
+              <a:gd name="connsiteX1" fmla="*/ 473767 w 815926"/>
+              <a:gd name="connsiteY1" fmla="*/ 78895 h 220394"/>
+              <a:gd name="connsiteX2" fmla="*/ 225681 w 815926"/>
+              <a:gd name="connsiteY2" fmla="*/ 27200 h 220394"/>
+              <a:gd name="connsiteX3" fmla="*/ 0 w 815926"/>
+              <a:gd name="connsiteY3" fmla="*/ 0 h 220394"/>
+              <a:gd name="connsiteX0" fmla="*/ 815926 w 815926"/>
+              <a:gd name="connsiteY0" fmla="*/ 220394 h 220394"/>
+              <a:gd name="connsiteX1" fmla="*/ 451987 w 815926"/>
+              <a:gd name="connsiteY1" fmla="*/ 80829 h 220394"/>
+              <a:gd name="connsiteX2" fmla="*/ 225681 w 815926"/>
+              <a:gd name="connsiteY2" fmla="*/ 27200 h 220394"/>
+              <a:gd name="connsiteX3" fmla="*/ 0 w 815926"/>
+              <a:gd name="connsiteY3" fmla="*/ 0 h 220394"/>
+              <a:gd name="connsiteX0" fmla="*/ 815926 w 815926"/>
+              <a:gd name="connsiteY0" fmla="*/ 220394 h 220394"/>
+              <a:gd name="connsiteX1" fmla="*/ 451987 w 815926"/>
+              <a:gd name="connsiteY1" fmla="*/ 80829 h 220394"/>
+              <a:gd name="connsiteX2" fmla="*/ 225681 w 815926"/>
+              <a:gd name="connsiteY2" fmla="*/ 27200 h 220394"/>
+              <a:gd name="connsiteX3" fmla="*/ 0 w 815926"/>
+              <a:gd name="connsiteY3" fmla="*/ 0 h 220394"/>
+              <a:gd name="connsiteX0" fmla="*/ 815926 w 815926"/>
+              <a:gd name="connsiteY0" fmla="*/ 220394 h 220394"/>
+              <a:gd name="connsiteX1" fmla="*/ 574121 w 815926"/>
+              <a:gd name="connsiteY1" fmla="*/ 80212 h 220394"/>
+              <a:gd name="connsiteX2" fmla="*/ 225681 w 815926"/>
+              <a:gd name="connsiteY2" fmla="*/ 27200 h 220394"/>
+              <a:gd name="connsiteX3" fmla="*/ 0 w 815926"/>
+              <a:gd name="connsiteY3" fmla="*/ 0 h 220394"/>
+              <a:gd name="connsiteX0" fmla="*/ 815926 w 815926"/>
+              <a:gd name="connsiteY0" fmla="*/ 220394 h 220394"/>
+              <a:gd name="connsiteX1" fmla="*/ 480486 w 815926"/>
+              <a:gd name="connsiteY1" fmla="*/ 85145 h 220394"/>
+              <a:gd name="connsiteX2" fmla="*/ 225681 w 815926"/>
+              <a:gd name="connsiteY2" fmla="*/ 27200 h 220394"/>
+              <a:gd name="connsiteX3" fmla="*/ 0 w 815926"/>
+              <a:gd name="connsiteY3" fmla="*/ 0 h 220394"/>
+              <a:gd name="connsiteX0" fmla="*/ 815926 w 815926"/>
+              <a:gd name="connsiteY0" fmla="*/ 220394 h 220394"/>
+              <a:gd name="connsiteX1" fmla="*/ 480486 w 815926"/>
+              <a:gd name="connsiteY1" fmla="*/ 85145 h 220394"/>
+              <a:gd name="connsiteX2" fmla="*/ 201254 w 815926"/>
+              <a:gd name="connsiteY2" fmla="*/ 29050 h 220394"/>
+              <a:gd name="connsiteX3" fmla="*/ 0 w 815926"/>
+              <a:gd name="connsiteY3" fmla="*/ 0 h 220394"/>
+              <a:gd name="connsiteX0" fmla="*/ 815926 w 815926"/>
+              <a:gd name="connsiteY0" fmla="*/ 220394 h 220394"/>
+              <a:gd name="connsiteX1" fmla="*/ 480486 w 815926"/>
+              <a:gd name="connsiteY1" fmla="*/ 85145 h 220394"/>
+              <a:gd name="connsiteX2" fmla="*/ 201254 w 815926"/>
+              <a:gd name="connsiteY2" fmla="*/ 29050 h 220394"/>
+              <a:gd name="connsiteX3" fmla="*/ 0 w 815926"/>
+              <a:gd name="connsiteY3" fmla="*/ 0 h 220394"/>
+              <a:gd name="connsiteX0" fmla="*/ 815926 w 815926"/>
+              <a:gd name="connsiteY0" fmla="*/ 220394 h 220394"/>
+              <a:gd name="connsiteX1" fmla="*/ 480486 w 815926"/>
+              <a:gd name="connsiteY1" fmla="*/ 85145 h 220394"/>
+              <a:gd name="connsiteX2" fmla="*/ 201254 w 815926"/>
+              <a:gd name="connsiteY2" fmla="*/ 29050 h 220394"/>
+              <a:gd name="connsiteX3" fmla="*/ 0 w 815926"/>
+              <a:gd name="connsiteY3" fmla="*/ 0 h 220394"/>
+              <a:gd name="connsiteX0" fmla="*/ 815926 w 815926"/>
+              <a:gd name="connsiteY0" fmla="*/ 220394 h 220394"/>
+              <a:gd name="connsiteX1" fmla="*/ 590406 w 815926"/>
+              <a:gd name="connsiteY1" fmla="*/ 75896 h 220394"/>
+              <a:gd name="connsiteX2" fmla="*/ 201254 w 815926"/>
+              <a:gd name="connsiteY2" fmla="*/ 29050 h 220394"/>
+              <a:gd name="connsiteX3" fmla="*/ 0 w 815926"/>
+              <a:gd name="connsiteY3" fmla="*/ 0 h 220394"/>
+              <a:gd name="connsiteX0" fmla="*/ 815926 w 815926"/>
+              <a:gd name="connsiteY0" fmla="*/ 220394 h 220394"/>
+              <a:gd name="connsiteX1" fmla="*/ 590406 w 815926"/>
+              <a:gd name="connsiteY1" fmla="*/ 75896 h 220394"/>
+              <a:gd name="connsiteX2" fmla="*/ 290818 w 815926"/>
+              <a:gd name="connsiteY2" fmla="*/ 21034 h 220394"/>
+              <a:gd name="connsiteX3" fmla="*/ 0 w 815926"/>
+              <a:gd name="connsiteY3" fmla="*/ 0 h 220394"/>
+              <a:gd name="connsiteX0" fmla="*/ 815926 w 815926"/>
+              <a:gd name="connsiteY0" fmla="*/ 220394 h 220394"/>
+              <a:gd name="connsiteX1" fmla="*/ 590406 w 815926"/>
+              <a:gd name="connsiteY1" fmla="*/ 75896 h 220394"/>
+              <a:gd name="connsiteX2" fmla="*/ 290818 w 815926"/>
+              <a:gd name="connsiteY2" fmla="*/ 21034 h 220394"/>
+              <a:gd name="connsiteX3" fmla="*/ 0 w 815926"/>
+              <a:gd name="connsiteY3" fmla="*/ 0 h 220394"/>
+              <a:gd name="connsiteX0" fmla="*/ 815926 w 815926"/>
+              <a:gd name="connsiteY0" fmla="*/ 220394 h 220394"/>
+              <a:gd name="connsiteX1" fmla="*/ 627045 w 815926"/>
+              <a:gd name="connsiteY1" fmla="*/ 75896 h 220394"/>
+              <a:gd name="connsiteX2" fmla="*/ 290818 w 815926"/>
+              <a:gd name="connsiteY2" fmla="*/ 21034 h 220394"/>
+              <a:gd name="connsiteX3" fmla="*/ 0 w 815926"/>
+              <a:gd name="connsiteY3" fmla="*/ 0 h 220394"/>
+            </a:gdLst>
+            <a:ahLst/>
+            <a:cxnLst>
+              <a:cxn ang="0">
+                <a:pos x="connsiteX0" y="connsiteY0"/>
+              </a:cxn>
+              <a:cxn ang="0">
+                <a:pos x="connsiteX1" y="connsiteY1"/>
+              </a:cxn>
+              <a:cxn ang="0">
+                <a:pos x="connsiteX2" y="connsiteY2"/>
+              </a:cxn>
+              <a:cxn ang="0">
+                <a:pos x="connsiteX3" y="connsiteY3"/>
+              </a:cxn>
+            </a:cxnLst>
+            <a:rect l="l" t="t" r="r" b="b"/>
+            <a:pathLst>
+              <a:path w="815926" h="220394">
+                <a:moveTo>
+                  <a:pt x="815926" y="220394"/>
+                </a:moveTo>
+                <a:cubicBezTo>
+                  <a:pt x="718233" y="162950"/>
+                  <a:pt x="714563" y="109123"/>
+                  <a:pt x="627045" y="75896"/>
+                </a:cubicBezTo>
+                <a:cubicBezTo>
+                  <a:pt x="539527" y="42669"/>
+                  <a:pt x="395325" y="33683"/>
+                  <a:pt x="290818" y="21034"/>
+                </a:cubicBezTo>
+                <a:cubicBezTo>
+                  <a:pt x="186311" y="8385"/>
+                  <a:pt x="23446" y="12505"/>
+                  <a:pt x="0" y="0"/>
+                </a:cubicBezTo>
+              </a:path>
+            </a:pathLst>
+          </a:custGeom>
+          <a:noFill/>
+          <a:ln>
+            <a:gradFill>
+              <a:gsLst>
+                <a:gs pos="0">
+                  <a:schemeClr val="tx1">
+                    <a:lumMod val="50000"/>
+                    <a:lumOff val="50000"/>
+                  </a:schemeClr>
+                </a:gs>
+                <a:gs pos="57000">
+                  <a:schemeClr val="bg1">
+                    <a:lumMod val="75000"/>
+                  </a:schemeClr>
+                </a:gs>
+                <a:gs pos="100000">
+                  <a:schemeClr val="bg1">
+                    <a:lumMod val="95000"/>
+                  </a:schemeClr>
+                </a:gs>
+              </a:gsLst>
+              <a:lin ang="5400000" scaled="1"/>
+            </a:gradFill>
+            <a:tailEnd type="triangle"/>
+          </a:ln>
+        </p:spPr>
+        <p:style>
+          <a:lnRef idx="2">
+            <a:schemeClr val="accent1">
+              <a:shade val="50000"/>
+            </a:schemeClr>
+          </a:lnRef>
+          <a:fillRef idx="1">
+            <a:schemeClr val="accent1"/>
+          </a:fillRef>
+          <a:effectRef idx="0">
+            <a:schemeClr val="accent1"/>
+          </a:effectRef>
+          <a:fontRef idx="minor">
+            <a:schemeClr val="lt1"/>
+          </a:fontRef>
+        </p:style>
+        <p:txBody>
+          <a:bodyPr rtlCol="0" anchor="ctr"/>
+          <a:lstStyle/>
+          <a:p>
+            <a:pPr algn="ctr"/>
+            <a:endParaRPr lang="en-US"/>
+          </a:p>
+        </p:txBody>
+      </p:sp>
+      <p:grpSp>
+        <p:nvGrpSpPr>
+          <p:cNvPr id="185" name="Group 184">
+            <a:extLst>
+              <a:ext uri="{FF2B5EF4-FFF2-40B4-BE49-F238E27FC236}">
+                <a16:creationId xmlns:a16="http://schemas.microsoft.com/office/drawing/2014/main" id="{560C9A80-3A5C-4D33-A003-20DE7C1D6695}"/>
+              </a:ext>
+            </a:extLst>
+          </p:cNvPr>
+          <p:cNvGrpSpPr/>
+          <p:nvPr/>
+        </p:nvGrpSpPr>
+        <p:grpSpPr>
+          <a:xfrm>
+            <a:off x="4891160" y="1653029"/>
+            <a:ext cx="723066" cy="1657075"/>
+            <a:chOff x="4891160" y="1985182"/>
+            <a:chExt cx="723066" cy="1657075"/>
+          </a:xfrm>
+        </p:grpSpPr>
+        <p:sp>
+          <p:nvSpPr>
+            <p:cNvPr id="175" name="Oval 174">
+              <a:extLst>
+                <a:ext uri="{FF2B5EF4-FFF2-40B4-BE49-F238E27FC236}">
+                  <a16:creationId xmlns:a16="http://schemas.microsoft.com/office/drawing/2014/main" id="{7296A4BD-010F-47C0-9131-E4D73F94312E}"/>
+                </a:ext>
+              </a:extLst>
+            </p:cNvPr>
+            <p:cNvSpPr/>
+            <p:nvPr/>
+          </p:nvSpPr>
+          <p:spPr>
+            <a:xfrm>
+              <a:off x="5540368" y="3568399"/>
+              <a:ext cx="73858" cy="73858"/>
+            </a:xfrm>
+            <a:prstGeom prst="ellipse">
+              <a:avLst/>
+            </a:prstGeom>
+            <a:solidFill>
+              <a:srgbClr val="E8C6C6"/>
+            </a:solidFill>
+            <a:ln>
+              <a:noFill/>
+            </a:ln>
+          </p:spPr>
+          <p:style>
+            <a:lnRef idx="2">
+              <a:schemeClr val="accent1">
+                <a:shade val="50000"/>
+              </a:schemeClr>
+            </a:lnRef>
+            <a:fillRef idx="1">
+              <a:schemeClr val="accent1"/>
+            </a:fillRef>
+            <a:effectRef idx="0">
+              <a:schemeClr val="accent1"/>
+            </a:effectRef>
+            <a:fontRef idx="minor">
+              <a:schemeClr val="lt1"/>
+            </a:fontRef>
+          </p:style>
+          <p:txBody>
+            <a:bodyPr rtlCol="0" anchor="ctr"/>
+            <a:lstStyle/>
+            <a:p>
+              <a:pPr algn="ctr"/>
+              <a:endParaRPr lang="en-US"/>
+            </a:p>
+          </p:txBody>
+        </p:sp>
+        <p:sp>
+          <p:nvSpPr>
+            <p:cNvPr id="176" name="Oval 175">
+              <a:extLst>
+                <a:ext uri="{FF2B5EF4-FFF2-40B4-BE49-F238E27FC236}">
+                  <a16:creationId xmlns:a16="http://schemas.microsoft.com/office/drawing/2014/main" id="{23CC9D9C-142E-4303-9544-6EE10F19BDD5}"/>
+                </a:ext>
+              </a:extLst>
+            </p:cNvPr>
+            <p:cNvSpPr/>
+            <p:nvPr/>
+          </p:nvSpPr>
+          <p:spPr>
+            <a:xfrm>
+              <a:off x="5415321" y="3021624"/>
+              <a:ext cx="73858" cy="73858"/>
+            </a:xfrm>
+            <a:prstGeom prst="ellipse">
+              <a:avLst/>
+            </a:prstGeom>
+            <a:solidFill>
+              <a:srgbClr val="E38989"/>
+            </a:solidFill>
+            <a:ln>
+              <a:noFill/>
+            </a:ln>
+          </p:spPr>
+          <p:style>
+            <a:lnRef idx="2">
+              <a:schemeClr val="accent1">
+                <a:shade val="50000"/>
+              </a:schemeClr>
+            </a:lnRef>
+            <a:fillRef idx="1">
+              <a:schemeClr val="accent1"/>
+            </a:fillRef>
+            <a:effectRef idx="0">
+              <a:schemeClr val="accent1"/>
+            </a:effectRef>
+            <a:fontRef idx="minor">
+              <a:schemeClr val="lt1"/>
+            </a:fontRef>
+          </p:style>
+          <p:txBody>
+            <a:bodyPr rtlCol="0" anchor="ctr"/>
+            <a:lstStyle/>
+            <a:p>
+              <a:pPr algn="ctr"/>
+              <a:endParaRPr lang="en-US"/>
+            </a:p>
+          </p:txBody>
+        </p:sp>
+        <p:sp>
+          <p:nvSpPr>
+            <p:cNvPr id="177" name="Oval 176">
+              <a:extLst>
+                <a:ext uri="{FF2B5EF4-FFF2-40B4-BE49-F238E27FC236}">
+                  <a16:creationId xmlns:a16="http://schemas.microsoft.com/office/drawing/2014/main" id="{CFF3811B-CFAF-4C70-BF2F-56DBE5966766}"/>
+                </a:ext>
+              </a:extLst>
+            </p:cNvPr>
+            <p:cNvSpPr/>
+            <p:nvPr/>
+          </p:nvSpPr>
+          <p:spPr>
+            <a:xfrm>
+              <a:off x="5222602" y="2500470"/>
+              <a:ext cx="73858" cy="73858"/>
+            </a:xfrm>
+            <a:prstGeom prst="ellipse">
+              <a:avLst/>
+            </a:prstGeom>
+            <a:solidFill>
+              <a:srgbClr val="D14747"/>
+            </a:solidFill>
+            <a:ln>
+              <a:noFill/>
+            </a:ln>
+          </p:spPr>
+          <p:style>
+            <a:lnRef idx="2">
+              <a:schemeClr val="accent1">
+                <a:shade val="50000"/>
+              </a:schemeClr>
+            </a:lnRef>
+            <a:fillRef idx="1">
+              <a:schemeClr val="accent1"/>
+            </a:fillRef>
+            <a:effectRef idx="0">
+              <a:schemeClr val="accent1"/>
+            </a:effectRef>
+            <a:fontRef idx="minor">
+              <a:schemeClr val="lt1"/>
+            </a:fontRef>
+          </p:style>
+          <p:txBody>
+            <a:bodyPr rtlCol="0" anchor="ctr"/>
+            <a:lstStyle/>
+            <a:p>
+              <a:pPr algn="ctr"/>
+              <a:endParaRPr lang="en-US"/>
+            </a:p>
+          </p:txBody>
+        </p:sp>
+        <p:sp>
+          <p:nvSpPr>
+            <p:cNvPr id="182" name="TextBox 181">
+              <a:extLst>
+                <a:ext uri="{FF2B5EF4-FFF2-40B4-BE49-F238E27FC236}">
+                  <a16:creationId xmlns:a16="http://schemas.microsoft.com/office/drawing/2014/main" id="{D02C29CC-E49B-4B9E-B6AC-F0E7C030E5B1}"/>
+                </a:ext>
+              </a:extLst>
+            </p:cNvPr>
+            <p:cNvSpPr txBox="1"/>
+            <p:nvPr/>
+          </p:nvSpPr>
+          <p:spPr>
+            <a:xfrm>
+              <a:off x="4891160" y="1985182"/>
+              <a:ext cx="128634" cy="276999"/>
+            </a:xfrm>
+            <a:prstGeom prst="rect">
+              <a:avLst/>
+            </a:prstGeom>
+            <a:noFill/>
+          </p:spPr>
+          <p:txBody>
+            <a:bodyPr wrap="square" rtlCol="0">
+              <a:spAutoFit/>
+            </a:bodyPr>
+            <a:lstStyle/>
+            <a:p>
+              <a:r>
+                <a:rPr lang="en-US" sz="1200"/>
+                <a:t>4</a:t>
+              </a:r>
+            </a:p>
+          </p:txBody>
+        </p:sp>
+      </p:grpSp>
+      <p:sp>
+        <p:nvSpPr>
+          <p:cNvPr id="186" name="TextBox 185">
+            <a:extLst>
+              <a:ext uri="{FF2B5EF4-FFF2-40B4-BE49-F238E27FC236}">
+                <a16:creationId xmlns:a16="http://schemas.microsoft.com/office/drawing/2014/main" id="{98D3B39C-7E18-460C-B3BA-B655F998AFEC}"/>
+              </a:ext>
+            </a:extLst>
+          </p:cNvPr>
+          <p:cNvSpPr txBox="1"/>
+          <p:nvPr/>
+        </p:nvSpPr>
+        <p:spPr>
+          <a:xfrm>
+            <a:off x="1646720" y="4760116"/>
+            <a:ext cx="369253" cy="276999"/>
+          </a:xfrm>
+          <a:prstGeom prst="rect">
+            <a:avLst/>
+          </a:prstGeom>
+          <a:noFill/>
+        </p:spPr>
+        <p:txBody>
+          <a:bodyPr wrap="square" rtlCol="0">
+            <a:spAutoFit/>
+          </a:bodyPr>
+          <a:lstStyle/>
+          <a:p>
+            <a:r>
+              <a:rPr lang="en-US" sz="1200">
+                <a:latin typeface="Times New Roman" panose="02020603050405020304" pitchFamily="18" charset="0"/>
+                <a:cs typeface="Times New Roman" panose="02020603050405020304" pitchFamily="18" charset="0"/>
+              </a:rPr>
+              <a:t>(a)</a:t>
+            </a:r>
+          </a:p>
+        </p:txBody>
+      </p:sp>
+      <p:sp>
+        <p:nvSpPr>
+          <p:cNvPr id="187" name="TextBox 186">
+            <a:extLst>
+              <a:ext uri="{FF2B5EF4-FFF2-40B4-BE49-F238E27FC236}">
+                <a16:creationId xmlns:a16="http://schemas.microsoft.com/office/drawing/2014/main" id="{8210DAA4-6465-411A-97DB-6925A4AA865F}"/>
+              </a:ext>
+            </a:extLst>
+          </p:cNvPr>
+          <p:cNvSpPr txBox="1"/>
+          <p:nvPr/>
+        </p:nvSpPr>
+        <p:spPr>
+          <a:xfrm>
+            <a:off x="3432964" y="4756109"/>
+            <a:ext cx="369253" cy="276999"/>
+          </a:xfrm>
+          <a:prstGeom prst="rect">
+            <a:avLst/>
+          </a:prstGeom>
+          <a:noFill/>
+        </p:spPr>
+        <p:txBody>
+          <a:bodyPr wrap="square" rtlCol="0">
+            <a:spAutoFit/>
+          </a:bodyPr>
+          <a:lstStyle/>
+          <a:p>
+            <a:r>
+              <a:rPr lang="en-US" sz="1200">
+                <a:latin typeface="Times New Roman" panose="02020603050405020304" pitchFamily="18" charset="0"/>
+                <a:cs typeface="Times New Roman" panose="02020603050405020304" pitchFamily="18" charset="0"/>
+              </a:rPr>
+              <a:t>(b)</a:t>
+            </a:r>
+          </a:p>
+        </p:txBody>
+      </p:sp>
+      <p:sp>
+        <p:nvSpPr>
+          <p:cNvPr id="188" name="TextBox 187">
+            <a:extLst>
+              <a:ext uri="{FF2B5EF4-FFF2-40B4-BE49-F238E27FC236}">
+                <a16:creationId xmlns:a16="http://schemas.microsoft.com/office/drawing/2014/main" id="{DC1FCCE7-016E-48B2-815F-69888CFBC3AD}"/>
+              </a:ext>
+            </a:extLst>
+          </p:cNvPr>
+          <p:cNvSpPr txBox="1"/>
+          <p:nvPr/>
+        </p:nvSpPr>
+        <p:spPr>
+          <a:xfrm>
+            <a:off x="5295845" y="4765680"/>
+            <a:ext cx="369253" cy="276999"/>
+          </a:xfrm>
+          <a:prstGeom prst="rect">
+            <a:avLst/>
+          </a:prstGeom>
+          <a:noFill/>
+        </p:spPr>
+        <p:txBody>
+          <a:bodyPr wrap="square" rtlCol="0">
+            <a:spAutoFit/>
+          </a:bodyPr>
+          <a:lstStyle/>
+          <a:p>
+            <a:r>
+              <a:rPr lang="en-US" sz="1200">
+                <a:latin typeface="Times New Roman" panose="02020603050405020304" pitchFamily="18" charset="0"/>
+                <a:cs typeface="Times New Roman" panose="02020603050405020304" pitchFamily="18" charset="0"/>
+              </a:rPr>
+              <a:t>(c)</a:t>
+            </a:r>
+          </a:p>
+        </p:txBody>
+      </p:sp>
+      <p:sp>
+        <p:nvSpPr>
+          <p:cNvPr id="189" name="TextBox 188">
+            <a:extLst>
+              <a:ext uri="{FF2B5EF4-FFF2-40B4-BE49-F238E27FC236}">
+                <a16:creationId xmlns:a16="http://schemas.microsoft.com/office/drawing/2014/main" id="{A36F02B7-558C-451D-AD29-379DAF41BCA6}"/>
+              </a:ext>
+            </a:extLst>
+          </p:cNvPr>
+          <p:cNvSpPr txBox="1"/>
+          <p:nvPr/>
+        </p:nvSpPr>
+        <p:spPr>
+          <a:xfrm>
+            <a:off x="6935768" y="4755347"/>
+            <a:ext cx="369253" cy="276999"/>
+          </a:xfrm>
+          <a:prstGeom prst="rect">
+            <a:avLst/>
+          </a:prstGeom>
+          <a:noFill/>
+        </p:spPr>
+        <p:txBody>
+          <a:bodyPr wrap="square" rtlCol="0">
+            <a:spAutoFit/>
+          </a:bodyPr>
+          <a:lstStyle/>
+          <a:p>
+            <a:r>
+              <a:rPr lang="en-US" sz="1200">
+                <a:latin typeface="Times New Roman" panose="02020603050405020304" pitchFamily="18" charset="0"/>
+                <a:cs typeface="Times New Roman" panose="02020603050405020304" pitchFamily="18" charset="0"/>
+              </a:rPr>
+              <a:t>(d)</a:t>
+            </a:r>
+          </a:p>
+        </p:txBody>
+      </p:sp>
+    </p:spTree>
+    <p:extLst>
+      <p:ext uri="{BB962C8B-B14F-4D97-AF65-F5344CB8AC3E}">
+        <p14:creationId xmlns:p14="http://schemas.microsoft.com/office/powerpoint/2010/main" val="4267674635"/>
+      </p:ext>
+    </p:extLst>
+  </p:cSld>
+  <p:clrMapOvr>
+    <a:masterClrMapping/>
+  </p:clrMapOvr>
+</p:sld>
+</file>
+
+<file path=ppt/slides/slide6.xml><?xml version="1.0" encoding="utf-8"?>
+<p:sld xmlns:a="http://schemas.openxmlformats.org/drawingml/2006/main" xmlns:r="http://schemas.openxmlformats.org/officeDocument/2006/relationships" xmlns:p="http://schemas.openxmlformats.org/presentationml/2006/main">
+  <p:cSld>
+    <p:spTree>
+      <p:nvGrpSpPr>
+        <p:cNvPr id="1" name=""/>
+        <p:cNvGrpSpPr/>
+        <p:nvPr/>
+      </p:nvGrpSpPr>
+      <p:grpSpPr>
+        <a:xfrm>
+          <a:off x="0" y="0"/>
+          <a:ext cx="0" cy="0"/>
+          <a:chOff x="0" y="0"/>
+          <a:chExt cx="0" cy="0"/>
+        </a:xfrm>
+      </p:grpSpPr>
+      <p:sp>
+        <p:nvSpPr>
+          <p:cNvPr id="2" name="Title 1">
+            <a:extLst>
+              <a:ext uri="{FF2B5EF4-FFF2-40B4-BE49-F238E27FC236}">
+                <a16:creationId xmlns:a16="http://schemas.microsoft.com/office/drawing/2014/main" id="{AC9FB775-79B0-47AE-B6C5-0D0CA8C4062D}"/>
+              </a:ext>
+            </a:extLst>
+          </p:cNvPr>
+          <p:cNvSpPr>
+            <a:spLocks noGrp="1"/>
+          </p:cNvSpPr>
+          <p:nvPr>
+            <p:ph type="title"/>
+          </p:nvPr>
+        </p:nvSpPr>
+        <p:spPr/>
+        <p:txBody>
+          <a:bodyPr/>
+          <a:lstStyle/>
+          <a:p>
+            <a:endParaRPr lang="en-US"/>
+          </a:p>
+        </p:txBody>
+      </p:sp>
+      <p:sp>
+        <p:nvSpPr>
+          <p:cNvPr id="3" name="Content Placeholder 2">
+            <a:extLst>
+              <a:ext uri="{FF2B5EF4-FFF2-40B4-BE49-F238E27FC236}">
+                <a16:creationId xmlns:a16="http://schemas.microsoft.com/office/drawing/2014/main" id="{D518BD2F-3BA2-4B63-B0DF-81993CCB86EA}"/>
+              </a:ext>
+            </a:extLst>
+          </p:cNvPr>
+          <p:cNvSpPr>
+            <a:spLocks noGrp="1"/>
+          </p:cNvSpPr>
+          <p:nvPr>
+            <p:ph idx="1"/>
+          </p:nvPr>
+        </p:nvSpPr>
+        <p:spPr/>
+        <p:txBody>
+          <a:bodyPr/>
+          <a:lstStyle/>
+          <a:p>
+            <a:endParaRPr lang="en-US"/>
+          </a:p>
+        </p:txBody>
+      </p:sp>
+    </p:spTree>
+    <p:extLst>
+      <p:ext uri="{BB962C8B-B14F-4D97-AF65-F5344CB8AC3E}">
+        <p14:creationId xmlns:p14="http://schemas.microsoft.com/office/powerpoint/2010/main" val="1773969760"/>
       </p:ext>
     </p:extLst>
   </p:cSld>

--- a/docs/NavPath.pptx
+++ b/docs/NavPath.pptx
@@ -271,7 +271,7 @@
           <a:p>
             <a:fld id="{703F9F46-E76C-4ADE-B0B1-1D536710AC72}" type="datetimeFigureOut">
               <a:rPr lang="en-US" smtClean="0"/>
-              <a:t>9/8/2023</a:t>
+              <a:t>3/1/2024</a:t>
             </a:fld>
             <a:endParaRPr lang="en-US"/>
           </a:p>
@@ -469,7 +469,7 @@
           <a:p>
             <a:fld id="{703F9F46-E76C-4ADE-B0B1-1D536710AC72}" type="datetimeFigureOut">
               <a:rPr lang="en-US" smtClean="0"/>
-              <a:t>9/8/2023</a:t>
+              <a:t>3/1/2024</a:t>
             </a:fld>
             <a:endParaRPr lang="en-US"/>
           </a:p>
@@ -677,7 +677,7 @@
           <a:p>
             <a:fld id="{703F9F46-E76C-4ADE-B0B1-1D536710AC72}" type="datetimeFigureOut">
               <a:rPr lang="en-US" smtClean="0"/>
-              <a:t>9/8/2023</a:t>
+              <a:t>3/1/2024</a:t>
             </a:fld>
             <a:endParaRPr lang="en-US"/>
           </a:p>
@@ -875,7 +875,7 @@
           <a:p>
             <a:fld id="{703F9F46-E76C-4ADE-B0B1-1D536710AC72}" type="datetimeFigureOut">
               <a:rPr lang="en-US" smtClean="0"/>
-              <a:t>9/8/2023</a:t>
+              <a:t>3/1/2024</a:t>
             </a:fld>
             <a:endParaRPr lang="en-US"/>
           </a:p>
@@ -1150,7 +1150,7 @@
           <a:p>
             <a:fld id="{703F9F46-E76C-4ADE-B0B1-1D536710AC72}" type="datetimeFigureOut">
               <a:rPr lang="en-US" smtClean="0"/>
-              <a:t>9/8/2023</a:t>
+              <a:t>3/1/2024</a:t>
             </a:fld>
             <a:endParaRPr lang="en-US"/>
           </a:p>
@@ -1415,7 +1415,7 @@
           <a:p>
             <a:fld id="{703F9F46-E76C-4ADE-B0B1-1D536710AC72}" type="datetimeFigureOut">
               <a:rPr lang="en-US" smtClean="0"/>
-              <a:t>9/8/2023</a:t>
+              <a:t>3/1/2024</a:t>
             </a:fld>
             <a:endParaRPr lang="en-US"/>
           </a:p>
@@ -1827,7 +1827,7 @@
           <a:p>
             <a:fld id="{703F9F46-E76C-4ADE-B0B1-1D536710AC72}" type="datetimeFigureOut">
               <a:rPr lang="en-US" smtClean="0"/>
-              <a:t>9/8/2023</a:t>
+              <a:t>3/1/2024</a:t>
             </a:fld>
             <a:endParaRPr lang="en-US"/>
           </a:p>
@@ -1968,7 +1968,7 @@
           <a:p>
             <a:fld id="{703F9F46-E76C-4ADE-B0B1-1D536710AC72}" type="datetimeFigureOut">
               <a:rPr lang="en-US" smtClean="0"/>
-              <a:t>9/8/2023</a:t>
+              <a:t>3/1/2024</a:t>
             </a:fld>
             <a:endParaRPr lang="en-US"/>
           </a:p>
@@ -2081,7 +2081,7 @@
           <a:p>
             <a:fld id="{703F9F46-E76C-4ADE-B0B1-1D536710AC72}" type="datetimeFigureOut">
               <a:rPr lang="en-US" smtClean="0"/>
-              <a:t>9/8/2023</a:t>
+              <a:t>3/1/2024</a:t>
             </a:fld>
             <a:endParaRPr lang="en-US"/>
           </a:p>
@@ -2392,7 +2392,7 @@
           <a:p>
             <a:fld id="{703F9F46-E76C-4ADE-B0B1-1D536710AC72}" type="datetimeFigureOut">
               <a:rPr lang="en-US" smtClean="0"/>
-              <a:t>9/8/2023</a:t>
+              <a:t>3/1/2024</a:t>
             </a:fld>
             <a:endParaRPr lang="en-US"/>
           </a:p>
@@ -2680,7 +2680,7 @@
           <a:p>
             <a:fld id="{703F9F46-E76C-4ADE-B0B1-1D536710AC72}" type="datetimeFigureOut">
               <a:rPr lang="en-US" smtClean="0"/>
-              <a:t>9/8/2023</a:t>
+              <a:t>3/1/2024</a:t>
             </a:fld>
             <a:endParaRPr lang="en-US"/>
           </a:p>
@@ -2921,7 +2921,7 @@
           <a:p>
             <a:fld id="{703F9F46-E76C-4ADE-B0B1-1D536710AC72}" type="datetimeFigureOut">
               <a:rPr lang="en-US" smtClean="0"/>
-              <a:t>9/8/2023</a:t>
+              <a:t>3/1/2024</a:t>
             </a:fld>
             <a:endParaRPr lang="en-US"/>
           </a:p>
@@ -26715,6 +26715,12 @@
           </a:custGeom>
           <a:noFill/>
           <a:ln w="9525">
+            <a:solidFill>
+              <a:schemeClr val="accent1">
+                <a:lumMod val="60000"/>
+                <a:lumOff val="40000"/>
+              </a:schemeClr>
+            </a:solidFill>
             <a:prstDash val="dash"/>
           </a:ln>
         </p:spPr>
@@ -26813,6 +26819,12 @@
           </a:custGeom>
           <a:noFill/>
           <a:ln w="9525">
+            <a:solidFill>
+              <a:schemeClr val="accent1">
+                <a:lumMod val="60000"/>
+                <a:lumOff val="40000"/>
+              </a:schemeClr>
+            </a:solidFill>
             <a:prstDash val="dash"/>
           </a:ln>
         </p:spPr>
@@ -26911,6 +26923,12 @@
           </a:custGeom>
           <a:noFill/>
           <a:ln w="9525">
+            <a:solidFill>
+              <a:schemeClr val="accent1">
+                <a:lumMod val="60000"/>
+                <a:lumOff val="40000"/>
+              </a:schemeClr>
+            </a:solidFill>
             <a:prstDash val="dash"/>
           </a:ln>
         </p:spPr>
@@ -27009,6 +27027,12 @@
           </a:custGeom>
           <a:noFill/>
           <a:ln w="9525">
+            <a:solidFill>
+              <a:schemeClr val="accent1">
+                <a:lumMod val="60000"/>
+                <a:lumOff val="40000"/>
+              </a:schemeClr>
+            </a:solidFill>
             <a:prstDash val="dash"/>
           </a:ln>
         </p:spPr>
@@ -30048,7 +30072,15 @@
                   </a:schemeClr>
                 </a:solidFill>
               </a:rPr>
-              <a:t>Distance to Ego: d</a:t>
+              <a:t>Distance to Ego: </a:t>
+            </a:r>
+            <a:r>
+              <a:rPr lang="en-US" sz="1400" b="1">
+                <a:solidFill>
+                  <a:srgbClr val="FF0000"/>
+                </a:solidFill>
+              </a:rPr>
+              <a:t>d</a:t>
             </a:r>
           </a:p>
         </p:txBody>
@@ -30293,7 +30325,413 @@
                   <a:srgbClr val="FFFF00"/>
                 </a:highlight>
               </a:rPr>
-              <a:t>(-1, R, d)</a:t>
+              <a:t>(-1, R, </a:t>
+            </a:r>
+            <a:r>
+              <a:rPr lang="en-US" sz="1200" i="1">
+                <a:solidFill>
+                  <a:srgbClr val="FF0000"/>
+                </a:solidFill>
+                <a:highlight>
+                  <a:srgbClr val="FFFF00"/>
+                </a:highlight>
+              </a:rPr>
+              <a:t>d</a:t>
+            </a:r>
+            <a:r>
+              <a:rPr lang="en-US" sz="1200" i="1">
+                <a:solidFill>
+                  <a:schemeClr val="tx1">
+                    <a:lumMod val="75000"/>
+                    <a:lumOff val="25000"/>
+                  </a:schemeClr>
+                </a:solidFill>
+                <a:highlight>
+                  <a:srgbClr val="FFFF00"/>
+                </a:highlight>
+              </a:rPr>
+              <a:t>)</a:t>
+            </a:r>
+          </a:p>
+        </p:txBody>
+      </p:sp>
+      <p:grpSp>
+        <p:nvGrpSpPr>
+          <p:cNvPr id="71" name="Group 70">
+            <a:extLst>
+              <a:ext uri="{FF2B5EF4-FFF2-40B4-BE49-F238E27FC236}">
+                <a16:creationId xmlns:a16="http://schemas.microsoft.com/office/drawing/2014/main" id="{D442DBB7-BE72-4982-813C-43D29E1473E4}"/>
+              </a:ext>
+            </a:extLst>
+          </p:cNvPr>
+          <p:cNvGrpSpPr/>
+          <p:nvPr/>
+        </p:nvGrpSpPr>
+        <p:grpSpPr>
+          <a:xfrm>
+            <a:off x="7892350" y="2808769"/>
+            <a:ext cx="1264155" cy="238612"/>
+            <a:chOff x="4836445" y="2798129"/>
+            <a:chExt cx="1264155" cy="238612"/>
+          </a:xfrm>
+        </p:grpSpPr>
+        <p:sp>
+          <p:nvSpPr>
+            <p:cNvPr id="72" name="Oval 71">
+              <a:extLst>
+                <a:ext uri="{FF2B5EF4-FFF2-40B4-BE49-F238E27FC236}">
+                  <a16:creationId xmlns:a16="http://schemas.microsoft.com/office/drawing/2014/main" id="{987C5DAE-09CD-4858-989C-651A90C6CD49}"/>
+                </a:ext>
+              </a:extLst>
+            </p:cNvPr>
+            <p:cNvSpPr/>
+            <p:nvPr/>
+          </p:nvSpPr>
+          <p:spPr>
+            <a:xfrm>
+              <a:off x="4836445" y="2798129"/>
+              <a:ext cx="233356" cy="233356"/>
+            </a:xfrm>
+            <a:prstGeom prst="ellipse">
+              <a:avLst/>
+            </a:prstGeom>
+            <a:solidFill>
+              <a:schemeClr val="tx1">
+                <a:lumMod val="50000"/>
+                <a:lumOff val="50000"/>
+              </a:schemeClr>
+            </a:solidFill>
+            <a:ln>
+              <a:noFill/>
+            </a:ln>
+          </p:spPr>
+          <p:style>
+            <a:lnRef idx="2">
+              <a:schemeClr val="accent1">
+                <a:shade val="50000"/>
+              </a:schemeClr>
+            </a:lnRef>
+            <a:fillRef idx="1">
+              <a:schemeClr val="accent1"/>
+            </a:fillRef>
+            <a:effectRef idx="0">
+              <a:schemeClr val="accent1"/>
+            </a:effectRef>
+            <a:fontRef idx="minor">
+              <a:schemeClr val="lt1"/>
+            </a:fontRef>
+          </p:style>
+          <p:txBody>
+            <a:bodyPr rtlCol="0" anchor="ctr"/>
+            <a:lstStyle/>
+            <a:p>
+              <a:pPr algn="ctr"/>
+              <a:r>
+                <a:rPr lang="en-US" sz="1200" b="1">
+                  <a:latin typeface="Arial" panose="020B0604020202020204" pitchFamily="34" charset="0"/>
+                  <a:cs typeface="Arial" panose="020B0604020202020204" pitchFamily="34" charset="0"/>
+                </a:rPr>
+                <a:t>L</a:t>
+              </a:r>
+            </a:p>
+          </p:txBody>
+        </p:sp>
+        <p:sp>
+          <p:nvSpPr>
+            <p:cNvPr id="73" name="Oval 72">
+              <a:extLst>
+                <a:ext uri="{FF2B5EF4-FFF2-40B4-BE49-F238E27FC236}">
+                  <a16:creationId xmlns:a16="http://schemas.microsoft.com/office/drawing/2014/main" id="{3E1026E7-F5E2-46D0-9F49-F35D5F44AB95}"/>
+                </a:ext>
+              </a:extLst>
+            </p:cNvPr>
+            <p:cNvSpPr/>
+            <p:nvPr/>
+          </p:nvSpPr>
+          <p:spPr>
+            <a:xfrm>
+              <a:off x="5353157" y="2798129"/>
+              <a:ext cx="233356" cy="233356"/>
+            </a:xfrm>
+            <a:prstGeom prst="ellipse">
+              <a:avLst/>
+            </a:prstGeom>
+            <a:solidFill>
+              <a:schemeClr val="tx1">
+                <a:lumMod val="50000"/>
+                <a:lumOff val="50000"/>
+              </a:schemeClr>
+            </a:solidFill>
+            <a:ln>
+              <a:noFill/>
+            </a:ln>
+          </p:spPr>
+          <p:style>
+            <a:lnRef idx="2">
+              <a:schemeClr val="accent1">
+                <a:shade val="50000"/>
+              </a:schemeClr>
+            </a:lnRef>
+            <a:fillRef idx="1">
+              <a:schemeClr val="accent1"/>
+            </a:fillRef>
+            <a:effectRef idx="0">
+              <a:schemeClr val="accent1"/>
+            </a:effectRef>
+            <a:fontRef idx="minor">
+              <a:schemeClr val="lt1"/>
+            </a:fontRef>
+          </p:style>
+          <p:txBody>
+            <a:bodyPr rtlCol="0" anchor="ctr"/>
+            <a:lstStyle/>
+            <a:p>
+              <a:pPr algn="ctr"/>
+              <a:r>
+                <a:rPr lang="en-US" sz="1200" b="1">
+                  <a:latin typeface="Arial" panose="020B0604020202020204" pitchFamily="34" charset="0"/>
+                  <a:cs typeface="Arial" panose="020B0604020202020204" pitchFamily="34" charset="0"/>
+                </a:rPr>
+                <a:t>M</a:t>
+              </a:r>
+            </a:p>
+          </p:txBody>
+        </p:sp>
+        <p:sp>
+          <p:nvSpPr>
+            <p:cNvPr id="74" name="Oval 73">
+              <a:extLst>
+                <a:ext uri="{FF2B5EF4-FFF2-40B4-BE49-F238E27FC236}">
+                  <a16:creationId xmlns:a16="http://schemas.microsoft.com/office/drawing/2014/main" id="{E4F5E3DF-9370-4AEA-808B-A9A662370B90}"/>
+                </a:ext>
+              </a:extLst>
+            </p:cNvPr>
+            <p:cNvSpPr/>
+            <p:nvPr/>
+          </p:nvSpPr>
+          <p:spPr>
+            <a:xfrm>
+              <a:off x="5867244" y="2803385"/>
+              <a:ext cx="233356" cy="233356"/>
+            </a:xfrm>
+            <a:prstGeom prst="ellipse">
+              <a:avLst/>
+            </a:prstGeom>
+            <a:solidFill>
+              <a:schemeClr val="tx1">
+                <a:lumMod val="50000"/>
+                <a:lumOff val="50000"/>
+              </a:schemeClr>
+            </a:solidFill>
+            <a:ln>
+              <a:noFill/>
+            </a:ln>
+          </p:spPr>
+          <p:style>
+            <a:lnRef idx="2">
+              <a:schemeClr val="accent1">
+                <a:shade val="50000"/>
+              </a:schemeClr>
+            </a:lnRef>
+            <a:fillRef idx="1">
+              <a:schemeClr val="accent1"/>
+            </a:fillRef>
+            <a:effectRef idx="0">
+              <a:schemeClr val="accent1"/>
+            </a:effectRef>
+            <a:fontRef idx="minor">
+              <a:schemeClr val="lt1"/>
+            </a:fontRef>
+          </p:style>
+          <p:txBody>
+            <a:bodyPr rtlCol="0" anchor="ctr"/>
+            <a:lstStyle/>
+            <a:p>
+              <a:pPr algn="ctr"/>
+              <a:r>
+                <a:rPr lang="en-US" sz="1200" b="1">
+                  <a:latin typeface="Arial" panose="020B0604020202020204" pitchFamily="34" charset="0"/>
+                  <a:cs typeface="Arial" panose="020B0604020202020204" pitchFamily="34" charset="0"/>
+                </a:rPr>
+                <a:t>R</a:t>
+              </a:r>
+            </a:p>
+          </p:txBody>
+        </p:sp>
+      </p:grpSp>
+      <p:sp>
+        <p:nvSpPr>
+          <p:cNvPr id="83" name="Rectangle 82">
+            <a:extLst>
+              <a:ext uri="{FF2B5EF4-FFF2-40B4-BE49-F238E27FC236}">
+                <a16:creationId xmlns:a16="http://schemas.microsoft.com/office/drawing/2014/main" id="{60F6CCAF-685A-4C3F-A2E4-C9A54AB8A7BF}"/>
+              </a:ext>
+            </a:extLst>
+          </p:cNvPr>
+          <p:cNvSpPr/>
+          <p:nvPr/>
+        </p:nvSpPr>
+        <p:spPr>
+          <a:xfrm rot="16813996">
+            <a:off x="4648843" y="3694170"/>
+            <a:ext cx="1498305" cy="488414"/>
+          </a:xfrm>
+          <a:prstGeom prst="rect">
+            <a:avLst/>
+          </a:prstGeom>
+          <a:noFill/>
+          <a:ln>
+            <a:noFill/>
+          </a:ln>
+        </p:spPr>
+        <p:style>
+          <a:lnRef idx="2">
+            <a:schemeClr val="accent1">
+              <a:shade val="50000"/>
+            </a:schemeClr>
+          </a:lnRef>
+          <a:fillRef idx="1">
+            <a:schemeClr val="accent1"/>
+          </a:fillRef>
+          <a:effectRef idx="0">
+            <a:schemeClr val="accent1"/>
+          </a:effectRef>
+          <a:fontRef idx="minor">
+            <a:schemeClr val="lt1"/>
+          </a:fontRef>
+        </p:style>
+        <p:txBody>
+          <a:bodyPr rtlCol="0" anchor="ctr"/>
+          <a:lstStyle/>
+          <a:p>
+            <a:r>
+              <a:rPr lang="en-US" sz="1400">
+                <a:solidFill>
+                  <a:schemeClr val="tx1">
+                    <a:lumMod val="75000"/>
+                    <a:lumOff val="25000"/>
+                  </a:schemeClr>
+                </a:solidFill>
+              </a:rPr>
+              <a:t>Middle Section</a:t>
+            </a:r>
+          </a:p>
+        </p:txBody>
+      </p:sp>
+      <p:sp>
+        <p:nvSpPr>
+          <p:cNvPr id="92" name="Rectangle 91">
+            <a:extLst>
+              <a:ext uri="{FF2B5EF4-FFF2-40B4-BE49-F238E27FC236}">
+                <a16:creationId xmlns:a16="http://schemas.microsoft.com/office/drawing/2014/main" id="{CBBAFE34-0F95-4CB6-A016-FC01C1F6A319}"/>
+              </a:ext>
+            </a:extLst>
+          </p:cNvPr>
+          <p:cNvSpPr/>
+          <p:nvPr/>
+        </p:nvSpPr>
+        <p:spPr>
+          <a:xfrm rot="16813996">
+            <a:off x="4142977" y="3674488"/>
+            <a:ext cx="1498305" cy="488414"/>
+          </a:xfrm>
+          <a:prstGeom prst="rect">
+            <a:avLst/>
+          </a:prstGeom>
+          <a:noFill/>
+          <a:ln>
+            <a:noFill/>
+          </a:ln>
+        </p:spPr>
+        <p:style>
+          <a:lnRef idx="2">
+            <a:schemeClr val="accent1">
+              <a:shade val="50000"/>
+            </a:schemeClr>
+          </a:lnRef>
+          <a:fillRef idx="1">
+            <a:schemeClr val="accent1"/>
+          </a:fillRef>
+          <a:effectRef idx="0">
+            <a:schemeClr val="accent1"/>
+          </a:effectRef>
+          <a:fontRef idx="minor">
+            <a:schemeClr val="lt1"/>
+          </a:fontRef>
+        </p:style>
+        <p:txBody>
+          <a:bodyPr rtlCol="0" anchor="ctr"/>
+          <a:lstStyle/>
+          <a:p>
+            <a:r>
+              <a:rPr lang="en-US" sz="1400">
+                <a:solidFill>
+                  <a:schemeClr val="tx1">
+                    <a:lumMod val="75000"/>
+                    <a:lumOff val="25000"/>
+                  </a:schemeClr>
+                </a:solidFill>
+              </a:rPr>
+              <a:t>Left Section</a:t>
+            </a:r>
+          </a:p>
+        </p:txBody>
+      </p:sp>
+      <p:sp>
+        <p:nvSpPr>
+          <p:cNvPr id="96" name="Rectangle 95">
+            <a:extLst>
+              <a:ext uri="{FF2B5EF4-FFF2-40B4-BE49-F238E27FC236}">
+                <a16:creationId xmlns:a16="http://schemas.microsoft.com/office/drawing/2014/main" id="{51558CDC-5C82-48EB-BC08-B62BCE3C82E7}"/>
+              </a:ext>
+            </a:extLst>
+          </p:cNvPr>
+          <p:cNvSpPr/>
+          <p:nvPr/>
+        </p:nvSpPr>
+        <p:spPr>
+          <a:xfrm rot="16813996">
+            <a:off x="5146250" y="3711364"/>
+            <a:ext cx="1498305" cy="488414"/>
+          </a:xfrm>
+          <a:prstGeom prst="rect">
+            <a:avLst/>
+          </a:prstGeom>
+          <a:noFill/>
+          <a:ln>
+            <a:noFill/>
+          </a:ln>
+        </p:spPr>
+        <p:style>
+          <a:lnRef idx="2">
+            <a:schemeClr val="accent1">
+              <a:shade val="50000"/>
+            </a:schemeClr>
+          </a:lnRef>
+          <a:fillRef idx="1">
+            <a:schemeClr val="accent1"/>
+          </a:fillRef>
+          <a:effectRef idx="0">
+            <a:schemeClr val="accent1"/>
+          </a:effectRef>
+          <a:fontRef idx="minor">
+            <a:schemeClr val="lt1"/>
+          </a:fontRef>
+        </p:style>
+        <p:txBody>
+          <a:bodyPr rtlCol="0" anchor="ctr"/>
+          <a:lstStyle/>
+          <a:p>
+            <a:r>
+              <a:rPr lang="en-US" sz="1400">
+                <a:solidFill>
+                  <a:schemeClr val="tx1">
+                    <a:lumMod val="75000"/>
+                    <a:lumOff val="25000"/>
+                  </a:schemeClr>
+                </a:solidFill>
+              </a:rPr>
+              <a:t>Right Section</a:t>
             </a:r>
           </a:p>
         </p:txBody>
